--- a/Obligatorio_2/estructura.pptx
+++ b/Obligatorio_2/estructura.pptx
@@ -938,7 +938,7 @@
           <a:p>
             <a:fld id="{231E479A-090E-4E0E-A87B-A2D1A9833DF2}" type="datetimeFigureOut">
               <a:rPr lang="es-UY" smtClean="0"/>
-              <a:t>3 May. 2023</a:t>
+              <a:t>13/6/2023</a:t>
             </a:fld>
             <a:endParaRPr lang="es-UY"/>
           </a:p>
@@ -1138,7 +1138,7 @@
           <a:p>
             <a:fld id="{231E479A-090E-4E0E-A87B-A2D1A9833DF2}" type="datetimeFigureOut">
               <a:rPr lang="es-UY" smtClean="0"/>
-              <a:t>3 May. 2023</a:t>
+              <a:t>13/6/2023</a:t>
             </a:fld>
             <a:endParaRPr lang="es-UY"/>
           </a:p>
@@ -1348,7 +1348,7 @@
           <a:p>
             <a:fld id="{231E479A-090E-4E0E-A87B-A2D1A9833DF2}" type="datetimeFigureOut">
               <a:rPr lang="es-UY" smtClean="0"/>
-              <a:t>3 May. 2023</a:t>
+              <a:t>13/6/2023</a:t>
             </a:fld>
             <a:endParaRPr lang="es-UY"/>
           </a:p>
@@ -1548,7 +1548,7 @@
           <a:p>
             <a:fld id="{231E479A-090E-4E0E-A87B-A2D1A9833DF2}" type="datetimeFigureOut">
               <a:rPr lang="es-UY" smtClean="0"/>
-              <a:t>3 May. 2023</a:t>
+              <a:t>13/6/2023</a:t>
             </a:fld>
             <a:endParaRPr lang="es-UY"/>
           </a:p>
@@ -1824,7 +1824,7 @@
           <a:p>
             <a:fld id="{231E479A-090E-4E0E-A87B-A2D1A9833DF2}" type="datetimeFigureOut">
               <a:rPr lang="es-UY" smtClean="0"/>
-              <a:t>3 May. 2023</a:t>
+              <a:t>13/6/2023</a:t>
             </a:fld>
             <a:endParaRPr lang="es-UY"/>
           </a:p>
@@ -2092,7 +2092,7 @@
           <a:p>
             <a:fld id="{231E479A-090E-4E0E-A87B-A2D1A9833DF2}" type="datetimeFigureOut">
               <a:rPr lang="es-UY" smtClean="0"/>
-              <a:t>3 May. 2023</a:t>
+              <a:t>13/6/2023</a:t>
             </a:fld>
             <a:endParaRPr lang="es-UY"/>
           </a:p>
@@ -2507,7 +2507,7 @@
           <a:p>
             <a:fld id="{231E479A-090E-4E0E-A87B-A2D1A9833DF2}" type="datetimeFigureOut">
               <a:rPr lang="es-UY" smtClean="0"/>
-              <a:t>3 May. 2023</a:t>
+              <a:t>13/6/2023</a:t>
             </a:fld>
             <a:endParaRPr lang="es-UY"/>
           </a:p>
@@ -2649,7 +2649,7 @@
           <a:p>
             <a:fld id="{231E479A-090E-4E0E-A87B-A2D1A9833DF2}" type="datetimeFigureOut">
               <a:rPr lang="es-UY" smtClean="0"/>
-              <a:t>3 May. 2023</a:t>
+              <a:t>13/6/2023</a:t>
             </a:fld>
             <a:endParaRPr lang="es-UY"/>
           </a:p>
@@ -2762,7 +2762,7 @@
           <a:p>
             <a:fld id="{231E479A-090E-4E0E-A87B-A2D1A9833DF2}" type="datetimeFigureOut">
               <a:rPr lang="es-UY" smtClean="0"/>
-              <a:t>3 May. 2023</a:t>
+              <a:t>13/6/2023</a:t>
             </a:fld>
             <a:endParaRPr lang="es-UY"/>
           </a:p>
@@ -3075,7 +3075,7 @@
           <a:p>
             <a:fld id="{231E479A-090E-4E0E-A87B-A2D1A9833DF2}" type="datetimeFigureOut">
               <a:rPr lang="es-UY" smtClean="0"/>
-              <a:t>3 May. 2023</a:t>
+              <a:t>13/6/2023</a:t>
             </a:fld>
             <a:endParaRPr lang="es-UY"/>
           </a:p>
@@ -3364,7 +3364,7 @@
           <a:p>
             <a:fld id="{231E479A-090E-4E0E-A87B-A2D1A9833DF2}" type="datetimeFigureOut">
               <a:rPr lang="es-UY" smtClean="0"/>
-              <a:t>3 May. 2023</a:t>
+              <a:t>13/6/2023</a:t>
             </a:fld>
             <a:endParaRPr lang="es-UY"/>
           </a:p>
@@ -3607,7 +3607,7 @@
           <a:p>
             <a:fld id="{231E479A-090E-4E0E-A87B-A2D1A9833DF2}" type="datetimeFigureOut">
               <a:rPr lang="es-UY" smtClean="0"/>
-              <a:t>3 May. 2023</a:t>
+              <a:t>13/6/2023</a:t>
             </a:fld>
             <a:endParaRPr lang="es-UY"/>
           </a:p>
@@ -5583,10 +5583,10 @@
         </p:nvGrpSpPr>
         <p:grpSpPr>
           <a:xfrm>
-            <a:off x="55199" y="104633"/>
-            <a:ext cx="12177743" cy="5659110"/>
-            <a:chOff x="55199" y="104633"/>
-            <a:chExt cx="12177743" cy="5659110"/>
+            <a:off x="34278" y="79305"/>
+            <a:ext cx="12198664" cy="5984744"/>
+            <a:chOff x="34278" y="79305"/>
+            <a:chExt cx="12198664" cy="5984744"/>
           </a:xfrm>
         </p:grpSpPr>
         <p:sp>
@@ -5603,7 +5603,7 @@
           </p:nvSpPr>
           <p:spPr>
             <a:xfrm>
-              <a:off x="55199" y="104633"/>
+              <a:off x="34278" y="79305"/>
               <a:ext cx="12081602" cy="3411837"/>
             </a:xfrm>
             <a:prstGeom prst="roundRect">
@@ -5969,8 +5969,8 @@
           </p:nvSpPr>
           <p:spPr>
             <a:xfrm>
-              <a:off x="2455237" y="5260208"/>
-              <a:ext cx="752429" cy="430886"/>
+              <a:off x="2490010" y="5256585"/>
+              <a:ext cx="1207925" cy="807464"/>
             </a:xfrm>
             <a:prstGeom prst="rect">
               <a:avLst/>
@@ -6003,7 +6003,7 @@
             <a:lstStyle/>
             <a:p>
               <a:pPr algn="ctr"/>
-              <a:endParaRPr lang="es-UY"/>
+              <a:endParaRPr lang="es-UY" dirty="0"/>
             </a:p>
           </p:txBody>
         </p:sp>
@@ -6043,110 +6043,6 @@
                 <a:rPr lang="es-UY" dirty="0"/>
                 <a:t> (Pedido)</a:t>
               </a:r>
-            </a:p>
-          </p:txBody>
-        </p:sp>
-        <p:sp>
-          <p:nvSpPr>
-            <p:cNvPr id="22" name="Rectángulo 21">
-              <a:extLst>
-                <a:ext uri="{FF2B5EF4-FFF2-40B4-BE49-F238E27FC236}">
-                  <a16:creationId xmlns:a16="http://schemas.microsoft.com/office/drawing/2014/main" id="{4E1F71AD-6E22-A47D-2A64-C875E2F17F04}"/>
-                </a:ext>
-              </a:extLst>
-            </p:cNvPr>
-            <p:cNvSpPr/>
-            <p:nvPr/>
-          </p:nvSpPr>
-          <p:spPr>
-            <a:xfrm>
-              <a:off x="3309878" y="5255757"/>
-              <a:ext cx="690745" cy="430887"/>
-            </a:xfrm>
-            <a:prstGeom prst="rect">
-              <a:avLst/>
-            </a:prstGeom>
-            <a:solidFill>
-              <a:schemeClr val="accent6">
-                <a:lumMod val="60000"/>
-                <a:lumOff val="40000"/>
-              </a:schemeClr>
-            </a:solidFill>
-          </p:spPr>
-          <p:style>
-            <a:lnRef idx="2">
-              <a:schemeClr val="accent6">
-                <a:shade val="50000"/>
-              </a:schemeClr>
-            </a:lnRef>
-            <a:fillRef idx="1">
-              <a:schemeClr val="accent6"/>
-            </a:fillRef>
-            <a:effectRef idx="0">
-              <a:schemeClr val="accent6"/>
-            </a:effectRef>
-            <a:fontRef idx="minor">
-              <a:schemeClr val="lt1"/>
-            </a:fontRef>
-          </p:style>
-          <p:txBody>
-            <a:bodyPr rtlCol="0" anchor="ctr"/>
-            <a:lstStyle/>
-            <a:p>
-              <a:pPr algn="ctr"/>
-              <a:endParaRPr lang="es-UY"/>
-            </a:p>
-          </p:txBody>
-        </p:sp>
-        <p:sp>
-          <p:nvSpPr>
-            <p:cNvPr id="23" name="Rectángulo 22">
-              <a:extLst>
-                <a:ext uri="{FF2B5EF4-FFF2-40B4-BE49-F238E27FC236}">
-                  <a16:creationId xmlns:a16="http://schemas.microsoft.com/office/drawing/2014/main" id="{23B8CAC4-D738-D956-33C6-B5CA2028B64E}"/>
-                </a:ext>
-              </a:extLst>
-            </p:cNvPr>
-            <p:cNvSpPr/>
-            <p:nvPr/>
-          </p:nvSpPr>
-          <p:spPr>
-            <a:xfrm>
-              <a:off x="4126657" y="5255756"/>
-              <a:ext cx="690745" cy="430885"/>
-            </a:xfrm>
-            <a:prstGeom prst="rect">
-              <a:avLst/>
-            </a:prstGeom>
-            <a:solidFill>
-              <a:schemeClr val="accent6">
-                <a:lumMod val="60000"/>
-                <a:lumOff val="40000"/>
-              </a:schemeClr>
-            </a:solidFill>
-          </p:spPr>
-          <p:style>
-            <a:lnRef idx="2">
-              <a:schemeClr val="accent6">
-                <a:shade val="50000"/>
-              </a:schemeClr>
-            </a:lnRef>
-            <a:fillRef idx="1">
-              <a:schemeClr val="accent6"/>
-            </a:fillRef>
-            <a:effectRef idx="0">
-              <a:schemeClr val="accent6"/>
-            </a:effectRef>
-            <a:fontRef idx="minor">
-              <a:schemeClr val="lt1"/>
-            </a:fontRef>
-          </p:style>
-          <p:txBody>
-            <a:bodyPr rtlCol="0" anchor="ctr"/>
-            <a:lstStyle/>
-            <a:p>
-              <a:pPr algn="ctr"/>
-              <a:endParaRPr lang="es-UY"/>
             </a:p>
           </p:txBody>
         </p:sp>
@@ -6297,7 +6193,7 @@
           </p:nvSpPr>
           <p:spPr>
             <a:xfrm>
-              <a:off x="4817402" y="5186662"/>
+              <a:off x="6528589" y="5325161"/>
               <a:ext cx="2211127" cy="577081"/>
             </a:xfrm>
             <a:prstGeom prst="rect">
@@ -6611,7 +6507,7 @@
           <p:spPr>
             <a:xfrm>
               <a:off x="1974184" y="3860761"/>
-              <a:ext cx="3014993" cy="369332"/>
+              <a:ext cx="2220160" cy="369332"/>
             </a:xfrm>
             <a:prstGeom prst="rect">
               <a:avLst/>
@@ -6626,7 +6522,7 @@
             <a:p>
               <a:r>
                 <a:rPr lang="en-US" b="1" dirty="0" err="1"/>
-                <a:t>ListaPedidosCerrados</a:t>
+                <a:t>ListaPedidos</a:t>
               </a:r>
               <a:r>
                 <a:rPr lang="en-US" dirty="0"/>
@@ -6956,8 +6852,8 @@
           </p:nvSpPr>
           <p:spPr>
             <a:xfrm>
-              <a:off x="7222816" y="921610"/>
-              <a:ext cx="1583501" cy="861774"/>
+              <a:off x="7186405" y="902457"/>
+              <a:ext cx="2079804" cy="1015663"/>
             </a:xfrm>
             <a:prstGeom prst="rect">
               <a:avLst/>
@@ -7040,7 +6936,7 @@
               </a:r>
               <a:r>
                 <a:rPr lang="es-UY" sz="1000" dirty="0" err="1"/>
-                <a:t>enum</a:t>
+                <a:t>String</a:t>
               </a:r>
               <a:r>
                 <a:rPr lang="es-UY" sz="1000" dirty="0"/>
@@ -7085,6 +6981,32 @@
               <a:r>
                 <a:rPr lang="es-UY" sz="1000" b="1" dirty="0" err="1"/>
                 <a:t>pilaProductos</a:t>
+              </a:r>
+              <a:r>
+                <a:rPr lang="es-UY" sz="1000" dirty="0"/>
+                <a:t>;</a:t>
+              </a:r>
+            </a:p>
+            <a:p>
+              <a:r>
+                <a:rPr lang="es-UY" sz="1000" dirty="0" err="1"/>
+                <a:t>Private</a:t>
+              </a:r>
+              <a:r>
+                <a:rPr lang="es-UY" sz="1000" dirty="0"/>
+                <a:t> </a:t>
+              </a:r>
+              <a:r>
+                <a:rPr lang="es-UY" sz="1000" dirty="0" err="1"/>
+                <a:t>int</a:t>
+              </a:r>
+              <a:r>
+                <a:rPr lang="es-UY" sz="1000" dirty="0"/>
+                <a:t> </a:t>
+              </a:r>
+              <a:r>
+                <a:rPr lang="es-UY" sz="1000" dirty="0" err="1"/>
+                <a:t>UnidadesTotales</a:t>
               </a:r>
               <a:r>
                 <a:rPr lang="es-UY" sz="1000" dirty="0"/>
@@ -7510,8 +7432,8 @@
           </p:nvSpPr>
           <p:spPr>
             <a:xfrm>
-              <a:off x="1153062" y="4341999"/>
-              <a:ext cx="679994" cy="276999"/>
+              <a:off x="1114257" y="4295842"/>
+              <a:ext cx="739305" cy="276999"/>
             </a:xfrm>
             <a:prstGeom prst="rect">
               <a:avLst/>
@@ -7519,7 +7441,7 @@
             <a:noFill/>
           </p:spPr>
           <p:txBody>
-            <a:bodyPr wrap="none" rtlCol="0">
+            <a:bodyPr wrap="square" rtlCol="0">
               <a:spAutoFit/>
             </a:bodyPr>
             <a:lstStyle/>
@@ -7881,7 +7803,7 @@
           <p:spPr>
             <a:xfrm>
               <a:off x="10351308" y="1207671"/>
-              <a:ext cx="1427763" cy="276999"/>
+              <a:ext cx="1011111" cy="276999"/>
             </a:xfrm>
             <a:prstGeom prst="rect">
               <a:avLst/>
@@ -7896,7 +7818,7 @@
             <a:p>
               <a:r>
                 <a:rPr lang="es-UY" sz="1200" i="1" dirty="0" err="1"/>
-                <a:t>ProntoParaEntregar</a:t>
+                <a:t>ParaEntregar</a:t>
               </a:r>
               <a:endParaRPr lang="es-UY" sz="1200" i="1" dirty="0"/>
             </a:p>
@@ -7917,7 +7839,7 @@
           <p:spPr>
             <a:xfrm>
               <a:off x="10322422" y="1983923"/>
-              <a:ext cx="1427763" cy="276999"/>
+              <a:ext cx="1011111" cy="276999"/>
             </a:xfrm>
             <a:prstGeom prst="rect">
               <a:avLst/>
@@ -7932,7 +7854,7 @@
             <a:p>
               <a:r>
                 <a:rPr lang="es-UY" sz="1200" i="1" dirty="0" err="1"/>
-                <a:t>ProntoParaEntregar</a:t>
+                <a:t>ParaEntregar</a:t>
               </a:r>
               <a:endParaRPr lang="es-UY" sz="1200" i="1" dirty="0"/>
             </a:p>
@@ -7953,7 +7875,7 @@
           <p:spPr>
             <a:xfrm>
               <a:off x="10351307" y="2695402"/>
-              <a:ext cx="1427763" cy="276999"/>
+              <a:ext cx="1011111" cy="276999"/>
             </a:xfrm>
             <a:prstGeom prst="rect">
               <a:avLst/>
@@ -7968,7 +7890,7 @@
             <a:p>
               <a:r>
                 <a:rPr lang="es-UY" sz="1200" i="1" dirty="0" err="1"/>
-                <a:t>ProntoParaEntregar</a:t>
+                <a:t>ParaEntregar</a:t>
               </a:r>
               <a:endParaRPr lang="es-UY" sz="1200" i="1" dirty="0"/>
             </a:p>
@@ -8027,6 +7949,223 @@
           </p:txBody>
         </p:sp>
       </p:grpSp>
+      <p:sp>
+        <p:nvSpPr>
+          <p:cNvPr id="27" name="CuadroTexto 26">
+            <a:extLst>
+              <a:ext uri="{FF2B5EF4-FFF2-40B4-BE49-F238E27FC236}">
+                <a16:creationId xmlns:a16="http://schemas.microsoft.com/office/drawing/2014/main" id="{3FD05872-8293-6416-2A7E-D9A2B26FEE37}"/>
+              </a:ext>
+            </a:extLst>
+          </p:cNvPr>
+          <p:cNvSpPr txBox="1"/>
+          <p:nvPr/>
+        </p:nvSpPr>
+        <p:spPr>
+          <a:xfrm>
+            <a:off x="2455237" y="5240490"/>
+            <a:ext cx="1879355" cy="400110"/>
+          </a:xfrm>
+          <a:prstGeom prst="rect">
+            <a:avLst/>
+          </a:prstGeom>
+          <a:noFill/>
+        </p:spPr>
+        <p:txBody>
+          <a:bodyPr wrap="square">
+            <a:spAutoFit/>
+          </a:bodyPr>
+          <a:lstStyle/>
+          <a:p>
+            <a:r>
+              <a:rPr lang="es-UY" sz="1000" dirty="0" err="1"/>
+              <a:t>private</a:t>
+            </a:r>
+            <a:r>
+              <a:rPr lang="es-UY" sz="1000" dirty="0"/>
+              <a:t> </a:t>
+            </a:r>
+            <a:r>
+              <a:rPr lang="es-UY" sz="1000" dirty="0" err="1"/>
+              <a:t>int</a:t>
+            </a:r>
+            <a:r>
+              <a:rPr lang="es-UY" sz="1000" dirty="0"/>
+              <a:t> ID;</a:t>
+            </a:r>
+          </a:p>
+          <a:p>
+            <a:r>
+              <a:rPr lang="es-UY" sz="1000" dirty="0" err="1"/>
+              <a:t>private</a:t>
+            </a:r>
+            <a:r>
+              <a:rPr lang="es-UY" sz="1000" dirty="0"/>
+              <a:t> </a:t>
+            </a:r>
+            <a:r>
+              <a:rPr lang="es-UY" sz="1000" dirty="0" err="1"/>
+              <a:t>int</a:t>
+            </a:r>
+            <a:r>
+              <a:rPr lang="es-UY" sz="1000" dirty="0"/>
+              <a:t> cantidad;</a:t>
+            </a:r>
+          </a:p>
+        </p:txBody>
+      </p:sp>
+      <p:sp>
+        <p:nvSpPr>
+          <p:cNvPr id="38" name="Rectángulo 37">
+            <a:extLst>
+              <a:ext uri="{FF2B5EF4-FFF2-40B4-BE49-F238E27FC236}">
+                <a16:creationId xmlns:a16="http://schemas.microsoft.com/office/drawing/2014/main" id="{46A6BBE3-61D0-B451-EBF1-090A9FDE7AE5}"/>
+              </a:ext>
+            </a:extLst>
+          </p:cNvPr>
+          <p:cNvSpPr/>
+          <p:nvPr/>
+        </p:nvSpPr>
+        <p:spPr>
+          <a:xfrm>
+            <a:off x="3834817" y="5245667"/>
+            <a:ext cx="1207925" cy="807464"/>
+          </a:xfrm>
+          <a:prstGeom prst="rect">
+            <a:avLst/>
+          </a:prstGeom>
+          <a:solidFill>
+            <a:schemeClr val="accent6">
+              <a:lumMod val="60000"/>
+              <a:lumOff val="40000"/>
+            </a:schemeClr>
+          </a:solidFill>
+        </p:spPr>
+        <p:style>
+          <a:lnRef idx="2">
+            <a:schemeClr val="accent6">
+              <a:shade val="50000"/>
+            </a:schemeClr>
+          </a:lnRef>
+          <a:fillRef idx="1">
+            <a:schemeClr val="accent6"/>
+          </a:fillRef>
+          <a:effectRef idx="0">
+            <a:schemeClr val="accent6"/>
+          </a:effectRef>
+          <a:fontRef idx="minor">
+            <a:schemeClr val="lt1"/>
+          </a:fontRef>
+        </p:style>
+        <p:txBody>
+          <a:bodyPr rtlCol="0" anchor="ctr"/>
+          <a:lstStyle/>
+          <a:p>
+            <a:pPr algn="ctr"/>
+            <a:endParaRPr lang="es-UY" dirty="0"/>
+          </a:p>
+        </p:txBody>
+      </p:sp>
+      <p:sp>
+        <p:nvSpPr>
+          <p:cNvPr id="39" name="Rectángulo 38">
+            <a:extLst>
+              <a:ext uri="{FF2B5EF4-FFF2-40B4-BE49-F238E27FC236}">
+                <a16:creationId xmlns:a16="http://schemas.microsoft.com/office/drawing/2014/main" id="{0332BDB1-19ED-D126-EAAC-CE457DCB9557}"/>
+              </a:ext>
+            </a:extLst>
+          </p:cNvPr>
+          <p:cNvSpPr/>
+          <p:nvPr/>
+        </p:nvSpPr>
+        <p:spPr>
+          <a:xfrm>
+            <a:off x="5181703" y="5245667"/>
+            <a:ext cx="1207925" cy="807464"/>
+          </a:xfrm>
+          <a:prstGeom prst="rect">
+            <a:avLst/>
+          </a:prstGeom>
+          <a:solidFill>
+            <a:schemeClr val="accent6">
+              <a:lumMod val="60000"/>
+              <a:lumOff val="40000"/>
+            </a:schemeClr>
+          </a:solidFill>
+        </p:spPr>
+        <p:style>
+          <a:lnRef idx="2">
+            <a:schemeClr val="accent6">
+              <a:shade val="50000"/>
+            </a:schemeClr>
+          </a:lnRef>
+          <a:fillRef idx="1">
+            <a:schemeClr val="accent6"/>
+          </a:fillRef>
+          <a:effectRef idx="0">
+            <a:schemeClr val="accent6"/>
+          </a:effectRef>
+          <a:fontRef idx="minor">
+            <a:schemeClr val="lt1"/>
+          </a:fontRef>
+        </p:style>
+        <p:txBody>
+          <a:bodyPr rtlCol="0" anchor="ctr"/>
+          <a:lstStyle/>
+          <a:p>
+            <a:pPr algn="ctr"/>
+            <a:endParaRPr lang="es-UY" dirty="0"/>
+          </a:p>
+        </p:txBody>
+      </p:sp>
+      <p:sp>
+        <p:nvSpPr>
+          <p:cNvPr id="40" name="CuadroTexto 39">
+            <a:extLst>
+              <a:ext uri="{FF2B5EF4-FFF2-40B4-BE49-F238E27FC236}">
+                <a16:creationId xmlns:a16="http://schemas.microsoft.com/office/drawing/2014/main" id="{EBA69E9F-6D64-485C-5F84-42DD3C87E49F}"/>
+              </a:ext>
+            </a:extLst>
+          </p:cNvPr>
+          <p:cNvSpPr txBox="1"/>
+          <p:nvPr/>
+        </p:nvSpPr>
+        <p:spPr>
+          <a:xfrm>
+            <a:off x="222771" y="3636080"/>
+            <a:ext cx="2755113" cy="369332"/>
+          </a:xfrm>
+          <a:prstGeom prst="rect">
+            <a:avLst/>
+          </a:prstGeom>
+          <a:noFill/>
+        </p:spPr>
+        <p:txBody>
+          <a:bodyPr wrap="none" rtlCol="0">
+            <a:spAutoFit/>
+          </a:bodyPr>
+          <a:lstStyle/>
+          <a:p>
+            <a:r>
+              <a:rPr lang="en-US" dirty="0"/>
+              <a:t>Falta </a:t>
+            </a:r>
+            <a:r>
+              <a:rPr lang="en-US" dirty="0" err="1"/>
+              <a:t>pedidos</a:t>
+            </a:r>
+            <a:r>
+              <a:rPr lang="en-US" dirty="0"/>
+              <a:t> para </a:t>
+            </a:r>
+            <a:r>
+              <a:rPr lang="en-US" dirty="0" err="1"/>
+              <a:t>entregar</a:t>
+            </a:r>
+            <a:endParaRPr lang="es-UY" dirty="0"/>
+          </a:p>
+        </p:txBody>
+      </p:sp>
     </p:spTree>
     <p:extLst>
       <p:ext uri="{BB962C8B-B14F-4D97-AF65-F5344CB8AC3E}">

--- a/Obligatorio_2/estructura.pptx
+++ b/Obligatorio_2/estructura.pptx
@@ -117,7 +117,7 @@
 <file path=ppt/revisionInfo.xml><?xml version="1.0" encoding="utf-8"?>
 <p1510:revInfo xmlns:a="http://schemas.openxmlformats.org/drawingml/2006/main" xmlns:r="http://schemas.openxmlformats.org/officeDocument/2006/relationships" xmlns:p1510="http://schemas.microsoft.com/office/powerpoint/2015/10/main">
   <p1510:revLst>
-    <p1510:client id="{CEFFCF97-A6EB-42E5-A1B4-79EF91758720}" v="29" dt="2023-05-03T18:37:15.840"/>
+    <p1510:client id="{3F9A8106-E5B8-4F4C-A2C1-46C215EFAA05}" v="4" dt="2023-06-14T13:35:42.281"/>
   </p1510:revLst>
 </p1510:revInfo>
 </file>
@@ -777,6 +777,438 @@
         </pc:cxnChg>
         <pc:cxnChg chg="mod">
           <ac:chgData name="Sofi Fernandez" userId="5dcd86d9bf03d87f" providerId="LiveId" clId="{CEFFCF97-A6EB-42E5-A1B4-79EF91758720}" dt="2023-05-03T18:37:15.840" v="1333" actId="164"/>
+          <ac:cxnSpMkLst>
+            <pc:docMk/>
+            <pc:sldMk cId="1857491606" sldId="258"/>
+            <ac:cxnSpMk id="30" creationId="{583D7A11-6D9E-0F74-8A41-FF4898A569CD}"/>
+          </ac:cxnSpMkLst>
+        </pc:cxnChg>
+      </pc:sldChg>
+    </pc:docChg>
+  </pc:docChgLst>
+  <pc:docChgLst>
+    <pc:chgData name="Sofi Fernandez" userId="5dcd86d9bf03d87f" providerId="LiveId" clId="{3F9A8106-E5B8-4F4C-A2C1-46C215EFAA05}"/>
+    <pc:docChg chg="undo custSel modSld">
+      <pc:chgData name="Sofi Fernandez" userId="5dcd86d9bf03d87f" providerId="LiveId" clId="{3F9A8106-E5B8-4F4C-A2C1-46C215EFAA05}" dt="2023-06-14T13:39:40.922" v="518" actId="113"/>
+      <pc:docMkLst>
+        <pc:docMk/>
+      </pc:docMkLst>
+      <pc:sldChg chg="addSp delSp modSp mod">
+        <pc:chgData name="Sofi Fernandez" userId="5dcd86d9bf03d87f" providerId="LiveId" clId="{3F9A8106-E5B8-4F4C-A2C1-46C215EFAA05}" dt="2023-06-14T13:39:40.922" v="518" actId="113"/>
+        <pc:sldMkLst>
+          <pc:docMk/>
+          <pc:sldMk cId="1857491606" sldId="258"/>
+        </pc:sldMkLst>
+        <pc:spChg chg="mod topLvl">
+          <ac:chgData name="Sofi Fernandez" userId="5dcd86d9bf03d87f" providerId="LiveId" clId="{3F9A8106-E5B8-4F4C-A2C1-46C215EFAA05}" dt="2023-06-14T13:33:48.832" v="443" actId="1036"/>
+          <ac:spMkLst>
+            <pc:docMk/>
+            <pc:sldMk cId="1857491606" sldId="258"/>
+            <ac:spMk id="2" creationId="{BA0B6EE6-4538-E103-BF58-0802A09FF01B}"/>
+          </ac:spMkLst>
+        </pc:spChg>
+        <pc:spChg chg="mod topLvl">
+          <ac:chgData name="Sofi Fernandez" userId="5dcd86d9bf03d87f" providerId="LiveId" clId="{3F9A8106-E5B8-4F4C-A2C1-46C215EFAA05}" dt="2023-06-14T13:33:59.161" v="444" actId="14100"/>
+          <ac:spMkLst>
+            <pc:docMk/>
+            <pc:sldMk cId="1857491606" sldId="258"/>
+            <ac:spMk id="3" creationId="{95911338-262D-7B49-33B7-AE2E84EDCA3E}"/>
+          </ac:spMkLst>
+        </pc:spChg>
+        <pc:spChg chg="mod topLvl">
+          <ac:chgData name="Sofi Fernandez" userId="5dcd86d9bf03d87f" providerId="LiveId" clId="{3F9A8106-E5B8-4F4C-A2C1-46C215EFAA05}" dt="2023-06-14T13:33:48.832" v="443" actId="1036"/>
+          <ac:spMkLst>
+            <pc:docMk/>
+            <pc:sldMk cId="1857491606" sldId="258"/>
+            <ac:spMk id="4" creationId="{8E20DFBD-0FDC-CFBE-D1FF-6F795AE7A329}"/>
+          </ac:spMkLst>
+        </pc:spChg>
+        <pc:spChg chg="mod topLvl">
+          <ac:chgData name="Sofi Fernandez" userId="5dcd86d9bf03d87f" providerId="LiveId" clId="{3F9A8106-E5B8-4F4C-A2C1-46C215EFAA05}" dt="2023-06-14T13:34:07.890" v="465" actId="1035"/>
+          <ac:spMkLst>
+            <pc:docMk/>
+            <pc:sldMk cId="1857491606" sldId="258"/>
+            <ac:spMk id="5" creationId="{45F51AFA-473D-FCCF-98D8-C1D95D16F69F}"/>
+          </ac:spMkLst>
+        </pc:spChg>
+        <pc:spChg chg="mod topLvl">
+          <ac:chgData name="Sofi Fernandez" userId="5dcd86d9bf03d87f" providerId="LiveId" clId="{3F9A8106-E5B8-4F4C-A2C1-46C215EFAA05}" dt="2023-06-14T13:33:48.832" v="443" actId="1036"/>
+          <ac:spMkLst>
+            <pc:docMk/>
+            <pc:sldMk cId="1857491606" sldId="258"/>
+            <ac:spMk id="7" creationId="{A7EE3BBC-1498-E26E-FE19-C1F8E59937FA}"/>
+          </ac:spMkLst>
+        </pc:spChg>
+        <pc:spChg chg="mod topLvl">
+          <ac:chgData name="Sofi Fernandez" userId="5dcd86d9bf03d87f" providerId="LiveId" clId="{3F9A8106-E5B8-4F4C-A2C1-46C215EFAA05}" dt="2023-06-14T13:33:48.832" v="443" actId="1036"/>
+          <ac:spMkLst>
+            <pc:docMk/>
+            <pc:sldMk cId="1857491606" sldId="258"/>
+            <ac:spMk id="8" creationId="{134F8412-F78E-DE75-6C45-1C63F7E9C8EA}"/>
+          </ac:spMkLst>
+        </pc:spChg>
+        <pc:spChg chg="mod topLvl">
+          <ac:chgData name="Sofi Fernandez" userId="5dcd86d9bf03d87f" providerId="LiveId" clId="{3F9A8106-E5B8-4F4C-A2C1-46C215EFAA05}" dt="2023-06-14T13:33:48.832" v="443" actId="1036"/>
+          <ac:spMkLst>
+            <pc:docMk/>
+            <pc:sldMk cId="1857491606" sldId="258"/>
+            <ac:spMk id="9" creationId="{955BBB35-0100-7EB5-46F6-81013E689508}"/>
+          </ac:spMkLst>
+        </pc:spChg>
+        <pc:spChg chg="mod topLvl">
+          <ac:chgData name="Sofi Fernandez" userId="5dcd86d9bf03d87f" providerId="LiveId" clId="{3F9A8106-E5B8-4F4C-A2C1-46C215EFAA05}" dt="2023-06-14T13:33:48.832" v="443" actId="1036"/>
+          <ac:spMkLst>
+            <pc:docMk/>
+            <pc:sldMk cId="1857491606" sldId="258"/>
+            <ac:spMk id="10" creationId="{EAC9CFAD-DCF2-2A10-F70F-FD5571DA632F}"/>
+          </ac:spMkLst>
+        </pc:spChg>
+        <pc:spChg chg="mod topLvl">
+          <ac:chgData name="Sofi Fernandez" userId="5dcd86d9bf03d87f" providerId="LiveId" clId="{3F9A8106-E5B8-4F4C-A2C1-46C215EFAA05}" dt="2023-06-14T13:34:07.890" v="465" actId="1035"/>
+          <ac:spMkLst>
+            <pc:docMk/>
+            <pc:sldMk cId="1857491606" sldId="258"/>
+            <ac:spMk id="11" creationId="{7271AA81-1F73-E4C6-70AE-B9A7BE60EC8C}"/>
+          </ac:spMkLst>
+        </pc:spChg>
+        <pc:spChg chg="mod topLvl">
+          <ac:chgData name="Sofi Fernandez" userId="5dcd86d9bf03d87f" providerId="LiveId" clId="{3F9A8106-E5B8-4F4C-A2C1-46C215EFAA05}" dt="2023-06-14T13:33:48.832" v="443" actId="1036"/>
+          <ac:spMkLst>
+            <pc:docMk/>
+            <pc:sldMk cId="1857491606" sldId="258"/>
+            <ac:spMk id="12" creationId="{1D8DE4B3-5614-EC20-7E22-4E4D9C0394BB}"/>
+          </ac:spMkLst>
+        </pc:spChg>
+        <pc:spChg chg="mod topLvl">
+          <ac:chgData name="Sofi Fernandez" userId="5dcd86d9bf03d87f" providerId="LiveId" clId="{3F9A8106-E5B8-4F4C-A2C1-46C215EFAA05}" dt="2023-06-14T13:33:48.832" v="443" actId="1036"/>
+          <ac:spMkLst>
+            <pc:docMk/>
+            <pc:sldMk cId="1857491606" sldId="258"/>
+            <ac:spMk id="14" creationId="{26887DC5-23BC-230D-690C-08F829EB4DE9}"/>
+          </ac:spMkLst>
+        </pc:spChg>
+        <pc:spChg chg="add mod">
+          <ac:chgData name="Sofi Fernandez" userId="5dcd86d9bf03d87f" providerId="LiveId" clId="{3F9A8106-E5B8-4F4C-A2C1-46C215EFAA05}" dt="2023-06-14T13:36:41.548" v="516" actId="1076"/>
+          <ac:spMkLst>
+            <pc:docMk/>
+            <pc:sldMk cId="1857491606" sldId="258"/>
+            <ac:spMk id="15" creationId="{C7C7FD16-2A06-E8CC-B05D-EEFCBE594B32}"/>
+          </ac:spMkLst>
+        </pc:spChg>
+        <pc:spChg chg="mod topLvl">
+          <ac:chgData name="Sofi Fernandez" userId="5dcd86d9bf03d87f" providerId="LiveId" clId="{3F9A8106-E5B8-4F4C-A2C1-46C215EFAA05}" dt="2023-06-14T13:34:19.611" v="468" actId="20577"/>
+          <ac:spMkLst>
+            <pc:docMk/>
+            <pc:sldMk cId="1857491606" sldId="258"/>
+            <ac:spMk id="16" creationId="{74940B42-6742-9E5D-19ED-60BA00053131}"/>
+          </ac:spMkLst>
+        </pc:spChg>
+        <pc:spChg chg="mod topLvl">
+          <ac:chgData name="Sofi Fernandez" userId="5dcd86d9bf03d87f" providerId="LiveId" clId="{3F9A8106-E5B8-4F4C-A2C1-46C215EFAA05}" dt="2023-06-14T13:34:29.588" v="470" actId="20577"/>
+          <ac:spMkLst>
+            <pc:docMk/>
+            <pc:sldMk cId="1857491606" sldId="258"/>
+            <ac:spMk id="17" creationId="{DFAFAC94-7726-C550-AD0E-66EBC61B15BC}"/>
+          </ac:spMkLst>
+        </pc:spChg>
+        <pc:spChg chg="mod topLvl">
+          <ac:chgData name="Sofi Fernandez" userId="5dcd86d9bf03d87f" providerId="LiveId" clId="{3F9A8106-E5B8-4F4C-A2C1-46C215EFAA05}" dt="2023-06-14T13:33:48.832" v="443" actId="1036"/>
+          <ac:spMkLst>
+            <pc:docMk/>
+            <pc:sldMk cId="1857491606" sldId="258"/>
+            <ac:spMk id="19" creationId="{CF6B36BF-CA83-4C16-2878-9F1B073A9F33}"/>
+          </ac:spMkLst>
+        </pc:spChg>
+        <pc:spChg chg="mod topLvl">
+          <ac:chgData name="Sofi Fernandez" userId="5dcd86d9bf03d87f" providerId="LiveId" clId="{3F9A8106-E5B8-4F4C-A2C1-46C215EFAA05}" dt="2023-06-14T13:34:57.771" v="480" actId="113"/>
+          <ac:spMkLst>
+            <pc:docMk/>
+            <pc:sldMk cId="1857491606" sldId="258"/>
+            <ac:spMk id="20" creationId="{AF9EC196-11E2-4549-EEE1-461C2BDE45B9}"/>
+          </ac:spMkLst>
+        </pc:spChg>
+        <pc:spChg chg="mod topLvl">
+          <ac:chgData name="Sofi Fernandez" userId="5dcd86d9bf03d87f" providerId="LiveId" clId="{3F9A8106-E5B8-4F4C-A2C1-46C215EFAA05}" dt="2023-06-14T13:33:48.832" v="443" actId="1036"/>
+          <ac:spMkLst>
+            <pc:docMk/>
+            <pc:sldMk cId="1857491606" sldId="258"/>
+            <ac:spMk id="21" creationId="{0BD4AAE6-AC89-C6C9-91ED-0B7187C44C9B}"/>
+          </ac:spMkLst>
+        </pc:spChg>
+        <pc:spChg chg="mod topLvl">
+          <ac:chgData name="Sofi Fernandez" userId="5dcd86d9bf03d87f" providerId="LiveId" clId="{3F9A8106-E5B8-4F4C-A2C1-46C215EFAA05}" dt="2023-06-14T13:33:48.832" v="443" actId="1036"/>
+          <ac:spMkLst>
+            <pc:docMk/>
+            <pc:sldMk cId="1857491606" sldId="258"/>
+            <ac:spMk id="24" creationId="{4E8827D2-C37F-76E1-47E5-9F88D819006C}"/>
+          </ac:spMkLst>
+        </pc:spChg>
+        <pc:spChg chg="mod topLvl">
+          <ac:chgData name="Sofi Fernandez" userId="5dcd86d9bf03d87f" providerId="LiveId" clId="{3F9A8106-E5B8-4F4C-A2C1-46C215EFAA05}" dt="2023-06-14T13:34:07.890" v="465" actId="1035"/>
+          <ac:spMkLst>
+            <pc:docMk/>
+            <pc:sldMk cId="1857491606" sldId="258"/>
+            <ac:spMk id="25" creationId="{5DABC579-AEF4-C43A-12AF-9795422F78AE}"/>
+          </ac:spMkLst>
+        </pc:spChg>
+        <pc:spChg chg="mod topLvl">
+          <ac:chgData name="Sofi Fernandez" userId="5dcd86d9bf03d87f" providerId="LiveId" clId="{3F9A8106-E5B8-4F4C-A2C1-46C215EFAA05}" dt="2023-06-14T13:33:48.832" v="443" actId="1036"/>
+          <ac:spMkLst>
+            <pc:docMk/>
+            <pc:sldMk cId="1857491606" sldId="258"/>
+            <ac:spMk id="26" creationId="{E1D28098-26E0-366C-D16D-75ADED6F6D87}"/>
+          </ac:spMkLst>
+        </pc:spChg>
+        <pc:spChg chg="mod">
+          <ac:chgData name="Sofi Fernandez" userId="5dcd86d9bf03d87f" providerId="LiveId" clId="{3F9A8106-E5B8-4F4C-A2C1-46C215EFAA05}" dt="2023-06-14T13:36:47.353" v="517" actId="1076"/>
+          <ac:spMkLst>
+            <pc:docMk/>
+            <pc:sldMk cId="1857491606" sldId="258"/>
+            <ac:spMk id="27" creationId="{3FD05872-8293-6416-2A7E-D9A2B26FEE37}"/>
+          </ac:spMkLst>
+        </pc:spChg>
+        <pc:spChg chg="mod topLvl">
+          <ac:chgData name="Sofi Fernandez" userId="5dcd86d9bf03d87f" providerId="LiveId" clId="{3F9A8106-E5B8-4F4C-A2C1-46C215EFAA05}" dt="2023-06-14T13:39:40.922" v="518" actId="113"/>
+          <ac:spMkLst>
+            <pc:docMk/>
+            <pc:sldMk cId="1857491606" sldId="258"/>
+            <ac:spMk id="29" creationId="{51D24C7D-AA9A-371B-B4F3-CAECA2210592}"/>
+          </ac:spMkLst>
+        </pc:spChg>
+        <pc:spChg chg="mod topLvl">
+          <ac:chgData name="Sofi Fernandez" userId="5dcd86d9bf03d87f" providerId="LiveId" clId="{3F9A8106-E5B8-4F4C-A2C1-46C215EFAA05}" dt="2023-06-14T13:33:48.832" v="443" actId="1036"/>
+          <ac:spMkLst>
+            <pc:docMk/>
+            <pc:sldMk cId="1857491606" sldId="258"/>
+            <ac:spMk id="32" creationId="{5C33449E-246E-476B-5E7D-DD20D8213147}"/>
+          </ac:spMkLst>
+        </pc:spChg>
+        <pc:spChg chg="mod topLvl">
+          <ac:chgData name="Sofi Fernandez" userId="5dcd86d9bf03d87f" providerId="LiveId" clId="{3F9A8106-E5B8-4F4C-A2C1-46C215EFAA05}" dt="2023-06-14T13:33:48.832" v="443" actId="1036"/>
+          <ac:spMkLst>
+            <pc:docMk/>
+            <pc:sldMk cId="1857491606" sldId="258"/>
+            <ac:spMk id="33" creationId="{B48A363C-AE49-66AD-16A1-EF2222439BD3}"/>
+          </ac:spMkLst>
+        </pc:spChg>
+        <pc:spChg chg="mod topLvl">
+          <ac:chgData name="Sofi Fernandez" userId="5dcd86d9bf03d87f" providerId="LiveId" clId="{3F9A8106-E5B8-4F4C-A2C1-46C215EFAA05}" dt="2023-06-14T13:33:48.832" v="443" actId="1036"/>
+          <ac:spMkLst>
+            <pc:docMk/>
+            <pc:sldMk cId="1857491606" sldId="258"/>
+            <ac:spMk id="34" creationId="{3F3ADED7-FE15-8C10-1B98-FA35576FCDC9}"/>
+          </ac:spMkLst>
+        </pc:spChg>
+        <pc:spChg chg="mod topLvl">
+          <ac:chgData name="Sofi Fernandez" userId="5dcd86d9bf03d87f" providerId="LiveId" clId="{3F9A8106-E5B8-4F4C-A2C1-46C215EFAA05}" dt="2023-06-14T13:35:26.753" v="503" actId="1076"/>
+          <ac:spMkLst>
+            <pc:docMk/>
+            <pc:sldMk cId="1857491606" sldId="258"/>
+            <ac:spMk id="35" creationId="{6D232677-BD88-1493-AB99-F3C0661E7921}"/>
+          </ac:spMkLst>
+        </pc:spChg>
+        <pc:spChg chg="mod topLvl">
+          <ac:chgData name="Sofi Fernandez" userId="5dcd86d9bf03d87f" providerId="LiveId" clId="{3F9A8106-E5B8-4F4C-A2C1-46C215EFAA05}" dt="2023-06-14T13:36:20.458" v="513" actId="1076"/>
+          <ac:spMkLst>
+            <pc:docMk/>
+            <pc:sldMk cId="1857491606" sldId="258"/>
+            <ac:spMk id="36" creationId="{05D2C676-402B-893F-D85C-9083FD14B72B}"/>
+          </ac:spMkLst>
+        </pc:spChg>
+        <pc:spChg chg="mod topLvl">
+          <ac:chgData name="Sofi Fernandez" userId="5dcd86d9bf03d87f" providerId="LiveId" clId="{3F9A8106-E5B8-4F4C-A2C1-46C215EFAA05}" dt="2023-06-14T13:33:48.832" v="443" actId="1036"/>
+          <ac:spMkLst>
+            <pc:docMk/>
+            <pc:sldMk cId="1857491606" sldId="258"/>
+            <ac:spMk id="37" creationId="{C5D48424-461D-6B81-BCBA-7FD04F2A7D91}"/>
+          </ac:spMkLst>
+        </pc:spChg>
+        <pc:spChg chg="mod">
+          <ac:chgData name="Sofi Fernandez" userId="5dcd86d9bf03d87f" providerId="LiveId" clId="{3F9A8106-E5B8-4F4C-A2C1-46C215EFAA05}" dt="2023-06-14T13:33:48.832" v="443" actId="1036"/>
+          <ac:spMkLst>
+            <pc:docMk/>
+            <pc:sldMk cId="1857491606" sldId="258"/>
+            <ac:spMk id="38" creationId="{46A6BBE3-61D0-B451-EBF1-090A9FDE7AE5}"/>
+          </ac:spMkLst>
+        </pc:spChg>
+        <pc:spChg chg="mod">
+          <ac:chgData name="Sofi Fernandez" userId="5dcd86d9bf03d87f" providerId="LiveId" clId="{3F9A8106-E5B8-4F4C-A2C1-46C215EFAA05}" dt="2023-06-14T13:33:48.832" v="443" actId="1036"/>
+          <ac:spMkLst>
+            <pc:docMk/>
+            <pc:sldMk cId="1857491606" sldId="258"/>
+            <ac:spMk id="39" creationId="{0332BDB1-19ED-D126-EAAC-CE457DCB9557}"/>
+          </ac:spMkLst>
+        </pc:spChg>
+        <pc:spChg chg="del mod">
+          <ac:chgData name="Sofi Fernandez" userId="5dcd86d9bf03d87f" providerId="LiveId" clId="{3F9A8106-E5B8-4F4C-A2C1-46C215EFAA05}" dt="2023-06-14T13:22:01.141" v="69" actId="478"/>
+          <ac:spMkLst>
+            <pc:docMk/>
+            <pc:sldMk cId="1857491606" sldId="258"/>
+            <ac:spMk id="40" creationId="{EBA69E9F-6D64-485C-5F84-42DD3C87E49F}"/>
+          </ac:spMkLst>
+        </pc:spChg>
+        <pc:spChg chg="mod topLvl">
+          <ac:chgData name="Sofi Fernandez" userId="5dcd86d9bf03d87f" providerId="LiveId" clId="{3F9A8106-E5B8-4F4C-A2C1-46C215EFAA05}" dt="2023-06-14T13:33:48.832" v="443" actId="1036"/>
+          <ac:spMkLst>
+            <pc:docMk/>
+            <pc:sldMk cId="1857491606" sldId="258"/>
+            <ac:spMk id="41" creationId="{A6471AA1-3783-39B1-6422-74D4A608E628}"/>
+          </ac:spMkLst>
+        </pc:spChg>
+        <pc:spChg chg="mod topLvl">
+          <ac:chgData name="Sofi Fernandez" userId="5dcd86d9bf03d87f" providerId="LiveId" clId="{3F9A8106-E5B8-4F4C-A2C1-46C215EFAA05}" dt="2023-06-14T13:33:48.832" v="443" actId="1036"/>
+          <ac:spMkLst>
+            <pc:docMk/>
+            <pc:sldMk cId="1857491606" sldId="258"/>
+            <ac:spMk id="42" creationId="{28402205-DE90-C306-2B47-3B06453ADB30}"/>
+          </ac:spMkLst>
+        </pc:spChg>
+        <pc:spChg chg="mod topLvl">
+          <ac:chgData name="Sofi Fernandez" userId="5dcd86d9bf03d87f" providerId="LiveId" clId="{3F9A8106-E5B8-4F4C-A2C1-46C215EFAA05}" dt="2023-06-14T13:33:48.832" v="443" actId="1036"/>
+          <ac:spMkLst>
+            <pc:docMk/>
+            <pc:sldMk cId="1857491606" sldId="258"/>
+            <ac:spMk id="43" creationId="{ED35BCF5-B5AD-2005-B077-F03E180D7358}"/>
+          </ac:spMkLst>
+        </pc:spChg>
+        <pc:spChg chg="mod topLvl">
+          <ac:chgData name="Sofi Fernandez" userId="5dcd86d9bf03d87f" providerId="LiveId" clId="{3F9A8106-E5B8-4F4C-A2C1-46C215EFAA05}" dt="2023-06-14T13:33:48.832" v="443" actId="1036"/>
+          <ac:spMkLst>
+            <pc:docMk/>
+            <pc:sldMk cId="1857491606" sldId="258"/>
+            <ac:spMk id="45" creationId="{A979DDA7-D82F-A449-2CC0-5D1D97106448}"/>
+          </ac:spMkLst>
+        </pc:spChg>
+        <pc:spChg chg="mod topLvl">
+          <ac:chgData name="Sofi Fernandez" userId="5dcd86d9bf03d87f" providerId="LiveId" clId="{3F9A8106-E5B8-4F4C-A2C1-46C215EFAA05}" dt="2023-06-14T13:33:48.832" v="443" actId="1036"/>
+          <ac:spMkLst>
+            <pc:docMk/>
+            <pc:sldMk cId="1857491606" sldId="258"/>
+            <ac:spMk id="47" creationId="{C3A9A9D0-BA11-006F-E277-4199AFD2C8FA}"/>
+          </ac:spMkLst>
+        </pc:spChg>
+        <pc:spChg chg="mod topLvl">
+          <ac:chgData name="Sofi Fernandez" userId="5dcd86d9bf03d87f" providerId="LiveId" clId="{3F9A8106-E5B8-4F4C-A2C1-46C215EFAA05}" dt="2023-06-14T13:33:48.832" v="443" actId="1036"/>
+          <ac:spMkLst>
+            <pc:docMk/>
+            <pc:sldMk cId="1857491606" sldId="258"/>
+            <ac:spMk id="48" creationId="{9A6BA44E-135B-C855-06A2-B8595306141B}"/>
+          </ac:spMkLst>
+        </pc:spChg>
+        <pc:spChg chg="mod topLvl">
+          <ac:chgData name="Sofi Fernandez" userId="5dcd86d9bf03d87f" providerId="LiveId" clId="{3F9A8106-E5B8-4F4C-A2C1-46C215EFAA05}" dt="2023-06-14T13:33:48.832" v="443" actId="1036"/>
+          <ac:spMkLst>
+            <pc:docMk/>
+            <pc:sldMk cId="1857491606" sldId="258"/>
+            <ac:spMk id="49" creationId="{12CCCDD6-DB9F-2B15-AC38-66B77947AB1F}"/>
+          </ac:spMkLst>
+        </pc:spChg>
+        <pc:spChg chg="mod topLvl">
+          <ac:chgData name="Sofi Fernandez" userId="5dcd86d9bf03d87f" providerId="LiveId" clId="{3F9A8106-E5B8-4F4C-A2C1-46C215EFAA05}" dt="2023-06-14T13:33:48.832" v="443" actId="1036"/>
+          <ac:spMkLst>
+            <pc:docMk/>
+            <pc:sldMk cId="1857491606" sldId="258"/>
+            <ac:spMk id="50" creationId="{05CCD542-BA2A-7325-014E-002D5C4A2307}"/>
+          </ac:spMkLst>
+        </pc:spChg>
+        <pc:spChg chg="mod topLvl">
+          <ac:chgData name="Sofi Fernandez" userId="5dcd86d9bf03d87f" providerId="LiveId" clId="{3F9A8106-E5B8-4F4C-A2C1-46C215EFAA05}" dt="2023-06-14T13:33:48.832" v="443" actId="1036"/>
+          <ac:spMkLst>
+            <pc:docMk/>
+            <pc:sldMk cId="1857491606" sldId="258"/>
+            <ac:spMk id="52" creationId="{0016181F-B7FC-078C-7D9D-27533DD2B339}"/>
+          </ac:spMkLst>
+        </pc:spChg>
+        <pc:spChg chg="mod topLvl">
+          <ac:chgData name="Sofi Fernandez" userId="5dcd86d9bf03d87f" providerId="LiveId" clId="{3F9A8106-E5B8-4F4C-A2C1-46C215EFAA05}" dt="2023-06-14T13:33:48.832" v="443" actId="1036"/>
+          <ac:spMkLst>
+            <pc:docMk/>
+            <pc:sldMk cId="1857491606" sldId="258"/>
+            <ac:spMk id="53" creationId="{7FE5730F-3E2F-F60F-E9A2-5ABF5A213D0B}"/>
+          </ac:spMkLst>
+        </pc:spChg>
+        <pc:spChg chg="mod topLvl">
+          <ac:chgData name="Sofi Fernandez" userId="5dcd86d9bf03d87f" providerId="LiveId" clId="{3F9A8106-E5B8-4F4C-A2C1-46C215EFAA05}" dt="2023-06-14T13:34:07.890" v="465" actId="1035"/>
+          <ac:spMkLst>
+            <pc:docMk/>
+            <pc:sldMk cId="1857491606" sldId="258"/>
+            <ac:spMk id="54" creationId="{D7CA9954-7CC9-131B-0630-ACDEB6CC655E}"/>
+          </ac:spMkLst>
+        </pc:spChg>
+        <pc:spChg chg="mod topLvl">
+          <ac:chgData name="Sofi Fernandez" userId="5dcd86d9bf03d87f" providerId="LiveId" clId="{3F9A8106-E5B8-4F4C-A2C1-46C215EFAA05}" dt="2023-06-14T13:33:48.832" v="443" actId="1036"/>
+          <ac:spMkLst>
+            <pc:docMk/>
+            <pc:sldMk cId="1857491606" sldId="258"/>
+            <ac:spMk id="57" creationId="{AE63BDF4-15E3-3FB8-9F71-5C166AE1BD52}"/>
+          </ac:spMkLst>
+        </pc:spChg>
+        <pc:spChg chg="mod topLvl">
+          <ac:chgData name="Sofi Fernandez" userId="5dcd86d9bf03d87f" providerId="LiveId" clId="{3F9A8106-E5B8-4F4C-A2C1-46C215EFAA05}" dt="2023-06-14T13:33:48.832" v="443" actId="1036"/>
+          <ac:spMkLst>
+            <pc:docMk/>
+            <pc:sldMk cId="1857491606" sldId="258"/>
+            <ac:spMk id="58" creationId="{CDFE4583-7628-7507-91FD-B26A1612925B}"/>
+          </ac:spMkLst>
+        </pc:spChg>
+        <pc:spChg chg="mod topLvl">
+          <ac:chgData name="Sofi Fernandez" userId="5dcd86d9bf03d87f" providerId="LiveId" clId="{3F9A8106-E5B8-4F4C-A2C1-46C215EFAA05}" dt="2023-06-14T13:33:48.832" v="443" actId="1036"/>
+          <ac:spMkLst>
+            <pc:docMk/>
+            <pc:sldMk cId="1857491606" sldId="258"/>
+            <ac:spMk id="59" creationId="{69796DB1-D39D-0D80-E482-08F3B8A52672}"/>
+          </ac:spMkLst>
+        </pc:spChg>
+        <pc:spChg chg="mod topLvl">
+          <ac:chgData name="Sofi Fernandez" userId="5dcd86d9bf03d87f" providerId="LiveId" clId="{3F9A8106-E5B8-4F4C-A2C1-46C215EFAA05}" dt="2023-06-14T13:33:48.832" v="443" actId="1036"/>
+          <ac:spMkLst>
+            <pc:docMk/>
+            <pc:sldMk cId="1857491606" sldId="258"/>
+            <ac:spMk id="60" creationId="{86E31EFE-3D1B-0707-E7D9-A5C1C5CB23D2}"/>
+          </ac:spMkLst>
+        </pc:spChg>
+        <pc:spChg chg="mod topLvl">
+          <ac:chgData name="Sofi Fernandez" userId="5dcd86d9bf03d87f" providerId="LiveId" clId="{3F9A8106-E5B8-4F4C-A2C1-46C215EFAA05}" dt="2023-06-14T13:33:48.832" v="443" actId="1036"/>
+          <ac:spMkLst>
+            <pc:docMk/>
+            <pc:sldMk cId="1857491606" sldId="258"/>
+            <ac:spMk id="61" creationId="{79CF027D-F1B8-C04C-AE91-55BA2FD0D55F}"/>
+          </ac:spMkLst>
+        </pc:spChg>
+        <pc:grpChg chg="del mod">
+          <ac:chgData name="Sofi Fernandez" userId="5dcd86d9bf03d87f" providerId="LiveId" clId="{3F9A8106-E5B8-4F4C-A2C1-46C215EFAA05}" dt="2023-06-14T13:17:00.495" v="1" actId="165"/>
+          <ac:grpSpMkLst>
+            <pc:docMk/>
+            <pc:sldMk cId="1857491606" sldId="258"/>
+            <ac:grpSpMk id="13" creationId="{D9F1A4B9-EFB6-64D6-885A-6FC5FB5EBEDA}"/>
+          </ac:grpSpMkLst>
+        </pc:grpChg>
+        <pc:cxnChg chg="add mod">
+          <ac:chgData name="Sofi Fernandez" userId="5dcd86d9bf03d87f" providerId="LiveId" clId="{3F9A8106-E5B8-4F4C-A2C1-46C215EFAA05}" dt="2023-06-14T13:33:48.832" v="443" actId="1036"/>
+          <ac:cxnSpMkLst>
+            <pc:docMk/>
+            <pc:sldMk cId="1857491606" sldId="258"/>
+            <ac:cxnSpMk id="6" creationId="{A2D2C8EA-5B75-CAD5-ECAC-1FB3DE1CAE1F}"/>
+          </ac:cxnSpMkLst>
+        </pc:cxnChg>
+        <pc:cxnChg chg="mod topLvl">
+          <ac:chgData name="Sofi Fernandez" userId="5dcd86d9bf03d87f" providerId="LiveId" clId="{3F9A8106-E5B8-4F4C-A2C1-46C215EFAA05}" dt="2023-06-14T13:33:48.832" v="443" actId="1036"/>
+          <ac:cxnSpMkLst>
+            <pc:docMk/>
+            <pc:sldMk cId="1857491606" sldId="258"/>
+            <ac:cxnSpMk id="18" creationId="{953C0AFA-3605-471F-EB0A-30D17221ED57}"/>
+          </ac:cxnSpMkLst>
+        </pc:cxnChg>
+        <pc:cxnChg chg="add mod">
+          <ac:chgData name="Sofi Fernandez" userId="5dcd86d9bf03d87f" providerId="LiveId" clId="{3F9A8106-E5B8-4F4C-A2C1-46C215EFAA05}" dt="2023-06-14T13:36:17.386" v="512" actId="1076"/>
+          <ac:cxnSpMkLst>
+            <pc:docMk/>
+            <pc:sldMk cId="1857491606" sldId="258"/>
+            <ac:cxnSpMk id="22" creationId="{32458F9F-B566-3EC4-3F97-D52907DA1276}"/>
+          </ac:cxnSpMkLst>
+        </pc:cxnChg>
+        <pc:cxnChg chg="mod topLvl">
+          <ac:chgData name="Sofi Fernandez" userId="5dcd86d9bf03d87f" providerId="LiveId" clId="{3F9A8106-E5B8-4F4C-A2C1-46C215EFAA05}" dt="2023-06-14T13:33:48.832" v="443" actId="1036"/>
           <ac:cxnSpMkLst>
             <pc:docMk/>
             <pc:sldMk cId="1857491606" sldId="258"/>
@@ -938,7 +1370,7 @@
           <a:p>
             <a:fld id="{231E479A-090E-4E0E-A87B-A2D1A9833DF2}" type="datetimeFigureOut">
               <a:rPr lang="es-UY" smtClean="0"/>
-              <a:t>13/6/2023</a:t>
+              <a:t>14 Jun. 2023</a:t>
             </a:fld>
             <a:endParaRPr lang="es-UY"/>
           </a:p>
@@ -1138,7 +1570,7 @@
           <a:p>
             <a:fld id="{231E479A-090E-4E0E-A87B-A2D1A9833DF2}" type="datetimeFigureOut">
               <a:rPr lang="es-UY" smtClean="0"/>
-              <a:t>13/6/2023</a:t>
+              <a:t>14 Jun. 2023</a:t>
             </a:fld>
             <a:endParaRPr lang="es-UY"/>
           </a:p>
@@ -1348,7 +1780,7 @@
           <a:p>
             <a:fld id="{231E479A-090E-4E0E-A87B-A2D1A9833DF2}" type="datetimeFigureOut">
               <a:rPr lang="es-UY" smtClean="0"/>
-              <a:t>13/6/2023</a:t>
+              <a:t>14 Jun. 2023</a:t>
             </a:fld>
             <a:endParaRPr lang="es-UY"/>
           </a:p>
@@ -1548,7 +1980,7 @@
           <a:p>
             <a:fld id="{231E479A-090E-4E0E-A87B-A2D1A9833DF2}" type="datetimeFigureOut">
               <a:rPr lang="es-UY" smtClean="0"/>
-              <a:t>13/6/2023</a:t>
+              <a:t>14 Jun. 2023</a:t>
             </a:fld>
             <a:endParaRPr lang="es-UY"/>
           </a:p>
@@ -1824,7 +2256,7 @@
           <a:p>
             <a:fld id="{231E479A-090E-4E0E-A87B-A2D1A9833DF2}" type="datetimeFigureOut">
               <a:rPr lang="es-UY" smtClean="0"/>
-              <a:t>13/6/2023</a:t>
+              <a:t>14 Jun. 2023</a:t>
             </a:fld>
             <a:endParaRPr lang="es-UY"/>
           </a:p>
@@ -2092,7 +2524,7 @@
           <a:p>
             <a:fld id="{231E479A-090E-4E0E-A87B-A2D1A9833DF2}" type="datetimeFigureOut">
               <a:rPr lang="es-UY" smtClean="0"/>
-              <a:t>13/6/2023</a:t>
+              <a:t>14 Jun. 2023</a:t>
             </a:fld>
             <a:endParaRPr lang="es-UY"/>
           </a:p>
@@ -2507,7 +2939,7 @@
           <a:p>
             <a:fld id="{231E479A-090E-4E0E-A87B-A2D1A9833DF2}" type="datetimeFigureOut">
               <a:rPr lang="es-UY" smtClean="0"/>
-              <a:t>13/6/2023</a:t>
+              <a:t>14 Jun. 2023</a:t>
             </a:fld>
             <a:endParaRPr lang="es-UY"/>
           </a:p>
@@ -2649,7 +3081,7 @@
           <a:p>
             <a:fld id="{231E479A-090E-4E0E-A87B-A2D1A9833DF2}" type="datetimeFigureOut">
               <a:rPr lang="es-UY" smtClean="0"/>
-              <a:t>13/6/2023</a:t>
+              <a:t>14 Jun. 2023</a:t>
             </a:fld>
             <a:endParaRPr lang="es-UY"/>
           </a:p>
@@ -2762,7 +3194,7 @@
           <a:p>
             <a:fld id="{231E479A-090E-4E0E-A87B-A2D1A9833DF2}" type="datetimeFigureOut">
               <a:rPr lang="es-UY" smtClean="0"/>
-              <a:t>13/6/2023</a:t>
+              <a:t>14 Jun. 2023</a:t>
             </a:fld>
             <a:endParaRPr lang="es-UY"/>
           </a:p>
@@ -3075,7 +3507,7 @@
           <a:p>
             <a:fld id="{231E479A-090E-4E0E-A87B-A2D1A9833DF2}" type="datetimeFigureOut">
               <a:rPr lang="es-UY" smtClean="0"/>
-              <a:t>13/6/2023</a:t>
+              <a:t>14 Jun. 2023</a:t>
             </a:fld>
             <a:endParaRPr lang="es-UY"/>
           </a:p>
@@ -3364,7 +3796,7 @@
           <a:p>
             <a:fld id="{231E479A-090E-4E0E-A87B-A2D1A9833DF2}" type="datetimeFigureOut">
               <a:rPr lang="es-UY" smtClean="0"/>
-              <a:t>13/6/2023</a:t>
+              <a:t>14 Jun. 2023</a:t>
             </a:fld>
             <a:endParaRPr lang="es-UY"/>
           </a:p>
@@ -3607,7 +4039,7 @@
           <a:p>
             <a:fld id="{231E479A-090E-4E0E-A87B-A2D1A9833DF2}" type="datetimeFigureOut">
               <a:rPr lang="es-UY" smtClean="0"/>
-              <a:t>13/6/2023</a:t>
+              <a:t>14 Jun. 2023</a:t>
             </a:fld>
             <a:endParaRPr lang="es-UY"/>
           </a:p>
@@ -5569,2392 +6001,120 @@
           <a:chExt cx="0" cy="0"/>
         </a:xfrm>
       </p:grpSpPr>
-      <p:grpSp>
-        <p:nvGrpSpPr>
-          <p:cNvPr id="13" name="Grupo 12">
-            <a:extLst>
-              <a:ext uri="{FF2B5EF4-FFF2-40B4-BE49-F238E27FC236}">
-                <a16:creationId xmlns:a16="http://schemas.microsoft.com/office/drawing/2014/main" id="{D9F1A4B9-EFB6-64D6-885A-6FC5FB5EBEDA}"/>
-              </a:ext>
-            </a:extLst>
-          </p:cNvPr>
-          <p:cNvGrpSpPr/>
+      <p:sp>
+        <p:nvSpPr>
+          <p:cNvPr id="3" name="Rectángulo: esquinas redondeadas 2">
+            <a:extLst>
+              <a:ext uri="{FF2B5EF4-FFF2-40B4-BE49-F238E27FC236}">
+                <a16:creationId xmlns:a16="http://schemas.microsoft.com/office/drawing/2014/main" id="{95911338-262D-7B49-33B7-AE2E84EDCA3E}"/>
+              </a:ext>
+            </a:extLst>
+          </p:cNvPr>
+          <p:cNvSpPr/>
           <p:nvPr/>
-        </p:nvGrpSpPr>
-        <p:grpSpPr>
+        </p:nvSpPr>
+        <p:spPr>
           <a:xfrm>
-            <a:off x="34278" y="79305"/>
-            <a:ext cx="12198664" cy="5984744"/>
-            <a:chOff x="34278" y="79305"/>
-            <a:chExt cx="12198664" cy="5984744"/>
-          </a:xfrm>
-        </p:grpSpPr>
-        <p:sp>
-          <p:nvSpPr>
-            <p:cNvPr id="3" name="Rectángulo: esquinas redondeadas 2">
-              <a:extLst>
-                <a:ext uri="{FF2B5EF4-FFF2-40B4-BE49-F238E27FC236}">
-                  <a16:creationId xmlns:a16="http://schemas.microsoft.com/office/drawing/2014/main" id="{95911338-262D-7B49-33B7-AE2E84EDCA3E}"/>
-                </a:ext>
-              </a:extLst>
-            </p:cNvPr>
-            <p:cNvSpPr/>
-            <p:nvPr/>
-          </p:nvSpPr>
-          <p:spPr>
-            <a:xfrm>
-              <a:off x="34278" y="79305"/>
-              <a:ext cx="12081602" cy="3411837"/>
-            </a:xfrm>
-            <a:prstGeom prst="roundRect">
-              <a:avLst>
-                <a:gd name="adj" fmla="val 6565"/>
-              </a:avLst>
-            </a:prstGeom>
-            <a:solidFill>
-              <a:schemeClr val="bg1">
-                <a:lumMod val="85000"/>
-              </a:schemeClr>
-            </a:solidFill>
-            <a:ln>
-              <a:noFill/>
-            </a:ln>
-          </p:spPr>
-          <p:style>
-            <a:lnRef idx="2">
-              <a:schemeClr val="accent1">
-                <a:shade val="50000"/>
-              </a:schemeClr>
-            </a:lnRef>
-            <a:fillRef idx="1">
-              <a:schemeClr val="accent1"/>
-            </a:fillRef>
-            <a:effectRef idx="0">
-              <a:schemeClr val="accent1"/>
-            </a:effectRef>
-            <a:fontRef idx="minor">
-              <a:schemeClr val="lt1"/>
-            </a:fontRef>
-          </p:style>
-          <p:txBody>
-            <a:bodyPr rtlCol="0" anchor="ctr"/>
-            <a:lstStyle/>
-            <a:p>
-              <a:pPr algn="ctr"/>
-              <a:endParaRPr lang="es-UY" dirty="0"/>
-            </a:p>
-          </p:txBody>
-        </p:sp>
-        <p:sp>
-          <p:nvSpPr>
-            <p:cNvPr id="4" name="Rectángulo 3">
-              <a:extLst>
-                <a:ext uri="{FF2B5EF4-FFF2-40B4-BE49-F238E27FC236}">
-                  <a16:creationId xmlns:a16="http://schemas.microsoft.com/office/drawing/2014/main" id="{8E20DFBD-0FDC-CFBE-D1FF-6F795AE7A329}"/>
-                </a:ext>
-              </a:extLst>
-            </p:cNvPr>
-            <p:cNvSpPr/>
-            <p:nvPr/>
-          </p:nvSpPr>
-          <p:spPr>
-            <a:xfrm>
-              <a:off x="589131" y="1098661"/>
-              <a:ext cx="1812875" cy="757661"/>
-            </a:xfrm>
-            <a:prstGeom prst="rect">
-              <a:avLst/>
-            </a:prstGeom>
-            <a:solidFill>
-              <a:schemeClr val="accent1">
-                <a:lumMod val="60000"/>
-                <a:lumOff val="40000"/>
-              </a:schemeClr>
-            </a:solidFill>
-          </p:spPr>
-          <p:style>
-            <a:lnRef idx="2">
-              <a:schemeClr val="accent1">
-                <a:shade val="50000"/>
-              </a:schemeClr>
-            </a:lnRef>
-            <a:fillRef idx="1">
-              <a:schemeClr val="accent1"/>
-            </a:fillRef>
-            <a:effectRef idx="0">
-              <a:schemeClr val="accent1"/>
-            </a:effectRef>
-            <a:fontRef idx="minor">
-              <a:schemeClr val="lt1"/>
-            </a:fontRef>
-          </p:style>
-          <p:txBody>
-            <a:bodyPr rtlCol="0" anchor="ctr"/>
-            <a:lstStyle/>
-            <a:p>
-              <a:pPr algn="ctr"/>
-              <a:endParaRPr lang="es-UY"/>
-            </a:p>
-          </p:txBody>
-        </p:sp>
-        <p:sp>
-          <p:nvSpPr>
-            <p:cNvPr id="5" name="CuadroTexto 4">
-              <a:extLst>
-                <a:ext uri="{FF2B5EF4-FFF2-40B4-BE49-F238E27FC236}">
-                  <a16:creationId xmlns:a16="http://schemas.microsoft.com/office/drawing/2014/main" id="{45F51AFA-473D-FCCF-98D8-C1D95D16F69F}"/>
-                </a:ext>
-              </a:extLst>
-            </p:cNvPr>
-            <p:cNvSpPr txBox="1"/>
-            <p:nvPr/>
-          </p:nvSpPr>
-          <p:spPr>
-            <a:xfrm flipH="1">
-              <a:off x="281203" y="264488"/>
-              <a:ext cx="2850482" cy="646331"/>
-            </a:xfrm>
-            <a:prstGeom prst="rect">
-              <a:avLst/>
-            </a:prstGeom>
+            <a:off x="241110" y="191070"/>
+            <a:ext cx="11874770" cy="3604866"/>
+          </a:xfrm>
+          <a:prstGeom prst="roundRect">
+            <a:avLst>
+              <a:gd name="adj" fmla="val 6565"/>
+            </a:avLst>
+          </a:prstGeom>
+          <a:solidFill>
+            <a:schemeClr val="bg1">
+              <a:lumMod val="85000"/>
+            </a:schemeClr>
+          </a:solidFill>
+          <a:ln>
             <a:noFill/>
-          </p:spPr>
-          <p:txBody>
-            <a:bodyPr wrap="square" rtlCol="0">
-              <a:spAutoFit/>
-            </a:bodyPr>
-            <a:lstStyle/>
-            <a:p>
-              <a:r>
-                <a:rPr lang="es-UY" b="1" dirty="0" err="1"/>
-                <a:t>ListaSimpleClientes</a:t>
-              </a:r>
-              <a:r>
-                <a:rPr lang="es-UY" dirty="0"/>
-                <a:t> (Sistema)</a:t>
-              </a:r>
-            </a:p>
-          </p:txBody>
-        </p:sp>
-        <p:sp>
-          <p:nvSpPr>
-            <p:cNvPr id="7" name="Rectángulo 6">
-              <a:extLst>
-                <a:ext uri="{FF2B5EF4-FFF2-40B4-BE49-F238E27FC236}">
-                  <a16:creationId xmlns:a16="http://schemas.microsoft.com/office/drawing/2014/main" id="{A7EE3BBC-1498-E26E-FE19-C1F8E59937FA}"/>
-                </a:ext>
-              </a:extLst>
-            </p:cNvPr>
-            <p:cNvSpPr/>
-            <p:nvPr/>
-          </p:nvSpPr>
-          <p:spPr>
-            <a:xfrm>
-              <a:off x="600514" y="2699800"/>
-              <a:ext cx="1777227" cy="579860"/>
-            </a:xfrm>
-            <a:prstGeom prst="rect">
-              <a:avLst/>
-            </a:prstGeom>
-            <a:solidFill>
-              <a:schemeClr val="accent1">
-                <a:lumMod val="60000"/>
-                <a:lumOff val="40000"/>
-              </a:schemeClr>
-            </a:solidFill>
-          </p:spPr>
-          <p:style>
-            <a:lnRef idx="2">
-              <a:schemeClr val="accent1">
-                <a:shade val="50000"/>
-              </a:schemeClr>
-            </a:lnRef>
-            <a:fillRef idx="1">
-              <a:schemeClr val="accent1"/>
-            </a:fillRef>
-            <a:effectRef idx="0">
-              <a:schemeClr val="accent1"/>
-            </a:effectRef>
-            <a:fontRef idx="minor">
-              <a:schemeClr val="lt1"/>
-            </a:fontRef>
-          </p:style>
-          <p:txBody>
-            <a:bodyPr rtlCol="0" anchor="ctr"/>
-            <a:lstStyle/>
-            <a:p>
-              <a:pPr algn="ctr"/>
-              <a:endParaRPr lang="es-UY"/>
-            </a:p>
-          </p:txBody>
-        </p:sp>
-        <p:sp>
-          <p:nvSpPr>
-            <p:cNvPr id="10" name="Rectángulo 9">
-              <a:extLst>
-                <a:ext uri="{FF2B5EF4-FFF2-40B4-BE49-F238E27FC236}">
-                  <a16:creationId xmlns:a16="http://schemas.microsoft.com/office/drawing/2014/main" id="{EAC9CFAD-DCF2-2A10-F70F-FD5571DA632F}"/>
-                </a:ext>
-              </a:extLst>
-            </p:cNvPr>
-            <p:cNvSpPr/>
-            <p:nvPr/>
-          </p:nvSpPr>
-          <p:spPr>
-            <a:xfrm>
-              <a:off x="7195695" y="910819"/>
-              <a:ext cx="1483355" cy="872565"/>
-            </a:xfrm>
-            <a:prstGeom prst="rect">
-              <a:avLst/>
-            </a:prstGeom>
-            <a:solidFill>
-              <a:schemeClr val="accent4">
-                <a:lumMod val="60000"/>
-                <a:lumOff val="40000"/>
-              </a:schemeClr>
-            </a:solidFill>
-          </p:spPr>
-          <p:style>
-            <a:lnRef idx="2">
-              <a:schemeClr val="accent4">
-                <a:shade val="50000"/>
-              </a:schemeClr>
-            </a:lnRef>
-            <a:fillRef idx="1">
-              <a:schemeClr val="accent4"/>
-            </a:fillRef>
-            <a:effectRef idx="0">
-              <a:schemeClr val="accent4"/>
-            </a:effectRef>
-            <a:fontRef idx="minor">
-              <a:schemeClr val="lt1"/>
-            </a:fontRef>
-          </p:style>
-          <p:txBody>
-            <a:bodyPr rtlCol="0" anchor="ctr"/>
-            <a:lstStyle/>
-            <a:p>
-              <a:pPr algn="ctr"/>
-              <a:endParaRPr lang="es-UY"/>
-            </a:p>
-          </p:txBody>
-        </p:sp>
-        <p:sp>
-          <p:nvSpPr>
-            <p:cNvPr id="11" name="CuadroTexto 10">
-              <a:extLst>
-                <a:ext uri="{FF2B5EF4-FFF2-40B4-BE49-F238E27FC236}">
-                  <a16:creationId xmlns:a16="http://schemas.microsoft.com/office/drawing/2014/main" id="{7271AA81-1F73-E4C6-70AE-B9A7BE60EC8C}"/>
-                </a:ext>
-              </a:extLst>
-            </p:cNvPr>
-            <p:cNvSpPr txBox="1"/>
-            <p:nvPr/>
-          </p:nvSpPr>
-          <p:spPr>
-            <a:xfrm flipH="1">
-              <a:off x="7133162" y="243788"/>
-              <a:ext cx="2928175" cy="646331"/>
-            </a:xfrm>
-            <a:prstGeom prst="rect">
-              <a:avLst/>
-            </a:prstGeom>
-            <a:noFill/>
-          </p:spPr>
-          <p:txBody>
-            <a:bodyPr wrap="square" rtlCol="0">
-              <a:spAutoFit/>
-            </a:bodyPr>
-            <a:lstStyle/>
-            <a:p>
-              <a:r>
-                <a:rPr lang="es-UY" b="1" dirty="0" err="1"/>
-                <a:t>ColaPedidosCerrados</a:t>
-              </a:r>
-              <a:r>
-                <a:rPr lang="es-UY" dirty="0"/>
-                <a:t> (Sistema)</a:t>
-              </a:r>
-            </a:p>
-          </p:txBody>
-        </p:sp>
-        <p:sp>
-          <p:nvSpPr>
-            <p:cNvPr id="16" name="CuadroTexto 15">
-              <a:extLst>
-                <a:ext uri="{FF2B5EF4-FFF2-40B4-BE49-F238E27FC236}">
-                  <a16:creationId xmlns:a16="http://schemas.microsoft.com/office/drawing/2014/main" id="{74940B42-6742-9E5D-19ED-60BA00053131}"/>
-                </a:ext>
-              </a:extLst>
-            </p:cNvPr>
-            <p:cNvSpPr txBox="1"/>
-            <p:nvPr/>
-          </p:nvSpPr>
-          <p:spPr>
-            <a:xfrm flipH="1">
-              <a:off x="312916" y="790328"/>
-              <a:ext cx="2707299" cy="276999"/>
-            </a:xfrm>
-            <a:prstGeom prst="rect">
-              <a:avLst/>
-            </a:prstGeom>
-            <a:noFill/>
-          </p:spPr>
-          <p:txBody>
-            <a:bodyPr wrap="square" rtlCol="0">
-              <a:spAutoFit/>
-            </a:bodyPr>
-            <a:lstStyle/>
-            <a:p>
-              <a:r>
-                <a:rPr lang="es-UY" sz="1200" dirty="0"/>
-                <a:t>ordenada alfabéticamente por nombre</a:t>
-              </a:r>
-            </a:p>
-          </p:txBody>
-        </p:sp>
-        <p:cxnSp>
-          <p:nvCxnSpPr>
-            <p:cNvPr id="18" name="Conector recto de flecha 17">
-              <a:extLst>
-                <a:ext uri="{FF2B5EF4-FFF2-40B4-BE49-F238E27FC236}">
-                  <a16:creationId xmlns:a16="http://schemas.microsoft.com/office/drawing/2014/main" id="{953C0AFA-3605-471F-EB0A-30D17221ED57}"/>
-                </a:ext>
-              </a:extLst>
-            </p:cNvPr>
-            <p:cNvCxnSpPr>
-              <a:cxnSpLocks/>
-            </p:cNvCxnSpPr>
-            <p:nvPr/>
-          </p:nvCxnSpPr>
-          <p:spPr>
-            <a:xfrm flipV="1">
-              <a:off x="2024549" y="5328138"/>
-              <a:ext cx="370906" cy="1"/>
-            </a:xfrm>
-            <a:prstGeom prst="straightConnector1">
-              <a:avLst/>
-            </a:prstGeom>
-            <a:ln w="38100">
-              <a:tailEnd type="triangle"/>
-            </a:ln>
-          </p:spPr>
-          <p:style>
-            <a:lnRef idx="1">
-              <a:schemeClr val="accent1"/>
-            </a:lnRef>
-            <a:fillRef idx="0">
-              <a:schemeClr val="accent1"/>
-            </a:fillRef>
-            <a:effectRef idx="0">
-              <a:schemeClr val="accent1"/>
-            </a:effectRef>
-            <a:fontRef idx="minor">
-              <a:schemeClr val="tx1"/>
-            </a:fontRef>
-          </p:style>
-        </p:cxnSp>
-        <p:sp>
-          <p:nvSpPr>
-            <p:cNvPr id="19" name="Rectángulo 18">
-              <a:extLst>
-                <a:ext uri="{FF2B5EF4-FFF2-40B4-BE49-F238E27FC236}">
-                  <a16:creationId xmlns:a16="http://schemas.microsoft.com/office/drawing/2014/main" id="{CF6B36BF-CA83-4C16-2878-9F1B073A9F33}"/>
-                </a:ext>
-              </a:extLst>
-            </p:cNvPr>
-            <p:cNvSpPr/>
-            <p:nvPr/>
-          </p:nvSpPr>
-          <p:spPr>
-            <a:xfrm>
-              <a:off x="2490010" y="5256585"/>
-              <a:ext cx="1207925" cy="807464"/>
-            </a:xfrm>
-            <a:prstGeom prst="rect">
-              <a:avLst/>
-            </a:prstGeom>
-            <a:solidFill>
-              <a:schemeClr val="accent6">
-                <a:lumMod val="60000"/>
-                <a:lumOff val="40000"/>
-              </a:schemeClr>
-            </a:solidFill>
-          </p:spPr>
-          <p:style>
-            <a:lnRef idx="2">
-              <a:schemeClr val="accent6">
-                <a:shade val="50000"/>
-              </a:schemeClr>
-            </a:lnRef>
-            <a:fillRef idx="1">
-              <a:schemeClr val="accent6"/>
-            </a:fillRef>
-            <a:effectRef idx="0">
-              <a:schemeClr val="accent6"/>
-            </a:effectRef>
-            <a:fontRef idx="minor">
-              <a:schemeClr val="lt1"/>
-            </a:fontRef>
-          </p:style>
-          <p:txBody>
-            <a:bodyPr rtlCol="0" anchor="ctr"/>
-            <a:lstStyle/>
-            <a:p>
-              <a:pPr algn="ctr"/>
-              <a:endParaRPr lang="es-UY" dirty="0"/>
-            </a:p>
-          </p:txBody>
-        </p:sp>
-        <p:sp>
-          <p:nvSpPr>
-            <p:cNvPr id="20" name="CuadroTexto 19">
-              <a:extLst>
-                <a:ext uri="{FF2B5EF4-FFF2-40B4-BE49-F238E27FC236}">
-                  <a16:creationId xmlns:a16="http://schemas.microsoft.com/office/drawing/2014/main" id="{AF9EC196-11E2-4549-EEE1-461C2BDE45B9}"/>
-                </a:ext>
-              </a:extLst>
-            </p:cNvPr>
-            <p:cNvSpPr txBox="1"/>
-            <p:nvPr/>
-          </p:nvSpPr>
-          <p:spPr>
-            <a:xfrm flipH="1">
-              <a:off x="2373968" y="4921435"/>
-              <a:ext cx="3376925" cy="369332"/>
-            </a:xfrm>
-            <a:prstGeom prst="rect">
-              <a:avLst/>
-            </a:prstGeom>
-            <a:noFill/>
-          </p:spPr>
-          <p:txBody>
-            <a:bodyPr wrap="square" rtlCol="0">
-              <a:spAutoFit/>
-            </a:bodyPr>
-            <a:lstStyle/>
-            <a:p>
-              <a:r>
-                <a:rPr lang="es-UY" b="1" dirty="0" err="1"/>
-                <a:t>PilaProductos</a:t>
-              </a:r>
-              <a:r>
-                <a:rPr lang="es-UY" dirty="0"/>
-                <a:t> (Pedido)</a:t>
-              </a:r>
-            </a:p>
-          </p:txBody>
-        </p:sp>
-        <p:sp>
-          <p:nvSpPr>
-            <p:cNvPr id="24" name="Rectángulo 23">
-              <a:extLst>
-                <a:ext uri="{FF2B5EF4-FFF2-40B4-BE49-F238E27FC236}">
-                  <a16:creationId xmlns:a16="http://schemas.microsoft.com/office/drawing/2014/main" id="{4E8827D2-C37F-76E1-47E5-9F88D819006C}"/>
-                </a:ext>
-              </a:extLst>
-            </p:cNvPr>
-            <p:cNvSpPr/>
-            <p:nvPr/>
-          </p:nvSpPr>
-          <p:spPr>
-            <a:xfrm>
-              <a:off x="3742030" y="920869"/>
-              <a:ext cx="1720819" cy="1007959"/>
-            </a:xfrm>
-            <a:prstGeom prst="rect">
-              <a:avLst/>
-            </a:prstGeom>
-            <a:solidFill>
-              <a:schemeClr val="accent6">
-                <a:lumMod val="60000"/>
-                <a:lumOff val="40000"/>
-              </a:schemeClr>
-            </a:solidFill>
-            <a:ln/>
-          </p:spPr>
-          <p:style>
-            <a:lnRef idx="2">
-              <a:schemeClr val="accent6">
-                <a:shade val="50000"/>
-              </a:schemeClr>
-            </a:lnRef>
-            <a:fillRef idx="1">
-              <a:schemeClr val="accent6"/>
-            </a:fillRef>
-            <a:effectRef idx="0">
-              <a:schemeClr val="accent6"/>
-            </a:effectRef>
-            <a:fontRef idx="minor">
-              <a:schemeClr val="lt1"/>
-            </a:fontRef>
-          </p:style>
-          <p:txBody>
-            <a:bodyPr rtlCol="0" anchor="ctr"/>
-            <a:lstStyle/>
-            <a:p>
-              <a:pPr algn="ctr"/>
-              <a:endParaRPr lang="es-UY"/>
-            </a:p>
-          </p:txBody>
-        </p:sp>
-        <p:sp>
-          <p:nvSpPr>
-            <p:cNvPr id="25" name="CuadroTexto 24">
-              <a:extLst>
-                <a:ext uri="{FF2B5EF4-FFF2-40B4-BE49-F238E27FC236}">
-                  <a16:creationId xmlns:a16="http://schemas.microsoft.com/office/drawing/2014/main" id="{5DABC579-AEF4-C43A-12AF-9795422F78AE}"/>
-                </a:ext>
-              </a:extLst>
-            </p:cNvPr>
-            <p:cNvSpPr txBox="1"/>
-            <p:nvPr/>
-          </p:nvSpPr>
-          <p:spPr>
-            <a:xfrm flipH="1">
-              <a:off x="3699385" y="208432"/>
-              <a:ext cx="2928174" cy="646331"/>
-            </a:xfrm>
-            <a:prstGeom prst="rect">
-              <a:avLst/>
-            </a:prstGeom>
-            <a:noFill/>
-          </p:spPr>
-          <p:txBody>
-            <a:bodyPr wrap="square" rtlCol="0">
-              <a:spAutoFit/>
-            </a:bodyPr>
-            <a:lstStyle/>
-            <a:p>
-              <a:r>
-                <a:rPr lang="es-UY" b="1" dirty="0" err="1"/>
-                <a:t>ListaSimpleProductos</a:t>
-              </a:r>
-              <a:r>
-                <a:rPr lang="es-UY" dirty="0"/>
-                <a:t> (Sistema)</a:t>
-              </a:r>
-            </a:p>
-          </p:txBody>
-        </p:sp>
-        <p:sp>
-          <p:nvSpPr>
-            <p:cNvPr id="8" name="CuadroTexto 7">
-              <a:extLst>
-                <a:ext uri="{FF2B5EF4-FFF2-40B4-BE49-F238E27FC236}">
-                  <a16:creationId xmlns:a16="http://schemas.microsoft.com/office/drawing/2014/main" id="{134F8412-F78E-DE75-6C45-1C63F7E9C8EA}"/>
-                </a:ext>
-              </a:extLst>
-            </p:cNvPr>
-            <p:cNvSpPr txBox="1"/>
-            <p:nvPr/>
-          </p:nvSpPr>
-          <p:spPr>
-            <a:xfrm>
-              <a:off x="5441686" y="880791"/>
-              <a:ext cx="1266786" cy="1061829"/>
-            </a:xfrm>
-            <a:prstGeom prst="rect">
-              <a:avLst/>
-            </a:prstGeom>
-            <a:noFill/>
-          </p:spPr>
-          <p:txBody>
-            <a:bodyPr wrap="square" rtlCol="0">
-              <a:spAutoFit/>
-            </a:bodyPr>
-            <a:lstStyle/>
-            <a:p>
-              <a:pPr algn="just"/>
-              <a:r>
-                <a:rPr lang="es-UY" sz="1050" dirty="0"/>
-                <a:t>Se muestran en orden en que se les dio el alta. Se buscan por nombre para eliminar o dar de alta Stock.</a:t>
-              </a:r>
-              <a:endParaRPr lang="es-UY" sz="1050" dirty="0">
-                <a:highlight>
-                  <a:srgbClr val="FFFF00"/>
-                </a:highlight>
-              </a:endParaRPr>
-            </a:p>
-          </p:txBody>
-        </p:sp>
-        <p:sp>
-          <p:nvSpPr>
-            <p:cNvPr id="14" name="CuadroTexto 13">
-              <a:extLst>
-                <a:ext uri="{FF2B5EF4-FFF2-40B4-BE49-F238E27FC236}">
-                  <a16:creationId xmlns:a16="http://schemas.microsoft.com/office/drawing/2014/main" id="{26887DC5-23BC-230D-690C-08F829EB4DE9}"/>
-                </a:ext>
-              </a:extLst>
-            </p:cNvPr>
-            <p:cNvSpPr txBox="1"/>
-            <p:nvPr/>
-          </p:nvSpPr>
-          <p:spPr>
-            <a:xfrm>
-              <a:off x="6528589" y="5325161"/>
-              <a:ext cx="2211127" cy="577081"/>
-            </a:xfrm>
-            <a:prstGeom prst="rect">
-              <a:avLst/>
-            </a:prstGeom>
-            <a:noFill/>
-          </p:spPr>
-          <p:txBody>
-            <a:bodyPr wrap="square" rtlCol="0">
-              <a:spAutoFit/>
-            </a:bodyPr>
-            <a:lstStyle/>
-            <a:p>
-              <a:pPr algn="just"/>
-              <a:r>
-                <a:rPr lang="es-UY" sz="1050" dirty="0"/>
-                <a:t>Se agrega uno arriba de otro, y se puede eliminar solo los últimos que se agregaron.</a:t>
-              </a:r>
-            </a:p>
-          </p:txBody>
-        </p:sp>
-        <p:sp>
-          <p:nvSpPr>
-            <p:cNvPr id="17" name="CuadroTexto 16">
-              <a:extLst>
-                <a:ext uri="{FF2B5EF4-FFF2-40B4-BE49-F238E27FC236}">
-                  <a16:creationId xmlns:a16="http://schemas.microsoft.com/office/drawing/2014/main" id="{DFAFAC94-7726-C550-AD0E-66EBC61B15BC}"/>
-                </a:ext>
-              </a:extLst>
-            </p:cNvPr>
-            <p:cNvSpPr txBox="1"/>
-            <p:nvPr/>
-          </p:nvSpPr>
-          <p:spPr>
-            <a:xfrm>
-              <a:off x="7099048" y="3489555"/>
-              <a:ext cx="1831036" cy="938719"/>
-            </a:xfrm>
-            <a:prstGeom prst="rect">
-              <a:avLst/>
-            </a:prstGeom>
-            <a:noFill/>
-          </p:spPr>
-          <p:txBody>
-            <a:bodyPr wrap="square" rtlCol="0">
-              <a:spAutoFit/>
-            </a:bodyPr>
-            <a:lstStyle/>
-            <a:p>
-              <a:pPr algn="just"/>
-              <a:r>
-                <a:rPr lang="es-UY" sz="1100" dirty="0"/>
-                <a:t>Se procesan en orden de llegada (el primer elementos se procesa primero), pedido procesado se elimina y pasa a </a:t>
-              </a:r>
-              <a:r>
-                <a:rPr lang="es-UY" sz="1100" dirty="0" err="1"/>
-                <a:t>ListaPedidosParaEntregar</a:t>
-              </a:r>
-              <a:r>
-                <a:rPr lang="es-UY" sz="1100" dirty="0"/>
-                <a:t>()</a:t>
-              </a:r>
-            </a:p>
-          </p:txBody>
-        </p:sp>
-        <p:sp>
-          <p:nvSpPr>
-            <p:cNvPr id="26" name="CuadroTexto 25">
-              <a:extLst>
-                <a:ext uri="{FF2B5EF4-FFF2-40B4-BE49-F238E27FC236}">
-                  <a16:creationId xmlns:a16="http://schemas.microsoft.com/office/drawing/2014/main" id="{E1D28098-26E0-366C-D16D-75ADED6F6D87}"/>
-                </a:ext>
-              </a:extLst>
-            </p:cNvPr>
-            <p:cNvSpPr txBox="1"/>
-            <p:nvPr/>
-          </p:nvSpPr>
-          <p:spPr>
-            <a:xfrm>
-              <a:off x="2387829" y="1067679"/>
-              <a:ext cx="1275333" cy="769441"/>
-            </a:xfrm>
-            <a:prstGeom prst="rect">
-              <a:avLst/>
-            </a:prstGeom>
-            <a:noFill/>
-          </p:spPr>
-          <p:txBody>
-            <a:bodyPr wrap="square" rtlCol="0">
-              <a:spAutoFit/>
-            </a:bodyPr>
-            <a:lstStyle/>
-            <a:p>
-              <a:pPr algn="just"/>
-              <a:r>
-                <a:rPr lang="es-UY" sz="1100" dirty="0"/>
-                <a:t>Se busca por Ci, se muestran ordenados alfabéticamente</a:t>
-              </a:r>
-            </a:p>
-          </p:txBody>
-        </p:sp>
-        <p:cxnSp>
-          <p:nvCxnSpPr>
-            <p:cNvPr id="30" name="Conector recto de flecha 29">
-              <a:extLst>
-                <a:ext uri="{FF2B5EF4-FFF2-40B4-BE49-F238E27FC236}">
-                  <a16:creationId xmlns:a16="http://schemas.microsoft.com/office/drawing/2014/main" id="{583D7A11-6D9E-0F74-8A41-FF4898A569CD}"/>
-                </a:ext>
-              </a:extLst>
-            </p:cNvPr>
-            <p:cNvCxnSpPr>
-              <a:cxnSpLocks/>
-            </p:cNvCxnSpPr>
-            <p:nvPr/>
-          </p:nvCxnSpPr>
-          <p:spPr>
-            <a:xfrm>
-              <a:off x="1483910" y="3358123"/>
-              <a:ext cx="0" cy="817274"/>
-            </a:xfrm>
-            <a:prstGeom prst="straightConnector1">
-              <a:avLst/>
-            </a:prstGeom>
-            <a:ln w="38100">
-              <a:tailEnd type="triangle"/>
-            </a:ln>
-          </p:spPr>
-          <p:style>
-            <a:lnRef idx="1">
-              <a:schemeClr val="accent1"/>
-            </a:lnRef>
-            <a:fillRef idx="0">
-              <a:schemeClr val="accent1"/>
-            </a:fillRef>
-            <a:effectRef idx="0">
-              <a:schemeClr val="accent1"/>
-            </a:effectRef>
-            <a:fontRef idx="minor">
-              <a:schemeClr val="tx1"/>
-            </a:fontRef>
-          </p:style>
-        </p:cxnSp>
-        <p:sp>
-          <p:nvSpPr>
-            <p:cNvPr id="32" name="Rectángulo 31">
-              <a:extLst>
-                <a:ext uri="{FF2B5EF4-FFF2-40B4-BE49-F238E27FC236}">
-                  <a16:creationId xmlns:a16="http://schemas.microsoft.com/office/drawing/2014/main" id="{5C33449E-246E-476B-5E7D-DD20D8213147}"/>
-                </a:ext>
-              </a:extLst>
-            </p:cNvPr>
-            <p:cNvSpPr/>
-            <p:nvPr/>
-          </p:nvSpPr>
-          <p:spPr>
-            <a:xfrm flipV="1">
-              <a:off x="1019992" y="4273308"/>
-              <a:ext cx="944774" cy="369332"/>
-            </a:xfrm>
-            <a:prstGeom prst="rect">
-              <a:avLst/>
-            </a:prstGeom>
-            <a:solidFill>
-              <a:schemeClr val="accent4">
-                <a:lumMod val="60000"/>
-                <a:lumOff val="40000"/>
-              </a:schemeClr>
-            </a:solidFill>
-          </p:spPr>
-          <p:style>
-            <a:lnRef idx="2">
-              <a:schemeClr val="accent4">
-                <a:shade val="50000"/>
-              </a:schemeClr>
-            </a:lnRef>
-            <a:fillRef idx="1">
-              <a:schemeClr val="accent4"/>
-            </a:fillRef>
-            <a:effectRef idx="0">
-              <a:schemeClr val="accent4"/>
-            </a:effectRef>
-            <a:fontRef idx="minor">
-              <a:schemeClr val="lt1"/>
-            </a:fontRef>
-          </p:style>
-          <p:txBody>
-            <a:bodyPr rtlCol="0" anchor="ctr"/>
-            <a:lstStyle/>
-            <a:p>
-              <a:pPr algn="ctr"/>
-              <a:endParaRPr lang="es-UY"/>
-            </a:p>
-          </p:txBody>
-        </p:sp>
-        <p:sp>
-          <p:nvSpPr>
-            <p:cNvPr id="33" name="Rectángulo 32">
-              <a:extLst>
-                <a:ext uri="{FF2B5EF4-FFF2-40B4-BE49-F238E27FC236}">
-                  <a16:creationId xmlns:a16="http://schemas.microsoft.com/office/drawing/2014/main" id="{B48A363C-AE49-66AD-16A1-EF2222439BD3}"/>
-                </a:ext>
-              </a:extLst>
-            </p:cNvPr>
-            <p:cNvSpPr/>
-            <p:nvPr/>
-          </p:nvSpPr>
-          <p:spPr>
-            <a:xfrm flipV="1">
-              <a:off x="1019994" y="4697241"/>
-              <a:ext cx="944774" cy="369332"/>
-            </a:xfrm>
-            <a:prstGeom prst="rect">
-              <a:avLst/>
-            </a:prstGeom>
-            <a:solidFill>
-              <a:schemeClr val="accent4">
-                <a:lumMod val="60000"/>
-                <a:lumOff val="40000"/>
-              </a:schemeClr>
-            </a:solidFill>
-          </p:spPr>
-          <p:style>
-            <a:lnRef idx="2">
-              <a:schemeClr val="accent4">
-                <a:shade val="50000"/>
-              </a:schemeClr>
-            </a:lnRef>
-            <a:fillRef idx="1">
-              <a:schemeClr val="accent4"/>
-            </a:fillRef>
-            <a:effectRef idx="0">
-              <a:schemeClr val="accent4"/>
-            </a:effectRef>
-            <a:fontRef idx="minor">
-              <a:schemeClr val="lt1"/>
-            </a:fontRef>
-          </p:style>
-          <p:txBody>
-            <a:bodyPr rtlCol="0" anchor="ctr"/>
-            <a:lstStyle/>
-            <a:p>
-              <a:pPr algn="ctr"/>
-              <a:endParaRPr lang="es-UY"/>
-            </a:p>
-          </p:txBody>
-        </p:sp>
-        <p:sp>
-          <p:nvSpPr>
-            <p:cNvPr id="34" name="Rectángulo 33">
-              <a:extLst>
-                <a:ext uri="{FF2B5EF4-FFF2-40B4-BE49-F238E27FC236}">
-                  <a16:creationId xmlns:a16="http://schemas.microsoft.com/office/drawing/2014/main" id="{3F3ADED7-FE15-8C10-1B98-FA35576FCDC9}"/>
-                </a:ext>
-              </a:extLst>
-            </p:cNvPr>
-            <p:cNvSpPr/>
-            <p:nvPr/>
-          </p:nvSpPr>
-          <p:spPr>
-            <a:xfrm flipV="1">
-              <a:off x="1019993" y="5143472"/>
-              <a:ext cx="944774" cy="369332"/>
-            </a:xfrm>
-            <a:prstGeom prst="rect">
-              <a:avLst/>
-            </a:prstGeom>
-            <a:solidFill>
-              <a:schemeClr val="accent4">
-                <a:lumMod val="60000"/>
-                <a:lumOff val="40000"/>
-              </a:schemeClr>
-            </a:solidFill>
-          </p:spPr>
-          <p:style>
-            <a:lnRef idx="2">
-              <a:schemeClr val="accent4">
-                <a:shade val="50000"/>
-              </a:schemeClr>
-            </a:lnRef>
-            <a:fillRef idx="1">
-              <a:schemeClr val="accent4"/>
-            </a:fillRef>
-            <a:effectRef idx="0">
-              <a:schemeClr val="accent4"/>
-            </a:effectRef>
-            <a:fontRef idx="minor">
-              <a:schemeClr val="lt1"/>
-            </a:fontRef>
-          </p:style>
-          <p:txBody>
-            <a:bodyPr rtlCol="0" anchor="ctr"/>
-            <a:lstStyle/>
-            <a:p>
-              <a:pPr algn="ctr"/>
-              <a:endParaRPr lang="es-UY"/>
-            </a:p>
-          </p:txBody>
-        </p:sp>
-        <p:sp>
-          <p:nvSpPr>
-            <p:cNvPr id="35" name="CuadroTexto 34">
-              <a:extLst>
-                <a:ext uri="{FF2B5EF4-FFF2-40B4-BE49-F238E27FC236}">
-                  <a16:creationId xmlns:a16="http://schemas.microsoft.com/office/drawing/2014/main" id="{6D232677-BD88-1493-AB99-F3C0661E7921}"/>
-                </a:ext>
-              </a:extLst>
-            </p:cNvPr>
-            <p:cNvSpPr txBox="1"/>
-            <p:nvPr/>
-          </p:nvSpPr>
-          <p:spPr>
-            <a:xfrm>
-              <a:off x="1974184" y="3860761"/>
-              <a:ext cx="2220160" cy="369332"/>
-            </a:xfrm>
-            <a:prstGeom prst="rect">
-              <a:avLst/>
-            </a:prstGeom>
-            <a:noFill/>
-          </p:spPr>
-          <p:txBody>
-            <a:bodyPr wrap="none" rtlCol="0">
-              <a:spAutoFit/>
-            </a:bodyPr>
-            <a:lstStyle/>
-            <a:p>
-              <a:r>
-                <a:rPr lang="en-US" b="1" dirty="0" err="1"/>
-                <a:t>ListaPedidos</a:t>
-              </a:r>
-              <a:r>
-                <a:rPr lang="en-US" dirty="0"/>
-                <a:t>(</a:t>
-              </a:r>
-              <a:r>
-                <a:rPr lang="en-US" dirty="0" err="1"/>
-                <a:t>Cliente</a:t>
-              </a:r>
-              <a:r>
-                <a:rPr lang="en-US" dirty="0"/>
-                <a:t>)</a:t>
-              </a:r>
-              <a:endParaRPr lang="es-UY" dirty="0"/>
-            </a:p>
-          </p:txBody>
-        </p:sp>
-        <p:sp>
-          <p:nvSpPr>
-            <p:cNvPr id="36" name="CuadroTexto 35">
-              <a:extLst>
-                <a:ext uri="{FF2B5EF4-FFF2-40B4-BE49-F238E27FC236}">
-                  <a16:creationId xmlns:a16="http://schemas.microsoft.com/office/drawing/2014/main" id="{05D2C676-402B-893F-D85C-9083FD14B72B}"/>
-                </a:ext>
-              </a:extLst>
-            </p:cNvPr>
-            <p:cNvSpPr txBox="1"/>
-            <p:nvPr/>
-          </p:nvSpPr>
-          <p:spPr>
-            <a:xfrm>
-              <a:off x="1989857" y="4234278"/>
-              <a:ext cx="2600767" cy="430887"/>
-            </a:xfrm>
-            <a:prstGeom prst="rect">
-              <a:avLst/>
-            </a:prstGeom>
-            <a:noFill/>
-          </p:spPr>
-          <p:txBody>
-            <a:bodyPr wrap="square" rtlCol="0">
-              <a:spAutoFit/>
-            </a:bodyPr>
-            <a:lstStyle/>
-            <a:p>
-              <a:pPr algn="just"/>
-              <a:r>
-                <a:rPr lang="en-US" sz="1100" dirty="0"/>
-                <a:t>Tengo </a:t>
-              </a:r>
-              <a:r>
-                <a:rPr lang="en-US" sz="1100" dirty="0" err="1"/>
-                <a:t>todos</a:t>
-              </a:r>
-              <a:r>
-                <a:rPr lang="en-US" sz="1100" dirty="0"/>
-                <a:t> </a:t>
-              </a:r>
-              <a:r>
-                <a:rPr lang="en-US" sz="1100" dirty="0" err="1"/>
-                <a:t>los</a:t>
-              </a:r>
-              <a:r>
-                <a:rPr lang="en-US" sz="1100" dirty="0"/>
-                <a:t> </a:t>
-              </a:r>
-              <a:r>
-                <a:rPr lang="en-US" sz="1100" dirty="0" err="1"/>
-                <a:t>pedidos</a:t>
-              </a:r>
-              <a:r>
-                <a:rPr lang="en-US" sz="1100" dirty="0"/>
-                <a:t> </a:t>
-              </a:r>
-              <a:r>
-                <a:rPr lang="en-US" sz="1100" dirty="0" err="1"/>
-                <a:t>cerrados</a:t>
-              </a:r>
-              <a:r>
-                <a:rPr lang="en-US" sz="1100" dirty="0"/>
-                <a:t> de un </a:t>
-              </a:r>
-              <a:r>
-                <a:rPr lang="en-US" sz="1100" dirty="0" err="1"/>
-                <a:t>cliente</a:t>
-              </a:r>
-              <a:endParaRPr lang="es-UY" sz="1100" dirty="0"/>
-            </a:p>
-          </p:txBody>
-        </p:sp>
-        <p:sp>
-          <p:nvSpPr>
-            <p:cNvPr id="2" name="Rectángulo 1">
-              <a:extLst>
-                <a:ext uri="{FF2B5EF4-FFF2-40B4-BE49-F238E27FC236}">
-                  <a16:creationId xmlns:a16="http://schemas.microsoft.com/office/drawing/2014/main" id="{BA0B6EE6-4538-E103-BF58-0802A09FF01B}"/>
-                </a:ext>
-              </a:extLst>
-            </p:cNvPr>
-            <p:cNvSpPr/>
-            <p:nvPr/>
-          </p:nvSpPr>
-          <p:spPr>
-            <a:xfrm>
-              <a:off x="528690" y="2626801"/>
-              <a:ext cx="1967456" cy="748517"/>
-            </a:xfrm>
-            <a:prstGeom prst="rect">
-              <a:avLst/>
-            </a:prstGeom>
-            <a:noFill/>
-            <a:ln w="15875">
-              <a:prstDash val="sysDash"/>
-            </a:ln>
-          </p:spPr>
-          <p:style>
-            <a:lnRef idx="2">
-              <a:schemeClr val="accent1">
-                <a:shade val="50000"/>
-              </a:schemeClr>
-            </a:lnRef>
-            <a:fillRef idx="1">
-              <a:schemeClr val="accent1"/>
-            </a:fillRef>
-            <a:effectRef idx="0">
-              <a:schemeClr val="accent1"/>
-            </a:effectRef>
-            <a:fontRef idx="minor">
-              <a:schemeClr val="lt1"/>
-            </a:fontRef>
-          </p:style>
-          <p:txBody>
-            <a:bodyPr rtlCol="0" anchor="ctr"/>
-            <a:lstStyle/>
-            <a:p>
-              <a:pPr algn="ctr"/>
-              <a:endParaRPr lang="es-UY"/>
-            </a:p>
-          </p:txBody>
-        </p:sp>
-        <p:sp>
-          <p:nvSpPr>
-            <p:cNvPr id="9" name="Rectángulo 8">
-              <a:extLst>
-                <a:ext uri="{FF2B5EF4-FFF2-40B4-BE49-F238E27FC236}">
-                  <a16:creationId xmlns:a16="http://schemas.microsoft.com/office/drawing/2014/main" id="{955BBB35-0100-7EB5-46F6-81013E689508}"/>
-                </a:ext>
-              </a:extLst>
-            </p:cNvPr>
-            <p:cNvSpPr/>
-            <p:nvPr/>
-          </p:nvSpPr>
-          <p:spPr>
-            <a:xfrm>
-              <a:off x="931525" y="5106101"/>
-              <a:ext cx="1135454" cy="502794"/>
-            </a:xfrm>
-            <a:prstGeom prst="rect">
-              <a:avLst/>
-            </a:prstGeom>
-            <a:noFill/>
-            <a:ln w="15875">
-              <a:prstDash val="sysDash"/>
-            </a:ln>
-          </p:spPr>
-          <p:style>
-            <a:lnRef idx="2">
-              <a:schemeClr val="accent1">
-                <a:shade val="50000"/>
-              </a:schemeClr>
-            </a:lnRef>
-            <a:fillRef idx="1">
-              <a:schemeClr val="accent1"/>
-            </a:fillRef>
-            <a:effectRef idx="0">
-              <a:schemeClr val="accent1"/>
-            </a:effectRef>
-            <a:fontRef idx="minor">
-              <a:schemeClr val="lt1"/>
-            </a:fontRef>
-          </p:style>
-          <p:txBody>
-            <a:bodyPr rtlCol="0" anchor="ctr"/>
-            <a:lstStyle/>
-            <a:p>
-              <a:pPr algn="ctr"/>
-              <a:endParaRPr lang="es-UY"/>
-            </a:p>
-          </p:txBody>
-        </p:sp>
-        <p:sp>
-          <p:nvSpPr>
-            <p:cNvPr id="21" name="CuadroTexto 20">
-              <a:extLst>
-                <a:ext uri="{FF2B5EF4-FFF2-40B4-BE49-F238E27FC236}">
-                  <a16:creationId xmlns:a16="http://schemas.microsoft.com/office/drawing/2014/main" id="{0BD4AAE6-AC89-C6C9-91ED-0B7187C44C9B}"/>
-                </a:ext>
-              </a:extLst>
-            </p:cNvPr>
-            <p:cNvSpPr txBox="1"/>
-            <p:nvPr/>
-          </p:nvSpPr>
-          <p:spPr>
-            <a:xfrm>
-              <a:off x="613513" y="1065760"/>
-              <a:ext cx="1967456" cy="861774"/>
-            </a:xfrm>
-            <a:prstGeom prst="rect">
-              <a:avLst/>
-            </a:prstGeom>
-            <a:noFill/>
-          </p:spPr>
-          <p:txBody>
-            <a:bodyPr wrap="square">
-              <a:spAutoFit/>
-            </a:bodyPr>
-            <a:lstStyle/>
-            <a:p>
-              <a:r>
-                <a:rPr lang="es-UY" sz="1000" dirty="0" err="1"/>
-                <a:t>private</a:t>
-              </a:r>
-              <a:r>
-                <a:rPr lang="es-UY" sz="1000" dirty="0"/>
-                <a:t> </a:t>
-              </a:r>
-              <a:r>
-                <a:rPr lang="es-UY" sz="1000" dirty="0" err="1"/>
-                <a:t>String</a:t>
-              </a:r>
-              <a:r>
-                <a:rPr lang="es-UY" sz="1000" dirty="0"/>
-                <a:t> </a:t>
-              </a:r>
-              <a:r>
-                <a:rPr lang="es-UY" sz="1000" b="1" dirty="0"/>
-                <a:t>nombre</a:t>
-              </a:r>
-              <a:r>
-                <a:rPr lang="es-UY" sz="1000" dirty="0"/>
-                <a:t>;</a:t>
-              </a:r>
-            </a:p>
-            <a:p>
-              <a:r>
-                <a:rPr lang="es-UY" sz="1000" dirty="0" err="1"/>
-                <a:t>private</a:t>
-              </a:r>
-              <a:r>
-                <a:rPr lang="es-UY" sz="1000" dirty="0"/>
-                <a:t> </a:t>
-              </a:r>
-              <a:r>
-                <a:rPr lang="es-UY" sz="1000" dirty="0" err="1"/>
-                <a:t>String</a:t>
-              </a:r>
-              <a:r>
-                <a:rPr lang="es-UY" sz="1000" dirty="0"/>
-                <a:t> </a:t>
-              </a:r>
-              <a:r>
-                <a:rPr lang="es-UY" sz="1000" b="1" dirty="0" err="1"/>
-                <a:t>ci</a:t>
-              </a:r>
-              <a:r>
-                <a:rPr lang="es-UY" sz="1000" dirty="0"/>
-                <a:t>;</a:t>
-              </a:r>
-            </a:p>
-            <a:p>
-              <a:r>
-                <a:rPr lang="es-UY" sz="1000" dirty="0" err="1"/>
-                <a:t>private</a:t>
-              </a:r>
-              <a:r>
-                <a:rPr lang="es-UY" sz="1000" dirty="0"/>
-                <a:t> </a:t>
-              </a:r>
-              <a:r>
-                <a:rPr lang="es-UY" sz="1000" dirty="0" err="1"/>
-                <a:t>ListaSimple</a:t>
-              </a:r>
-              <a:r>
-                <a:rPr lang="es-UY" sz="1000" dirty="0"/>
-                <a:t> </a:t>
-              </a:r>
-              <a:r>
-                <a:rPr lang="es-UY" sz="1000" b="1" dirty="0" err="1"/>
-                <a:t>listaPedidosCerrados</a:t>
-              </a:r>
-              <a:r>
-                <a:rPr lang="es-UY" sz="1000" dirty="0"/>
-                <a:t>;</a:t>
-              </a:r>
-            </a:p>
-            <a:p>
-              <a:r>
-                <a:rPr lang="es-UY" sz="1000" dirty="0" err="1"/>
-                <a:t>private</a:t>
-              </a:r>
-              <a:r>
-                <a:rPr lang="es-UY" sz="1000" dirty="0"/>
-                <a:t> Pedido </a:t>
-              </a:r>
-              <a:r>
-                <a:rPr lang="es-UY" sz="1000" b="1" dirty="0" err="1"/>
-                <a:t>pedidoAbierto</a:t>
-              </a:r>
-              <a:r>
-                <a:rPr lang="es-UY" sz="1000" dirty="0"/>
-                <a:t>;</a:t>
-              </a:r>
-            </a:p>
-          </p:txBody>
-        </p:sp>
-        <p:sp>
-          <p:nvSpPr>
-            <p:cNvPr id="29" name="CuadroTexto 28">
-              <a:extLst>
-                <a:ext uri="{FF2B5EF4-FFF2-40B4-BE49-F238E27FC236}">
-                  <a16:creationId xmlns:a16="http://schemas.microsoft.com/office/drawing/2014/main" id="{51D24C7D-AA9A-371B-B4F3-CAECA2210592}"/>
-                </a:ext>
-              </a:extLst>
-            </p:cNvPr>
-            <p:cNvSpPr txBox="1"/>
-            <p:nvPr/>
-          </p:nvSpPr>
-          <p:spPr>
-            <a:xfrm>
-              <a:off x="7186405" y="902457"/>
-              <a:ext cx="2079804" cy="1015663"/>
-            </a:xfrm>
-            <a:prstGeom prst="rect">
-              <a:avLst/>
-            </a:prstGeom>
-            <a:noFill/>
-          </p:spPr>
-          <p:txBody>
-            <a:bodyPr wrap="square">
-              <a:spAutoFit/>
-            </a:bodyPr>
-            <a:lstStyle/>
-            <a:p>
-              <a:r>
-                <a:rPr lang="es-UY" sz="1000" dirty="0" err="1"/>
-                <a:t>private</a:t>
-              </a:r>
-              <a:r>
-                <a:rPr lang="es-UY" sz="1000" dirty="0"/>
-                <a:t> </a:t>
-              </a:r>
-              <a:r>
-                <a:rPr lang="es-UY" sz="1000" dirty="0" err="1"/>
-                <a:t>static</a:t>
-              </a:r>
-              <a:r>
-                <a:rPr lang="es-UY" sz="1000" dirty="0"/>
-                <a:t> </a:t>
-              </a:r>
-              <a:r>
-                <a:rPr lang="es-UY" sz="1000" dirty="0" err="1"/>
-                <a:t>int</a:t>
-              </a:r>
-              <a:r>
-                <a:rPr lang="es-UY" sz="1000" dirty="0"/>
-                <a:t> </a:t>
-              </a:r>
-              <a:r>
-                <a:rPr lang="es-UY" sz="1000" b="1" dirty="0"/>
-                <a:t>ID</a:t>
-              </a:r>
-              <a:r>
-                <a:rPr lang="es-UY" sz="1000" dirty="0"/>
-                <a:t> = 1;</a:t>
-              </a:r>
-            </a:p>
-            <a:p>
-              <a:r>
-                <a:rPr lang="es-UY" sz="1000" dirty="0" err="1"/>
-                <a:t>private</a:t>
-              </a:r>
-              <a:r>
-                <a:rPr lang="es-UY" sz="1000" dirty="0"/>
-                <a:t> </a:t>
-              </a:r>
-              <a:r>
-                <a:rPr lang="es-UY" sz="1000" dirty="0" err="1"/>
-                <a:t>int</a:t>
-              </a:r>
-              <a:r>
-                <a:rPr lang="es-UY" sz="1000" dirty="0"/>
-                <a:t> </a:t>
-              </a:r>
-              <a:r>
-                <a:rPr lang="es-UY" sz="1000" b="1" dirty="0" err="1"/>
-                <a:t>IDPedido</a:t>
-              </a:r>
-              <a:r>
-                <a:rPr lang="es-UY" sz="1000" dirty="0"/>
-                <a:t>;</a:t>
-              </a:r>
-            </a:p>
-            <a:p>
-              <a:r>
-                <a:rPr lang="es-UY" sz="1000" dirty="0" err="1"/>
-                <a:t>private</a:t>
-              </a:r>
-              <a:r>
-                <a:rPr lang="es-UY" sz="1000" dirty="0"/>
-                <a:t> </a:t>
-              </a:r>
-              <a:r>
-                <a:rPr lang="es-UY" sz="1000" dirty="0" err="1"/>
-                <a:t>String</a:t>
-              </a:r>
-              <a:r>
-                <a:rPr lang="es-UY" sz="1000" dirty="0"/>
-                <a:t> </a:t>
-              </a:r>
-              <a:r>
-                <a:rPr lang="es-UY" sz="1000" b="1" dirty="0"/>
-                <a:t>estado</a:t>
-              </a:r>
-              <a:r>
-                <a:rPr lang="es-UY" sz="1000" dirty="0"/>
-                <a:t>;</a:t>
-              </a:r>
-            </a:p>
-            <a:p>
-              <a:r>
-                <a:rPr lang="es-UY" sz="1000" dirty="0" err="1"/>
-                <a:t>private</a:t>
-              </a:r>
-              <a:r>
-                <a:rPr lang="es-UY" sz="1000" dirty="0"/>
-                <a:t> Cliente </a:t>
-              </a:r>
-              <a:r>
-                <a:rPr lang="es-UY" sz="1000" b="1" dirty="0" err="1"/>
-                <a:t>cli</a:t>
-              </a:r>
-              <a:r>
-                <a:rPr lang="es-UY" sz="1000" dirty="0"/>
-                <a:t>;</a:t>
-              </a:r>
-            </a:p>
-            <a:p>
-              <a:r>
-                <a:rPr lang="es-UY" sz="1000" dirty="0" err="1"/>
-                <a:t>private</a:t>
-              </a:r>
-              <a:r>
-                <a:rPr lang="es-UY" sz="1000" dirty="0"/>
-                <a:t> Pila </a:t>
-              </a:r>
-              <a:r>
-                <a:rPr lang="es-UY" sz="1000" b="1" dirty="0" err="1"/>
-                <a:t>pilaProductos</a:t>
-              </a:r>
-              <a:r>
-                <a:rPr lang="es-UY" sz="1000" dirty="0"/>
-                <a:t>;</a:t>
-              </a:r>
-            </a:p>
-            <a:p>
-              <a:r>
-                <a:rPr lang="es-UY" sz="1000" dirty="0" err="1"/>
-                <a:t>Private</a:t>
-              </a:r>
-              <a:r>
-                <a:rPr lang="es-UY" sz="1000" dirty="0"/>
-                <a:t> </a:t>
-              </a:r>
-              <a:r>
-                <a:rPr lang="es-UY" sz="1000" dirty="0" err="1"/>
-                <a:t>int</a:t>
-              </a:r>
-              <a:r>
-                <a:rPr lang="es-UY" sz="1000" dirty="0"/>
-                <a:t> </a:t>
-              </a:r>
-              <a:r>
-                <a:rPr lang="es-UY" sz="1000" dirty="0" err="1"/>
-                <a:t>UnidadesTotales</a:t>
-              </a:r>
-              <a:r>
-                <a:rPr lang="es-UY" sz="1000" dirty="0"/>
-                <a:t>;</a:t>
-              </a:r>
-            </a:p>
-          </p:txBody>
-        </p:sp>
-        <p:sp>
-          <p:nvSpPr>
-            <p:cNvPr id="37" name="CuadroTexto 36">
-              <a:extLst>
-                <a:ext uri="{FF2B5EF4-FFF2-40B4-BE49-F238E27FC236}">
-                  <a16:creationId xmlns:a16="http://schemas.microsoft.com/office/drawing/2014/main" id="{C5D48424-461D-6B81-BCBA-7FD04F2A7D91}"/>
-                </a:ext>
-              </a:extLst>
-            </p:cNvPr>
-            <p:cNvSpPr txBox="1"/>
-            <p:nvPr/>
-          </p:nvSpPr>
-          <p:spPr>
-            <a:xfrm>
-              <a:off x="3666636" y="940365"/>
-              <a:ext cx="1879355" cy="1015663"/>
-            </a:xfrm>
-            <a:prstGeom prst="rect">
-              <a:avLst/>
-            </a:prstGeom>
-            <a:noFill/>
-          </p:spPr>
-          <p:txBody>
-            <a:bodyPr wrap="square">
-              <a:spAutoFit/>
-            </a:bodyPr>
-            <a:lstStyle/>
-            <a:p>
-              <a:r>
-                <a:rPr lang="es-UY" sz="1000" dirty="0" err="1"/>
-                <a:t>private</a:t>
-              </a:r>
-              <a:r>
-                <a:rPr lang="es-UY" sz="1000" dirty="0"/>
-                <a:t> </a:t>
-              </a:r>
-              <a:r>
-                <a:rPr lang="es-UY" sz="1000" dirty="0" err="1"/>
-                <a:t>String</a:t>
-              </a:r>
-              <a:r>
-                <a:rPr lang="es-UY" sz="1000" dirty="0"/>
-                <a:t> </a:t>
-              </a:r>
-              <a:r>
-                <a:rPr lang="es-UY" sz="1000" b="1" dirty="0"/>
-                <a:t>nombre</a:t>
-              </a:r>
-              <a:r>
-                <a:rPr lang="es-UY" sz="1000" dirty="0"/>
-                <a:t>;</a:t>
-              </a:r>
-            </a:p>
-            <a:p>
-              <a:r>
-                <a:rPr lang="es-UY" sz="1000" dirty="0" err="1"/>
-                <a:t>private</a:t>
-              </a:r>
-              <a:r>
-                <a:rPr lang="es-UY" sz="1000" dirty="0"/>
-                <a:t> </a:t>
-              </a:r>
-              <a:r>
-                <a:rPr lang="es-UY" sz="1000" dirty="0" err="1"/>
-                <a:t>String</a:t>
-              </a:r>
-              <a:r>
-                <a:rPr lang="es-UY" sz="1000" dirty="0"/>
-                <a:t> </a:t>
-              </a:r>
-              <a:r>
-                <a:rPr lang="es-UY" sz="1000" b="1" dirty="0" err="1"/>
-                <a:t>descripcion</a:t>
-              </a:r>
-              <a:r>
-                <a:rPr lang="es-UY" sz="1000" dirty="0"/>
-                <a:t>;</a:t>
-              </a:r>
-            </a:p>
-            <a:p>
-              <a:r>
-                <a:rPr lang="es-UY" sz="1000" dirty="0" err="1"/>
-                <a:t>private</a:t>
-              </a:r>
-              <a:r>
-                <a:rPr lang="es-UY" sz="1000" dirty="0"/>
-                <a:t> </a:t>
-              </a:r>
-              <a:r>
-                <a:rPr lang="es-UY" sz="1000" dirty="0" err="1"/>
-                <a:t>int</a:t>
-              </a:r>
-              <a:r>
-                <a:rPr lang="es-UY" sz="1000" dirty="0"/>
-                <a:t> </a:t>
-              </a:r>
-              <a:r>
-                <a:rPr lang="es-UY" sz="1000" b="1" dirty="0"/>
-                <a:t>stock</a:t>
-              </a:r>
-              <a:r>
-                <a:rPr lang="es-UY" sz="1000" dirty="0"/>
-                <a:t>;</a:t>
-              </a:r>
-            </a:p>
-            <a:p>
-              <a:r>
-                <a:rPr lang="es-UY" sz="1000" dirty="0" err="1"/>
-                <a:t>private</a:t>
-              </a:r>
-              <a:r>
-                <a:rPr lang="es-UY" sz="1000" dirty="0"/>
-                <a:t> </a:t>
-              </a:r>
-              <a:r>
-                <a:rPr lang="es-UY" sz="1000" dirty="0" err="1"/>
-                <a:t>int</a:t>
-              </a:r>
-              <a:r>
-                <a:rPr lang="es-UY" sz="1000" dirty="0"/>
-                <a:t> </a:t>
-              </a:r>
-              <a:r>
-                <a:rPr lang="es-UY" sz="1000" b="1" dirty="0"/>
-                <a:t>ID</a:t>
-              </a:r>
-              <a:r>
-                <a:rPr lang="es-UY" sz="1000" dirty="0"/>
-                <a:t>;</a:t>
-              </a:r>
-            </a:p>
-            <a:p>
-              <a:r>
-                <a:rPr lang="es-UY" sz="1000" dirty="0" err="1"/>
-                <a:t>private</a:t>
-              </a:r>
-              <a:r>
-                <a:rPr lang="es-UY" sz="1000" dirty="0"/>
-                <a:t> </a:t>
-              </a:r>
-              <a:r>
-                <a:rPr lang="es-UY" sz="1000" dirty="0" err="1"/>
-                <a:t>static</a:t>
-              </a:r>
-              <a:r>
-                <a:rPr lang="es-UY" sz="1000" dirty="0"/>
-                <a:t> </a:t>
-              </a:r>
-              <a:r>
-                <a:rPr lang="es-UY" sz="1000" dirty="0" err="1"/>
-                <a:t>int</a:t>
-              </a:r>
-              <a:r>
-                <a:rPr lang="es-UY" sz="1000" dirty="0"/>
-                <a:t> </a:t>
-              </a:r>
-              <a:r>
-                <a:rPr lang="es-UY" sz="1000" b="1" dirty="0" err="1"/>
-                <a:t>IDClase</a:t>
-              </a:r>
-              <a:r>
-                <a:rPr lang="es-UY" sz="1000" dirty="0"/>
-                <a:t> = 1;</a:t>
-              </a:r>
-            </a:p>
-            <a:p>
-              <a:r>
-                <a:rPr lang="es-UY" sz="1000" dirty="0" err="1"/>
-                <a:t>private</a:t>
-              </a:r>
-              <a:r>
-                <a:rPr lang="es-UY" sz="1000" dirty="0"/>
-                <a:t> </a:t>
-              </a:r>
-              <a:r>
-                <a:rPr lang="es-UY" sz="1000" dirty="0" err="1"/>
-                <a:t>int</a:t>
-              </a:r>
-              <a:r>
-                <a:rPr lang="es-UY" sz="1000" dirty="0"/>
-                <a:t> </a:t>
-              </a:r>
-              <a:r>
-                <a:rPr lang="es-UY" sz="1000" b="1" dirty="0" err="1"/>
-                <a:t>pedidosProducto</a:t>
-              </a:r>
-              <a:r>
-                <a:rPr lang="es-UY" sz="1000" dirty="0"/>
-                <a:t> = 0;</a:t>
-              </a:r>
-            </a:p>
-          </p:txBody>
-        </p:sp>
-        <p:sp>
-          <p:nvSpPr>
-            <p:cNvPr id="41" name="Rectángulo 40">
-              <a:extLst>
-                <a:ext uri="{FF2B5EF4-FFF2-40B4-BE49-F238E27FC236}">
-                  <a16:creationId xmlns:a16="http://schemas.microsoft.com/office/drawing/2014/main" id="{A6471AA1-3783-39B1-6422-74D4A608E628}"/>
-                </a:ext>
-              </a:extLst>
-            </p:cNvPr>
-            <p:cNvSpPr/>
-            <p:nvPr/>
-          </p:nvSpPr>
-          <p:spPr>
-            <a:xfrm>
-              <a:off x="3738981" y="1979262"/>
-              <a:ext cx="1723868" cy="688157"/>
-            </a:xfrm>
-            <a:prstGeom prst="rect">
-              <a:avLst/>
-            </a:prstGeom>
-            <a:solidFill>
-              <a:schemeClr val="accent6">
-                <a:lumMod val="60000"/>
-                <a:lumOff val="40000"/>
-              </a:schemeClr>
-            </a:solidFill>
-            <a:ln/>
-          </p:spPr>
-          <p:style>
-            <a:lnRef idx="2">
-              <a:schemeClr val="accent6">
-                <a:shade val="50000"/>
-              </a:schemeClr>
-            </a:lnRef>
-            <a:fillRef idx="1">
-              <a:schemeClr val="accent6"/>
-            </a:fillRef>
-            <a:effectRef idx="0">
-              <a:schemeClr val="accent6"/>
-            </a:effectRef>
-            <a:fontRef idx="minor">
-              <a:schemeClr val="lt1"/>
-            </a:fontRef>
-          </p:style>
-          <p:txBody>
-            <a:bodyPr rtlCol="0" anchor="ctr"/>
-            <a:lstStyle/>
-            <a:p>
-              <a:pPr algn="ctr"/>
-              <a:endParaRPr lang="es-UY"/>
-            </a:p>
-          </p:txBody>
-        </p:sp>
-        <p:sp>
-          <p:nvSpPr>
-            <p:cNvPr id="42" name="Rectángulo 41">
-              <a:extLst>
-                <a:ext uri="{FF2B5EF4-FFF2-40B4-BE49-F238E27FC236}">
-                  <a16:creationId xmlns:a16="http://schemas.microsoft.com/office/drawing/2014/main" id="{28402205-DE90-C306-2B47-3B06453ADB30}"/>
-                </a:ext>
-              </a:extLst>
-            </p:cNvPr>
-            <p:cNvSpPr/>
-            <p:nvPr/>
-          </p:nvSpPr>
-          <p:spPr>
-            <a:xfrm>
-              <a:off x="3738981" y="2750090"/>
-              <a:ext cx="1742449" cy="688157"/>
-            </a:xfrm>
-            <a:prstGeom prst="rect">
-              <a:avLst/>
-            </a:prstGeom>
-            <a:solidFill>
-              <a:schemeClr val="accent6">
-                <a:lumMod val="60000"/>
-                <a:lumOff val="40000"/>
-              </a:schemeClr>
-            </a:solidFill>
-            <a:ln/>
-          </p:spPr>
-          <p:style>
-            <a:lnRef idx="2">
-              <a:schemeClr val="accent6">
-                <a:shade val="50000"/>
-              </a:schemeClr>
-            </a:lnRef>
-            <a:fillRef idx="1">
-              <a:schemeClr val="accent6"/>
-            </a:fillRef>
-            <a:effectRef idx="0">
-              <a:schemeClr val="accent6"/>
-            </a:effectRef>
-            <a:fontRef idx="minor">
-              <a:schemeClr val="lt1"/>
-            </a:fontRef>
-          </p:style>
-          <p:txBody>
-            <a:bodyPr rtlCol="0" anchor="ctr"/>
-            <a:lstStyle/>
-            <a:p>
-              <a:pPr algn="ctr"/>
-              <a:endParaRPr lang="es-UY"/>
-            </a:p>
-          </p:txBody>
-        </p:sp>
-        <p:sp>
-          <p:nvSpPr>
-            <p:cNvPr id="43" name="Rectángulo 42">
-              <a:extLst>
-                <a:ext uri="{FF2B5EF4-FFF2-40B4-BE49-F238E27FC236}">
-                  <a16:creationId xmlns:a16="http://schemas.microsoft.com/office/drawing/2014/main" id="{ED35BCF5-B5AD-2005-B077-F03E180D7358}"/>
-                </a:ext>
-              </a:extLst>
-            </p:cNvPr>
-            <p:cNvSpPr/>
-            <p:nvPr/>
-          </p:nvSpPr>
-          <p:spPr>
-            <a:xfrm>
-              <a:off x="7186405" y="1889946"/>
-              <a:ext cx="1483355" cy="688157"/>
-            </a:xfrm>
-            <a:prstGeom prst="rect">
-              <a:avLst/>
-            </a:prstGeom>
-            <a:solidFill>
-              <a:schemeClr val="accent4">
-                <a:lumMod val="60000"/>
-                <a:lumOff val="40000"/>
-              </a:schemeClr>
-            </a:solidFill>
-          </p:spPr>
-          <p:style>
-            <a:lnRef idx="2">
-              <a:schemeClr val="accent4">
-                <a:shade val="50000"/>
-              </a:schemeClr>
-            </a:lnRef>
-            <a:fillRef idx="1">
-              <a:schemeClr val="accent4"/>
-            </a:fillRef>
-            <a:effectRef idx="0">
-              <a:schemeClr val="accent4"/>
-            </a:effectRef>
-            <a:fontRef idx="minor">
-              <a:schemeClr val="lt1"/>
-            </a:fontRef>
-          </p:style>
-          <p:txBody>
-            <a:bodyPr rtlCol="0" anchor="ctr"/>
-            <a:lstStyle/>
-            <a:p>
-              <a:pPr algn="ctr"/>
-              <a:endParaRPr lang="es-UY"/>
-            </a:p>
-          </p:txBody>
-        </p:sp>
-        <p:sp>
-          <p:nvSpPr>
-            <p:cNvPr id="45" name="Rectángulo 44">
-              <a:extLst>
-                <a:ext uri="{FF2B5EF4-FFF2-40B4-BE49-F238E27FC236}">
-                  <a16:creationId xmlns:a16="http://schemas.microsoft.com/office/drawing/2014/main" id="{A979DDA7-D82F-A449-2CC0-5D1D97106448}"/>
-                </a:ext>
-              </a:extLst>
-            </p:cNvPr>
-            <p:cNvSpPr/>
-            <p:nvPr/>
-          </p:nvSpPr>
-          <p:spPr>
-            <a:xfrm>
-              <a:off x="7195695" y="2668273"/>
-              <a:ext cx="1483355" cy="687940"/>
-            </a:xfrm>
-            <a:prstGeom prst="rect">
-              <a:avLst/>
-            </a:prstGeom>
-            <a:solidFill>
-              <a:schemeClr val="accent4">
-                <a:lumMod val="60000"/>
-                <a:lumOff val="40000"/>
-              </a:schemeClr>
-            </a:solidFill>
-          </p:spPr>
-          <p:style>
-            <a:lnRef idx="2">
-              <a:schemeClr val="accent4">
-                <a:shade val="50000"/>
-              </a:schemeClr>
-            </a:lnRef>
-            <a:fillRef idx="1">
-              <a:schemeClr val="accent4"/>
-            </a:fillRef>
-            <a:effectRef idx="0">
-              <a:schemeClr val="accent4"/>
-            </a:effectRef>
-            <a:fontRef idx="minor">
-              <a:schemeClr val="lt1"/>
-            </a:fontRef>
-          </p:style>
-          <p:txBody>
-            <a:bodyPr rtlCol="0" anchor="ctr"/>
-            <a:lstStyle/>
-            <a:p>
-              <a:pPr algn="ctr"/>
-              <a:endParaRPr lang="es-UY"/>
-            </a:p>
-          </p:txBody>
-        </p:sp>
-        <p:sp>
-          <p:nvSpPr>
-            <p:cNvPr id="47" name="CuadroTexto 46">
-              <a:extLst>
-                <a:ext uri="{FF2B5EF4-FFF2-40B4-BE49-F238E27FC236}">
-                  <a16:creationId xmlns:a16="http://schemas.microsoft.com/office/drawing/2014/main" id="{C3A9A9D0-BA11-006F-E277-4199AFD2C8FA}"/>
-                </a:ext>
-              </a:extLst>
-            </p:cNvPr>
-            <p:cNvSpPr txBox="1"/>
-            <p:nvPr/>
-          </p:nvSpPr>
-          <p:spPr>
-            <a:xfrm>
-              <a:off x="1114257" y="4295842"/>
-              <a:ext cx="739305" cy="276999"/>
-            </a:xfrm>
-            <a:prstGeom prst="rect">
-              <a:avLst/>
-            </a:prstGeom>
-            <a:noFill/>
-          </p:spPr>
-          <p:txBody>
-            <a:bodyPr wrap="square" rtlCol="0">
-              <a:spAutoFit/>
-            </a:bodyPr>
-            <a:lstStyle/>
-            <a:p>
-              <a:r>
-                <a:rPr lang="es-UY" sz="1200" i="1" dirty="0"/>
-                <a:t>Cerrado</a:t>
-              </a:r>
-            </a:p>
-          </p:txBody>
-        </p:sp>
-        <p:sp>
-          <p:nvSpPr>
-            <p:cNvPr id="48" name="CuadroTexto 47">
-              <a:extLst>
-                <a:ext uri="{FF2B5EF4-FFF2-40B4-BE49-F238E27FC236}">
-                  <a16:creationId xmlns:a16="http://schemas.microsoft.com/office/drawing/2014/main" id="{9A6BA44E-135B-C855-06A2-B8595306141B}"/>
-                </a:ext>
-              </a:extLst>
-            </p:cNvPr>
-            <p:cNvSpPr txBox="1"/>
-            <p:nvPr/>
-          </p:nvSpPr>
-          <p:spPr>
-            <a:xfrm>
-              <a:off x="1158421" y="4745022"/>
-              <a:ext cx="681661" cy="276999"/>
-            </a:xfrm>
-            <a:prstGeom prst="rect">
-              <a:avLst/>
-            </a:prstGeom>
-            <a:noFill/>
-          </p:spPr>
-          <p:txBody>
-            <a:bodyPr wrap="none" rtlCol="0">
-              <a:spAutoFit/>
-            </a:bodyPr>
-            <a:lstStyle/>
-            <a:p>
-              <a:r>
-                <a:rPr lang="es-UY" sz="1200" i="1" dirty="0"/>
-                <a:t>Cerrado</a:t>
-              </a:r>
-            </a:p>
-          </p:txBody>
-        </p:sp>
-        <p:sp>
-          <p:nvSpPr>
-            <p:cNvPr id="49" name="CuadroTexto 48">
-              <a:extLst>
-                <a:ext uri="{FF2B5EF4-FFF2-40B4-BE49-F238E27FC236}">
-                  <a16:creationId xmlns:a16="http://schemas.microsoft.com/office/drawing/2014/main" id="{12CCCDD6-DB9F-2B15-AC38-66B77947AB1F}"/>
-                </a:ext>
-              </a:extLst>
-            </p:cNvPr>
-            <p:cNvSpPr txBox="1"/>
-            <p:nvPr/>
-          </p:nvSpPr>
-          <p:spPr>
-            <a:xfrm>
-              <a:off x="1144687" y="5186662"/>
-              <a:ext cx="681661" cy="276999"/>
-            </a:xfrm>
-            <a:prstGeom prst="rect">
-              <a:avLst/>
-            </a:prstGeom>
-            <a:noFill/>
-          </p:spPr>
-          <p:txBody>
-            <a:bodyPr wrap="none" rtlCol="0">
-              <a:spAutoFit/>
-            </a:bodyPr>
-            <a:lstStyle/>
-            <a:p>
-              <a:r>
-                <a:rPr lang="es-UY" sz="1200" i="1" dirty="0"/>
-                <a:t>Cerrado</a:t>
-              </a:r>
-            </a:p>
-          </p:txBody>
-        </p:sp>
-        <p:sp>
-          <p:nvSpPr>
-            <p:cNvPr id="50" name="Rectángulo 49">
-              <a:extLst>
-                <a:ext uri="{FF2B5EF4-FFF2-40B4-BE49-F238E27FC236}">
-                  <a16:creationId xmlns:a16="http://schemas.microsoft.com/office/drawing/2014/main" id="{05CCD542-BA2A-7325-014E-002D5C4A2307}"/>
-                </a:ext>
-              </a:extLst>
-            </p:cNvPr>
-            <p:cNvSpPr/>
-            <p:nvPr/>
-          </p:nvSpPr>
-          <p:spPr>
-            <a:xfrm>
-              <a:off x="10402607" y="976679"/>
-              <a:ext cx="1276688" cy="688618"/>
-            </a:xfrm>
-            <a:prstGeom prst="rect">
-              <a:avLst/>
-            </a:prstGeom>
-            <a:solidFill>
-              <a:schemeClr val="accent4">
-                <a:lumMod val="60000"/>
-                <a:lumOff val="40000"/>
-              </a:schemeClr>
-            </a:solidFill>
-          </p:spPr>
-          <p:style>
-            <a:lnRef idx="2">
-              <a:schemeClr val="accent4">
-                <a:shade val="50000"/>
-              </a:schemeClr>
-            </a:lnRef>
-            <a:fillRef idx="1">
-              <a:schemeClr val="accent4"/>
-            </a:fillRef>
-            <a:effectRef idx="0">
-              <a:schemeClr val="accent4"/>
-            </a:effectRef>
-            <a:fontRef idx="minor">
-              <a:schemeClr val="lt1"/>
-            </a:fontRef>
-          </p:style>
-          <p:txBody>
-            <a:bodyPr rtlCol="0" anchor="ctr"/>
-            <a:lstStyle/>
-            <a:p>
-              <a:pPr algn="ctr"/>
-              <a:endParaRPr lang="es-UY"/>
-            </a:p>
-          </p:txBody>
-        </p:sp>
-        <p:sp>
-          <p:nvSpPr>
-            <p:cNvPr id="52" name="Rectángulo 51">
-              <a:extLst>
-                <a:ext uri="{FF2B5EF4-FFF2-40B4-BE49-F238E27FC236}">
-                  <a16:creationId xmlns:a16="http://schemas.microsoft.com/office/drawing/2014/main" id="{0016181F-B7FC-078C-7D9D-27533DD2B339}"/>
-                </a:ext>
-              </a:extLst>
-            </p:cNvPr>
-            <p:cNvSpPr/>
-            <p:nvPr/>
-          </p:nvSpPr>
-          <p:spPr>
-            <a:xfrm>
-              <a:off x="10393316" y="1755657"/>
-              <a:ext cx="1285979" cy="654372"/>
-            </a:xfrm>
-            <a:prstGeom prst="rect">
-              <a:avLst/>
-            </a:prstGeom>
-            <a:solidFill>
-              <a:schemeClr val="accent4">
-                <a:lumMod val="60000"/>
-                <a:lumOff val="40000"/>
-              </a:schemeClr>
-            </a:solidFill>
-          </p:spPr>
-          <p:style>
-            <a:lnRef idx="2">
-              <a:schemeClr val="accent4">
-                <a:shade val="50000"/>
-              </a:schemeClr>
-            </a:lnRef>
-            <a:fillRef idx="1">
-              <a:schemeClr val="accent4"/>
-            </a:fillRef>
-            <a:effectRef idx="0">
-              <a:schemeClr val="accent4"/>
-            </a:effectRef>
-            <a:fontRef idx="minor">
-              <a:schemeClr val="lt1"/>
-            </a:fontRef>
-          </p:style>
-          <p:txBody>
-            <a:bodyPr rtlCol="0" anchor="ctr"/>
-            <a:lstStyle/>
-            <a:p>
-              <a:pPr algn="ctr"/>
-              <a:endParaRPr lang="es-UY"/>
-            </a:p>
-          </p:txBody>
-        </p:sp>
-        <p:sp>
-          <p:nvSpPr>
-            <p:cNvPr id="53" name="Rectángulo 52">
-              <a:extLst>
-                <a:ext uri="{FF2B5EF4-FFF2-40B4-BE49-F238E27FC236}">
-                  <a16:creationId xmlns:a16="http://schemas.microsoft.com/office/drawing/2014/main" id="{7FE5730F-3E2F-F60F-E9A2-5ABF5A213D0B}"/>
-                </a:ext>
-              </a:extLst>
-            </p:cNvPr>
-            <p:cNvSpPr/>
-            <p:nvPr/>
-          </p:nvSpPr>
-          <p:spPr>
-            <a:xfrm>
-              <a:off x="10393315" y="2500389"/>
-              <a:ext cx="1285979" cy="596689"/>
-            </a:xfrm>
-            <a:prstGeom prst="rect">
-              <a:avLst/>
-            </a:prstGeom>
-            <a:solidFill>
-              <a:schemeClr val="accent4">
-                <a:lumMod val="60000"/>
-                <a:lumOff val="40000"/>
-              </a:schemeClr>
-            </a:solidFill>
-          </p:spPr>
-          <p:style>
-            <a:lnRef idx="2">
-              <a:schemeClr val="accent4">
-                <a:shade val="50000"/>
-              </a:schemeClr>
-            </a:lnRef>
-            <a:fillRef idx="1">
-              <a:schemeClr val="accent4"/>
-            </a:fillRef>
-            <a:effectRef idx="0">
-              <a:schemeClr val="accent4"/>
-            </a:effectRef>
-            <a:fontRef idx="minor">
-              <a:schemeClr val="lt1"/>
-            </a:fontRef>
-          </p:style>
-          <p:txBody>
-            <a:bodyPr rtlCol="0" anchor="ctr"/>
-            <a:lstStyle/>
-            <a:p>
-              <a:pPr algn="ctr"/>
-              <a:endParaRPr lang="es-UY"/>
-            </a:p>
-          </p:txBody>
-        </p:sp>
-        <p:sp>
-          <p:nvSpPr>
-            <p:cNvPr id="54" name="CuadroTexto 53">
-              <a:extLst>
-                <a:ext uri="{FF2B5EF4-FFF2-40B4-BE49-F238E27FC236}">
-                  <a16:creationId xmlns:a16="http://schemas.microsoft.com/office/drawing/2014/main" id="{D7CA9954-7CC9-131B-0630-ACDEB6CC655E}"/>
-                </a:ext>
-              </a:extLst>
-            </p:cNvPr>
-            <p:cNvSpPr txBox="1"/>
-            <p:nvPr/>
-          </p:nvSpPr>
-          <p:spPr>
-            <a:xfrm flipH="1">
-              <a:off x="9545676" y="236947"/>
-              <a:ext cx="2687266" cy="646331"/>
-            </a:xfrm>
-            <a:prstGeom prst="rect">
-              <a:avLst/>
-            </a:prstGeom>
-            <a:noFill/>
-          </p:spPr>
-          <p:txBody>
-            <a:bodyPr wrap="square" rtlCol="0">
-              <a:spAutoFit/>
-            </a:bodyPr>
-            <a:lstStyle/>
-            <a:p>
-              <a:r>
-                <a:rPr lang="es-UY" b="1" dirty="0" err="1"/>
-                <a:t>ListaPedidosParaEntregar</a:t>
-              </a:r>
-              <a:r>
-                <a:rPr lang="es-UY" dirty="0"/>
-                <a:t> (Sistema)</a:t>
-              </a:r>
-            </a:p>
-          </p:txBody>
-        </p:sp>
-        <p:sp>
-          <p:nvSpPr>
-            <p:cNvPr id="57" name="CuadroTexto 56">
-              <a:extLst>
-                <a:ext uri="{FF2B5EF4-FFF2-40B4-BE49-F238E27FC236}">
-                  <a16:creationId xmlns:a16="http://schemas.microsoft.com/office/drawing/2014/main" id="{AE63BDF4-15E3-3FB8-9F71-5C166AE1BD52}"/>
-                </a:ext>
-              </a:extLst>
-            </p:cNvPr>
-            <p:cNvSpPr txBox="1"/>
-            <p:nvPr/>
-          </p:nvSpPr>
-          <p:spPr>
-            <a:xfrm>
-              <a:off x="7581307" y="2141728"/>
-              <a:ext cx="681661" cy="276999"/>
-            </a:xfrm>
-            <a:prstGeom prst="rect">
-              <a:avLst/>
-            </a:prstGeom>
-            <a:noFill/>
-          </p:spPr>
-          <p:txBody>
-            <a:bodyPr wrap="none" rtlCol="0">
-              <a:spAutoFit/>
-            </a:bodyPr>
-            <a:lstStyle/>
-            <a:p>
-              <a:r>
-                <a:rPr lang="es-UY" sz="1200" i="1" dirty="0"/>
-                <a:t>Cerrado</a:t>
-              </a:r>
-            </a:p>
-          </p:txBody>
-        </p:sp>
-        <p:sp>
-          <p:nvSpPr>
-            <p:cNvPr id="58" name="CuadroTexto 57">
-              <a:extLst>
-                <a:ext uri="{FF2B5EF4-FFF2-40B4-BE49-F238E27FC236}">
-                  <a16:creationId xmlns:a16="http://schemas.microsoft.com/office/drawing/2014/main" id="{CDFE4583-7628-7507-91FD-B26A1612925B}"/>
-                </a:ext>
-              </a:extLst>
-            </p:cNvPr>
-            <p:cNvSpPr txBox="1"/>
-            <p:nvPr/>
-          </p:nvSpPr>
-          <p:spPr>
-            <a:xfrm>
-              <a:off x="7596541" y="2960994"/>
-              <a:ext cx="681661" cy="276999"/>
-            </a:xfrm>
-            <a:prstGeom prst="rect">
-              <a:avLst/>
-            </a:prstGeom>
-            <a:noFill/>
-          </p:spPr>
-          <p:txBody>
-            <a:bodyPr wrap="none" rtlCol="0">
-              <a:spAutoFit/>
-            </a:bodyPr>
-            <a:lstStyle/>
-            <a:p>
-              <a:r>
-                <a:rPr lang="es-UY" sz="1200" i="1" dirty="0"/>
-                <a:t>Cerrado</a:t>
-              </a:r>
-            </a:p>
-          </p:txBody>
-        </p:sp>
-        <p:sp>
-          <p:nvSpPr>
-            <p:cNvPr id="59" name="CuadroTexto 58">
-              <a:extLst>
-                <a:ext uri="{FF2B5EF4-FFF2-40B4-BE49-F238E27FC236}">
-                  <a16:creationId xmlns:a16="http://schemas.microsoft.com/office/drawing/2014/main" id="{69796DB1-D39D-0D80-E482-08F3B8A52672}"/>
-                </a:ext>
-              </a:extLst>
-            </p:cNvPr>
-            <p:cNvSpPr txBox="1"/>
-            <p:nvPr/>
-          </p:nvSpPr>
-          <p:spPr>
-            <a:xfrm>
-              <a:off x="10351308" y="1207671"/>
-              <a:ext cx="1011111" cy="276999"/>
-            </a:xfrm>
-            <a:prstGeom prst="rect">
-              <a:avLst/>
-            </a:prstGeom>
-            <a:noFill/>
-          </p:spPr>
-          <p:txBody>
-            <a:bodyPr wrap="none" rtlCol="0">
-              <a:spAutoFit/>
-            </a:bodyPr>
-            <a:lstStyle/>
-            <a:p>
-              <a:r>
-                <a:rPr lang="es-UY" sz="1200" i="1" dirty="0" err="1"/>
-                <a:t>ParaEntregar</a:t>
-              </a:r>
-              <a:endParaRPr lang="es-UY" sz="1200" i="1" dirty="0"/>
-            </a:p>
-          </p:txBody>
-        </p:sp>
-        <p:sp>
-          <p:nvSpPr>
-            <p:cNvPr id="60" name="CuadroTexto 59">
-              <a:extLst>
-                <a:ext uri="{FF2B5EF4-FFF2-40B4-BE49-F238E27FC236}">
-                  <a16:creationId xmlns:a16="http://schemas.microsoft.com/office/drawing/2014/main" id="{86E31EFE-3D1B-0707-E7D9-A5C1C5CB23D2}"/>
-                </a:ext>
-              </a:extLst>
-            </p:cNvPr>
-            <p:cNvSpPr txBox="1"/>
-            <p:nvPr/>
-          </p:nvSpPr>
-          <p:spPr>
-            <a:xfrm>
-              <a:off x="10322422" y="1983923"/>
-              <a:ext cx="1011111" cy="276999"/>
-            </a:xfrm>
-            <a:prstGeom prst="rect">
-              <a:avLst/>
-            </a:prstGeom>
-            <a:noFill/>
-          </p:spPr>
-          <p:txBody>
-            <a:bodyPr wrap="none" rtlCol="0">
-              <a:spAutoFit/>
-            </a:bodyPr>
-            <a:lstStyle/>
-            <a:p>
-              <a:r>
-                <a:rPr lang="es-UY" sz="1200" i="1" dirty="0" err="1"/>
-                <a:t>ParaEntregar</a:t>
-              </a:r>
-              <a:endParaRPr lang="es-UY" sz="1200" i="1" dirty="0"/>
-            </a:p>
-          </p:txBody>
-        </p:sp>
-        <p:sp>
-          <p:nvSpPr>
-            <p:cNvPr id="61" name="CuadroTexto 60">
-              <a:extLst>
-                <a:ext uri="{FF2B5EF4-FFF2-40B4-BE49-F238E27FC236}">
-                  <a16:creationId xmlns:a16="http://schemas.microsoft.com/office/drawing/2014/main" id="{79CF027D-F1B8-C04C-AE91-55BA2FD0D55F}"/>
-                </a:ext>
-              </a:extLst>
-            </p:cNvPr>
-            <p:cNvSpPr txBox="1"/>
-            <p:nvPr/>
-          </p:nvSpPr>
-          <p:spPr>
-            <a:xfrm>
-              <a:off x="10351307" y="2695402"/>
-              <a:ext cx="1011111" cy="276999"/>
-            </a:xfrm>
-            <a:prstGeom prst="rect">
-              <a:avLst/>
-            </a:prstGeom>
-            <a:noFill/>
-          </p:spPr>
-          <p:txBody>
-            <a:bodyPr wrap="none" rtlCol="0">
-              <a:spAutoFit/>
-            </a:bodyPr>
-            <a:lstStyle/>
-            <a:p>
-              <a:r>
-                <a:rPr lang="es-UY" sz="1200" i="1" dirty="0" err="1"/>
-                <a:t>ParaEntregar</a:t>
-              </a:r>
-              <a:endParaRPr lang="es-UY" sz="1200" i="1" dirty="0"/>
-            </a:p>
-          </p:txBody>
-        </p:sp>
-        <p:sp>
-          <p:nvSpPr>
-            <p:cNvPr id="12" name="Rectángulo 11">
-              <a:extLst>
-                <a:ext uri="{FF2B5EF4-FFF2-40B4-BE49-F238E27FC236}">
-                  <a16:creationId xmlns:a16="http://schemas.microsoft.com/office/drawing/2014/main" id="{1D8DE4B3-5614-EC20-7E22-4E4D9C0394BB}"/>
-                </a:ext>
-              </a:extLst>
-            </p:cNvPr>
-            <p:cNvSpPr/>
-            <p:nvPr/>
-          </p:nvSpPr>
-          <p:spPr>
-            <a:xfrm>
-              <a:off x="580835" y="1983030"/>
-              <a:ext cx="1806994" cy="594628"/>
-            </a:xfrm>
-            <a:prstGeom prst="rect">
-              <a:avLst/>
-            </a:prstGeom>
-            <a:solidFill>
-              <a:schemeClr val="accent1">
-                <a:lumMod val="60000"/>
-                <a:lumOff val="40000"/>
-              </a:schemeClr>
-            </a:solidFill>
-          </p:spPr>
-          <p:style>
-            <a:lnRef idx="2">
-              <a:schemeClr val="accent1">
-                <a:shade val="50000"/>
-              </a:schemeClr>
-            </a:lnRef>
-            <a:fillRef idx="1">
-              <a:schemeClr val="accent1"/>
-            </a:fillRef>
-            <a:effectRef idx="0">
-              <a:schemeClr val="accent1"/>
-            </a:effectRef>
-            <a:fontRef idx="minor">
-              <a:schemeClr val="lt1"/>
-            </a:fontRef>
-          </p:style>
-          <p:txBody>
-            <a:bodyPr rtlCol="0" anchor="ctr"/>
-            <a:lstStyle/>
-            <a:p>
-              <a:pPr algn="ctr"/>
-              <a:endParaRPr lang="es-UY"/>
-            </a:p>
-          </p:txBody>
-        </p:sp>
-      </p:grpSp>
-      <p:sp>
-        <p:nvSpPr>
-          <p:cNvPr id="27" name="CuadroTexto 26">
-            <a:extLst>
-              <a:ext uri="{FF2B5EF4-FFF2-40B4-BE49-F238E27FC236}">
-                <a16:creationId xmlns:a16="http://schemas.microsoft.com/office/drawing/2014/main" id="{3FD05872-8293-6416-2A7E-D9A2B26FEE37}"/>
+          </a:ln>
+        </p:spPr>
+        <p:style>
+          <a:lnRef idx="2">
+            <a:schemeClr val="accent1">
+              <a:shade val="50000"/>
+            </a:schemeClr>
+          </a:lnRef>
+          <a:fillRef idx="1">
+            <a:schemeClr val="accent1"/>
+          </a:fillRef>
+          <a:effectRef idx="0">
+            <a:schemeClr val="accent1"/>
+          </a:effectRef>
+          <a:fontRef idx="minor">
+            <a:schemeClr val="lt1"/>
+          </a:fontRef>
+        </p:style>
+        <p:txBody>
+          <a:bodyPr rtlCol="0" anchor="ctr"/>
+          <a:lstStyle/>
+          <a:p>
+            <a:pPr algn="ctr"/>
+            <a:endParaRPr lang="es-UY" dirty="0"/>
+          </a:p>
+        </p:txBody>
+      </p:sp>
+      <p:sp>
+        <p:nvSpPr>
+          <p:cNvPr id="4" name="Rectángulo 3">
+            <a:extLst>
+              <a:ext uri="{FF2B5EF4-FFF2-40B4-BE49-F238E27FC236}">
+                <a16:creationId xmlns:a16="http://schemas.microsoft.com/office/drawing/2014/main" id="{8E20DFBD-0FDC-CFBE-D1FF-6F795AE7A329}"/>
+              </a:ext>
+            </a:extLst>
+          </p:cNvPr>
+          <p:cNvSpPr/>
+          <p:nvPr/>
+        </p:nvSpPr>
+        <p:spPr>
+          <a:xfrm>
+            <a:off x="589131" y="1417102"/>
+            <a:ext cx="1812875" cy="757661"/>
+          </a:xfrm>
+          <a:prstGeom prst="rect">
+            <a:avLst/>
+          </a:prstGeom>
+          <a:solidFill>
+            <a:schemeClr val="accent1">
+              <a:lumMod val="60000"/>
+              <a:lumOff val="40000"/>
+            </a:schemeClr>
+          </a:solidFill>
+        </p:spPr>
+        <p:style>
+          <a:lnRef idx="2">
+            <a:schemeClr val="accent1">
+              <a:shade val="50000"/>
+            </a:schemeClr>
+          </a:lnRef>
+          <a:fillRef idx="1">
+            <a:schemeClr val="accent1"/>
+          </a:fillRef>
+          <a:effectRef idx="0">
+            <a:schemeClr val="accent1"/>
+          </a:effectRef>
+          <a:fontRef idx="minor">
+            <a:schemeClr val="lt1"/>
+          </a:fontRef>
+        </p:style>
+        <p:txBody>
+          <a:bodyPr rtlCol="0" anchor="ctr"/>
+          <a:lstStyle/>
+          <a:p>
+            <a:pPr algn="ctr"/>
+            <a:endParaRPr lang="es-UY"/>
+          </a:p>
+        </p:txBody>
+      </p:sp>
+      <p:sp>
+        <p:nvSpPr>
+          <p:cNvPr id="5" name="CuadroTexto 4">
+            <a:extLst>
+              <a:ext uri="{FF2B5EF4-FFF2-40B4-BE49-F238E27FC236}">
+                <a16:creationId xmlns:a16="http://schemas.microsoft.com/office/drawing/2014/main" id="{45F51AFA-473D-FCCF-98D8-C1D95D16F69F}"/>
               </a:ext>
             </a:extLst>
           </p:cNvPr>
@@ -7962,9 +6122,9 @@
           <p:nvPr/>
         </p:nvSpPr>
         <p:spPr>
-          <a:xfrm>
-            <a:off x="2455237" y="5240490"/>
-            <a:ext cx="1879355" cy="400110"/>
+          <a:xfrm flipH="1">
+            <a:off x="130502" y="226297"/>
+            <a:ext cx="2850482" cy="923330"/>
           </a:xfrm>
           <a:prstGeom prst="rect">
             <a:avLst/>
@@ -7972,54 +6132,44 @@
           <a:noFill/>
         </p:spPr>
         <p:txBody>
-          <a:bodyPr wrap="square">
+          <a:bodyPr wrap="square" rtlCol="0">
             <a:spAutoFit/>
           </a:bodyPr>
           <a:lstStyle/>
           <a:p>
-            <a:r>
-              <a:rPr lang="es-UY" sz="1000" dirty="0" err="1"/>
-              <a:t>private</a:t>
-            </a:r>
-            <a:r>
-              <a:rPr lang="es-UY" sz="1000" dirty="0"/>
+            <a:pPr algn="ctr"/>
+            <a:r>
+              <a:rPr lang="es-UY" dirty="0" err="1"/>
+              <a:t>ListaSimple</a:t>
+            </a:r>
+            <a:endParaRPr lang="es-UY" dirty="0"/>
+          </a:p>
+          <a:p>
+            <a:pPr algn="ctr"/>
+            <a:r>
+              <a:rPr lang="es-UY" b="1" dirty="0" err="1"/>
+              <a:t>listaClientes</a:t>
+            </a:r>
+            <a:r>
+              <a:rPr lang="es-UY" dirty="0"/>
               <a:t> </a:t>
             </a:r>
-            <a:r>
-              <a:rPr lang="es-UY" sz="1000" dirty="0" err="1"/>
-              <a:t>int</a:t>
-            </a:r>
-            <a:r>
-              <a:rPr lang="es-UY" sz="1000" dirty="0"/>
-              <a:t> ID;</a:t>
-            </a:r>
-          </a:p>
-          <a:p>
-            <a:r>
-              <a:rPr lang="es-UY" sz="1000" dirty="0" err="1"/>
-              <a:t>private</a:t>
-            </a:r>
-            <a:r>
-              <a:rPr lang="es-UY" sz="1000" dirty="0"/>
-              <a:t> </a:t>
-            </a:r>
-            <a:r>
-              <a:rPr lang="es-UY" sz="1000" dirty="0" err="1"/>
-              <a:t>int</a:t>
-            </a:r>
-            <a:r>
-              <a:rPr lang="es-UY" sz="1000" dirty="0"/>
-              <a:t> cantidad;</a:t>
-            </a:r>
-          </a:p>
-        </p:txBody>
-      </p:sp>
-      <p:sp>
-        <p:nvSpPr>
-          <p:cNvPr id="38" name="Rectángulo 37">
-            <a:extLst>
-              <a:ext uri="{FF2B5EF4-FFF2-40B4-BE49-F238E27FC236}">
-                <a16:creationId xmlns:a16="http://schemas.microsoft.com/office/drawing/2014/main" id="{46A6BBE3-61D0-B451-EBF1-090A9FDE7AE5}"/>
+          </a:p>
+          <a:p>
+            <a:pPr algn="ctr"/>
+            <a:r>
+              <a:rPr lang="es-UY" dirty="0"/>
+              <a:t>(Sistema)</a:t>
+            </a:r>
+          </a:p>
+        </p:txBody>
+      </p:sp>
+      <p:sp>
+        <p:nvSpPr>
+          <p:cNvPr id="7" name="Rectángulo 6">
+            <a:extLst>
+              <a:ext uri="{FF2B5EF4-FFF2-40B4-BE49-F238E27FC236}">
+                <a16:creationId xmlns:a16="http://schemas.microsoft.com/office/drawing/2014/main" id="{A7EE3BBC-1498-E26E-FE19-C1F8E59937FA}"/>
               </a:ext>
             </a:extLst>
           </p:cNvPr>
@@ -8028,8 +6178,340 @@
         </p:nvSpPr>
         <p:spPr>
           <a:xfrm>
-            <a:off x="3834817" y="5245667"/>
+            <a:off x="600514" y="3018241"/>
+            <a:ext cx="1777227" cy="579860"/>
+          </a:xfrm>
+          <a:prstGeom prst="rect">
+            <a:avLst/>
+          </a:prstGeom>
+          <a:solidFill>
+            <a:schemeClr val="accent1">
+              <a:lumMod val="60000"/>
+              <a:lumOff val="40000"/>
+            </a:schemeClr>
+          </a:solidFill>
+        </p:spPr>
+        <p:style>
+          <a:lnRef idx="2">
+            <a:schemeClr val="accent1">
+              <a:shade val="50000"/>
+            </a:schemeClr>
+          </a:lnRef>
+          <a:fillRef idx="1">
+            <a:schemeClr val="accent1"/>
+          </a:fillRef>
+          <a:effectRef idx="0">
+            <a:schemeClr val="accent1"/>
+          </a:effectRef>
+          <a:fontRef idx="minor">
+            <a:schemeClr val="lt1"/>
+          </a:fontRef>
+        </p:style>
+        <p:txBody>
+          <a:bodyPr rtlCol="0" anchor="ctr"/>
+          <a:lstStyle/>
+          <a:p>
+            <a:pPr algn="ctr"/>
+            <a:endParaRPr lang="es-UY"/>
+          </a:p>
+        </p:txBody>
+      </p:sp>
+      <p:sp>
+        <p:nvSpPr>
+          <p:cNvPr id="10" name="Rectángulo 9">
+            <a:extLst>
+              <a:ext uri="{FF2B5EF4-FFF2-40B4-BE49-F238E27FC236}">
+                <a16:creationId xmlns:a16="http://schemas.microsoft.com/office/drawing/2014/main" id="{EAC9CFAD-DCF2-2A10-F70F-FD5571DA632F}"/>
+              </a:ext>
+            </a:extLst>
+          </p:cNvPr>
+          <p:cNvSpPr/>
+          <p:nvPr/>
+        </p:nvSpPr>
+        <p:spPr>
+          <a:xfrm>
+            <a:off x="7195695" y="1229260"/>
+            <a:ext cx="1483355" cy="945503"/>
+          </a:xfrm>
+          <a:prstGeom prst="rect">
+            <a:avLst/>
+          </a:prstGeom>
+          <a:solidFill>
+            <a:schemeClr val="accent4">
+              <a:lumMod val="60000"/>
+              <a:lumOff val="40000"/>
+            </a:schemeClr>
+          </a:solidFill>
+        </p:spPr>
+        <p:style>
+          <a:lnRef idx="2">
+            <a:schemeClr val="accent4">
+              <a:shade val="50000"/>
+            </a:schemeClr>
+          </a:lnRef>
+          <a:fillRef idx="1">
+            <a:schemeClr val="accent4"/>
+          </a:fillRef>
+          <a:effectRef idx="0">
+            <a:schemeClr val="accent4"/>
+          </a:effectRef>
+          <a:fontRef idx="minor">
+            <a:schemeClr val="lt1"/>
+          </a:fontRef>
+        </p:style>
+        <p:txBody>
+          <a:bodyPr rtlCol="0" anchor="ctr"/>
+          <a:lstStyle/>
+          <a:p>
+            <a:pPr algn="ctr"/>
+            <a:endParaRPr lang="es-UY"/>
+          </a:p>
+        </p:txBody>
+      </p:sp>
+      <p:sp>
+        <p:nvSpPr>
+          <p:cNvPr id="11" name="CuadroTexto 10">
+            <a:extLst>
+              <a:ext uri="{FF2B5EF4-FFF2-40B4-BE49-F238E27FC236}">
+                <a16:creationId xmlns:a16="http://schemas.microsoft.com/office/drawing/2014/main" id="{7271AA81-1F73-E4C6-70AE-B9A7BE60EC8C}"/>
+              </a:ext>
+            </a:extLst>
+          </p:cNvPr>
+          <p:cNvSpPr txBox="1"/>
+          <p:nvPr/>
+        </p:nvSpPr>
+        <p:spPr>
+          <a:xfrm flipH="1">
+            <a:off x="6509137" y="219204"/>
+            <a:ext cx="2928175" cy="923330"/>
+          </a:xfrm>
+          <a:prstGeom prst="rect">
+            <a:avLst/>
+          </a:prstGeom>
+          <a:noFill/>
+        </p:spPr>
+        <p:txBody>
+          <a:bodyPr wrap="square" rtlCol="0">
+            <a:spAutoFit/>
+          </a:bodyPr>
+          <a:lstStyle/>
+          <a:p>
+            <a:pPr algn="ctr"/>
+            <a:r>
+              <a:rPr lang="es-UY" dirty="0"/>
+              <a:t>Cola</a:t>
+            </a:r>
+          </a:p>
+          <a:p>
+            <a:pPr algn="ctr"/>
+            <a:r>
+              <a:rPr lang="es-UY" b="1" dirty="0" err="1"/>
+              <a:t>colaPedidosCerrados</a:t>
+            </a:r>
+            <a:r>
+              <a:rPr lang="es-UY" dirty="0"/>
+              <a:t> (Sistema)</a:t>
+            </a:r>
+          </a:p>
+        </p:txBody>
+      </p:sp>
+      <p:sp>
+        <p:nvSpPr>
+          <p:cNvPr id="16" name="CuadroTexto 15">
+            <a:extLst>
+              <a:ext uri="{FF2B5EF4-FFF2-40B4-BE49-F238E27FC236}">
+                <a16:creationId xmlns:a16="http://schemas.microsoft.com/office/drawing/2014/main" id="{74940B42-6742-9E5D-19ED-60BA00053131}"/>
+              </a:ext>
+            </a:extLst>
+          </p:cNvPr>
+          <p:cNvSpPr txBox="1"/>
+          <p:nvPr/>
+        </p:nvSpPr>
+        <p:spPr>
+          <a:xfrm flipH="1">
+            <a:off x="320858" y="1151894"/>
+            <a:ext cx="2707299" cy="276999"/>
+          </a:xfrm>
+          <a:prstGeom prst="rect">
+            <a:avLst/>
+          </a:prstGeom>
+          <a:noFill/>
+        </p:spPr>
+        <p:txBody>
+          <a:bodyPr wrap="square" rtlCol="0">
+            <a:spAutoFit/>
+          </a:bodyPr>
+          <a:lstStyle/>
+          <a:p>
+            <a:r>
+              <a:rPr lang="es-UY" sz="1200" dirty="0"/>
+              <a:t>Ordenada alfabéticamente por nombre</a:t>
+            </a:r>
+          </a:p>
+        </p:txBody>
+      </p:sp>
+      <p:cxnSp>
+        <p:nvCxnSpPr>
+          <p:cNvPr id="18" name="Conector recto de flecha 17">
+            <a:extLst>
+              <a:ext uri="{FF2B5EF4-FFF2-40B4-BE49-F238E27FC236}">
+                <a16:creationId xmlns:a16="http://schemas.microsoft.com/office/drawing/2014/main" id="{953C0AFA-3605-471F-EB0A-30D17221ED57}"/>
+              </a:ext>
+            </a:extLst>
+          </p:cNvPr>
+          <p:cNvCxnSpPr>
+            <a:cxnSpLocks/>
+          </p:cNvCxnSpPr>
+          <p:nvPr/>
+        </p:nvCxnSpPr>
+        <p:spPr>
+          <a:xfrm flipV="1">
+            <a:off x="2024549" y="5646579"/>
+            <a:ext cx="370906" cy="1"/>
+          </a:xfrm>
+          <a:prstGeom prst="straightConnector1">
+            <a:avLst/>
+          </a:prstGeom>
+          <a:ln w="38100">
+            <a:tailEnd type="triangle"/>
+          </a:ln>
+        </p:spPr>
+        <p:style>
+          <a:lnRef idx="1">
+            <a:schemeClr val="accent1"/>
+          </a:lnRef>
+          <a:fillRef idx="0">
+            <a:schemeClr val="accent1"/>
+          </a:fillRef>
+          <a:effectRef idx="0">
+            <a:schemeClr val="accent1"/>
+          </a:effectRef>
+          <a:fontRef idx="minor">
+            <a:schemeClr val="tx1"/>
+          </a:fontRef>
+        </p:style>
+      </p:cxnSp>
+      <p:sp>
+        <p:nvSpPr>
+          <p:cNvPr id="19" name="Rectángulo 18">
+            <a:extLst>
+              <a:ext uri="{FF2B5EF4-FFF2-40B4-BE49-F238E27FC236}">
+                <a16:creationId xmlns:a16="http://schemas.microsoft.com/office/drawing/2014/main" id="{CF6B36BF-CA83-4C16-2878-9F1B073A9F33}"/>
+              </a:ext>
+            </a:extLst>
+          </p:cNvPr>
+          <p:cNvSpPr/>
+          <p:nvPr/>
+        </p:nvSpPr>
+        <p:spPr>
+          <a:xfrm>
+            <a:off x="2490010" y="5575026"/>
             <a:ext cx="1207925" cy="807464"/>
+          </a:xfrm>
+          <a:prstGeom prst="rect">
+            <a:avLst/>
+          </a:prstGeom>
+          <a:solidFill>
+            <a:schemeClr val="accent5">
+              <a:lumMod val="60000"/>
+              <a:lumOff val="40000"/>
+            </a:schemeClr>
+          </a:solidFill>
+        </p:spPr>
+        <p:style>
+          <a:lnRef idx="1">
+            <a:schemeClr val="accent5"/>
+          </a:lnRef>
+          <a:fillRef idx="2">
+            <a:schemeClr val="accent5"/>
+          </a:fillRef>
+          <a:effectRef idx="1">
+            <a:schemeClr val="accent5"/>
+          </a:effectRef>
+          <a:fontRef idx="minor">
+            <a:schemeClr val="dk1"/>
+          </a:fontRef>
+        </p:style>
+        <p:txBody>
+          <a:bodyPr rtlCol="0" anchor="ctr"/>
+          <a:lstStyle/>
+          <a:p>
+            <a:pPr algn="ctr"/>
+            <a:endParaRPr lang="es-UY" dirty="0"/>
+          </a:p>
+        </p:txBody>
+      </p:sp>
+      <p:sp>
+        <p:nvSpPr>
+          <p:cNvPr id="20" name="CuadroTexto 19">
+            <a:extLst>
+              <a:ext uri="{FF2B5EF4-FFF2-40B4-BE49-F238E27FC236}">
+                <a16:creationId xmlns:a16="http://schemas.microsoft.com/office/drawing/2014/main" id="{AF9EC196-11E2-4549-EEE1-461C2BDE45B9}"/>
+              </a:ext>
+            </a:extLst>
+          </p:cNvPr>
+          <p:cNvSpPr txBox="1"/>
+          <p:nvPr/>
+        </p:nvSpPr>
+        <p:spPr>
+          <a:xfrm flipH="1">
+            <a:off x="2326652" y="4646661"/>
+            <a:ext cx="1547489" cy="923330"/>
+          </a:xfrm>
+          <a:prstGeom prst="rect">
+            <a:avLst/>
+          </a:prstGeom>
+          <a:noFill/>
+        </p:spPr>
+        <p:txBody>
+          <a:bodyPr wrap="square" rtlCol="0">
+            <a:spAutoFit/>
+          </a:bodyPr>
+          <a:lstStyle/>
+          <a:p>
+            <a:pPr algn="ctr"/>
+            <a:r>
+              <a:rPr lang="es-UY" dirty="0"/>
+              <a:t>Pila</a:t>
+            </a:r>
+            <a:r>
+              <a:rPr lang="es-UY" b="1" dirty="0"/>
+              <a:t> </a:t>
+            </a:r>
+            <a:r>
+              <a:rPr lang="es-UY" b="1" dirty="0" err="1"/>
+              <a:t>pilaProductos</a:t>
+            </a:r>
+            <a:r>
+              <a:rPr lang="es-UY" dirty="0"/>
+              <a:t> </a:t>
+            </a:r>
+          </a:p>
+          <a:p>
+            <a:pPr algn="ctr"/>
+            <a:r>
+              <a:rPr lang="es-UY" dirty="0"/>
+              <a:t>(Pedido)</a:t>
+            </a:r>
+          </a:p>
+        </p:txBody>
+      </p:sp>
+      <p:sp>
+        <p:nvSpPr>
+          <p:cNvPr id="24" name="Rectángulo 23">
+            <a:extLst>
+              <a:ext uri="{FF2B5EF4-FFF2-40B4-BE49-F238E27FC236}">
+                <a16:creationId xmlns:a16="http://schemas.microsoft.com/office/drawing/2014/main" id="{4E8827D2-C37F-76E1-47E5-9F88D819006C}"/>
+              </a:ext>
+            </a:extLst>
+          </p:cNvPr>
+          <p:cNvSpPr/>
+          <p:nvPr/>
+        </p:nvSpPr>
+        <p:spPr>
+          <a:xfrm>
+            <a:off x="3742030" y="1239310"/>
+            <a:ext cx="1720819" cy="1007959"/>
           </a:xfrm>
           <a:prstGeom prst="rect">
             <a:avLst/>
@@ -8040,6 +6522,7 @@
               <a:lumOff val="40000"/>
             </a:schemeClr>
           </a:solidFill>
+          <a:ln/>
         </p:spPr>
         <p:style>
           <a:lnRef idx="2">
@@ -8062,16 +6545,269 @@
           <a:lstStyle/>
           <a:p>
             <a:pPr algn="ctr"/>
+            <a:endParaRPr lang="es-UY"/>
+          </a:p>
+        </p:txBody>
+      </p:sp>
+      <p:sp>
+        <p:nvSpPr>
+          <p:cNvPr id="25" name="CuadroTexto 24">
+            <a:extLst>
+              <a:ext uri="{FF2B5EF4-FFF2-40B4-BE49-F238E27FC236}">
+                <a16:creationId xmlns:a16="http://schemas.microsoft.com/office/drawing/2014/main" id="{5DABC579-AEF4-C43A-12AF-9795422F78AE}"/>
+              </a:ext>
+            </a:extLst>
+          </p:cNvPr>
+          <p:cNvSpPr txBox="1"/>
+          <p:nvPr/>
+        </p:nvSpPr>
+        <p:spPr>
+          <a:xfrm flipH="1">
+            <a:off x="3194429" y="233687"/>
+            <a:ext cx="2928174" cy="923330"/>
+          </a:xfrm>
+          <a:prstGeom prst="rect">
+            <a:avLst/>
+          </a:prstGeom>
+          <a:noFill/>
+        </p:spPr>
+        <p:txBody>
+          <a:bodyPr wrap="square" rtlCol="0">
+            <a:spAutoFit/>
+          </a:bodyPr>
+          <a:lstStyle/>
+          <a:p>
+            <a:pPr algn="ctr"/>
+            <a:r>
+              <a:rPr lang="es-UY" dirty="0" err="1"/>
+              <a:t>ListaSimple</a:t>
+            </a:r>
             <a:endParaRPr lang="es-UY" dirty="0"/>
           </a:p>
-        </p:txBody>
-      </p:sp>
-      <p:sp>
-        <p:nvSpPr>
-          <p:cNvPr id="39" name="Rectángulo 38">
-            <a:extLst>
-              <a:ext uri="{FF2B5EF4-FFF2-40B4-BE49-F238E27FC236}">
-                <a16:creationId xmlns:a16="http://schemas.microsoft.com/office/drawing/2014/main" id="{0332BDB1-19ED-D126-EAAC-CE457DCB9557}"/>
+          <a:p>
+            <a:pPr algn="ctr"/>
+            <a:r>
+              <a:rPr lang="es-UY" b="1" dirty="0" err="1"/>
+              <a:t>listaProductos</a:t>
+            </a:r>
+            <a:r>
+              <a:rPr lang="es-UY" dirty="0"/>
+              <a:t> </a:t>
+            </a:r>
+          </a:p>
+          <a:p>
+            <a:pPr algn="ctr"/>
+            <a:r>
+              <a:rPr lang="es-UY" dirty="0"/>
+              <a:t>(Sistema)</a:t>
+            </a:r>
+          </a:p>
+        </p:txBody>
+      </p:sp>
+      <p:sp>
+        <p:nvSpPr>
+          <p:cNvPr id="8" name="CuadroTexto 7">
+            <a:extLst>
+              <a:ext uri="{FF2B5EF4-FFF2-40B4-BE49-F238E27FC236}">
+                <a16:creationId xmlns:a16="http://schemas.microsoft.com/office/drawing/2014/main" id="{134F8412-F78E-DE75-6C45-1C63F7E9C8EA}"/>
+              </a:ext>
+            </a:extLst>
+          </p:cNvPr>
+          <p:cNvSpPr txBox="1"/>
+          <p:nvPr/>
+        </p:nvSpPr>
+        <p:spPr>
+          <a:xfrm>
+            <a:off x="5441686" y="1199232"/>
+            <a:ext cx="1266786" cy="1061829"/>
+          </a:xfrm>
+          <a:prstGeom prst="rect">
+            <a:avLst/>
+          </a:prstGeom>
+          <a:noFill/>
+        </p:spPr>
+        <p:txBody>
+          <a:bodyPr wrap="square" rtlCol="0">
+            <a:spAutoFit/>
+          </a:bodyPr>
+          <a:lstStyle/>
+          <a:p>
+            <a:pPr algn="just"/>
+            <a:r>
+              <a:rPr lang="es-UY" sz="1050" dirty="0"/>
+              <a:t>Se muestran en orden en que se les dio el alta. Se buscan por nombre para eliminar o dar de alta stock.</a:t>
+            </a:r>
+            <a:endParaRPr lang="es-UY" sz="1050" dirty="0">
+              <a:highlight>
+                <a:srgbClr val="FFFF00"/>
+              </a:highlight>
+            </a:endParaRPr>
+          </a:p>
+        </p:txBody>
+      </p:sp>
+      <p:sp>
+        <p:nvSpPr>
+          <p:cNvPr id="14" name="CuadroTexto 13">
+            <a:extLst>
+              <a:ext uri="{FF2B5EF4-FFF2-40B4-BE49-F238E27FC236}">
+                <a16:creationId xmlns:a16="http://schemas.microsoft.com/office/drawing/2014/main" id="{26887DC5-23BC-230D-690C-08F829EB4DE9}"/>
+              </a:ext>
+            </a:extLst>
+          </p:cNvPr>
+          <p:cNvSpPr txBox="1"/>
+          <p:nvPr/>
+        </p:nvSpPr>
+        <p:spPr>
+          <a:xfrm>
+            <a:off x="6389628" y="5675939"/>
+            <a:ext cx="2211127" cy="577081"/>
+          </a:xfrm>
+          <a:prstGeom prst="rect">
+            <a:avLst/>
+          </a:prstGeom>
+          <a:noFill/>
+        </p:spPr>
+        <p:txBody>
+          <a:bodyPr wrap="square" rtlCol="0">
+            <a:spAutoFit/>
+          </a:bodyPr>
+          <a:lstStyle/>
+          <a:p>
+            <a:pPr algn="just"/>
+            <a:r>
+              <a:rPr lang="es-UY" sz="1050" dirty="0"/>
+              <a:t>Se agrega uno arriba de otro, y se puede remover solo el último que se agregó.</a:t>
+            </a:r>
+          </a:p>
+        </p:txBody>
+      </p:sp>
+      <p:sp>
+        <p:nvSpPr>
+          <p:cNvPr id="17" name="CuadroTexto 16">
+            <a:extLst>
+              <a:ext uri="{FF2B5EF4-FFF2-40B4-BE49-F238E27FC236}">
+                <a16:creationId xmlns:a16="http://schemas.microsoft.com/office/drawing/2014/main" id="{DFAFAC94-7726-C550-AD0E-66EBC61B15BC}"/>
+              </a:ext>
+            </a:extLst>
+          </p:cNvPr>
+          <p:cNvSpPr txBox="1"/>
+          <p:nvPr/>
+        </p:nvSpPr>
+        <p:spPr>
+          <a:xfrm>
+            <a:off x="7099048" y="3807996"/>
+            <a:ext cx="1831036" cy="938719"/>
+          </a:xfrm>
+          <a:prstGeom prst="rect">
+            <a:avLst/>
+          </a:prstGeom>
+          <a:noFill/>
+        </p:spPr>
+        <p:txBody>
+          <a:bodyPr wrap="square" rtlCol="0">
+            <a:spAutoFit/>
+          </a:bodyPr>
+          <a:lstStyle/>
+          <a:p>
+            <a:pPr algn="just"/>
+            <a:r>
+              <a:rPr lang="es-UY" sz="1100" dirty="0"/>
+              <a:t>Se procesan en orden de llegada (el primer elemento se procesa primero), pedido procesado se elimina y pasa a </a:t>
+            </a:r>
+            <a:r>
+              <a:rPr lang="es-UY" sz="1100" dirty="0" err="1"/>
+              <a:t>listaPedidosParaEntregar</a:t>
+            </a:r>
+            <a:r>
+              <a:rPr lang="es-UY" sz="1100" dirty="0"/>
+              <a:t>()</a:t>
+            </a:r>
+          </a:p>
+        </p:txBody>
+      </p:sp>
+      <p:sp>
+        <p:nvSpPr>
+          <p:cNvPr id="26" name="CuadroTexto 25">
+            <a:extLst>
+              <a:ext uri="{FF2B5EF4-FFF2-40B4-BE49-F238E27FC236}">
+                <a16:creationId xmlns:a16="http://schemas.microsoft.com/office/drawing/2014/main" id="{E1D28098-26E0-366C-D16D-75ADED6F6D87}"/>
+              </a:ext>
+            </a:extLst>
+          </p:cNvPr>
+          <p:cNvSpPr txBox="1"/>
+          <p:nvPr/>
+        </p:nvSpPr>
+        <p:spPr>
+          <a:xfrm>
+            <a:off x="2387829" y="1386120"/>
+            <a:ext cx="1275333" cy="769441"/>
+          </a:xfrm>
+          <a:prstGeom prst="rect">
+            <a:avLst/>
+          </a:prstGeom>
+          <a:noFill/>
+        </p:spPr>
+        <p:txBody>
+          <a:bodyPr wrap="square" rtlCol="0">
+            <a:spAutoFit/>
+          </a:bodyPr>
+          <a:lstStyle/>
+          <a:p>
+            <a:pPr algn="just"/>
+            <a:r>
+              <a:rPr lang="es-UY" sz="1100" dirty="0"/>
+              <a:t>Se busca por Ci, se muestran ordenados alfabéticamente</a:t>
+            </a:r>
+          </a:p>
+        </p:txBody>
+      </p:sp>
+      <p:cxnSp>
+        <p:nvCxnSpPr>
+          <p:cNvPr id="30" name="Conector recto de flecha 29">
+            <a:extLst>
+              <a:ext uri="{FF2B5EF4-FFF2-40B4-BE49-F238E27FC236}">
+                <a16:creationId xmlns:a16="http://schemas.microsoft.com/office/drawing/2014/main" id="{583D7A11-6D9E-0F74-8A41-FF4898A569CD}"/>
+              </a:ext>
+            </a:extLst>
+          </p:cNvPr>
+          <p:cNvCxnSpPr>
+            <a:cxnSpLocks/>
+          </p:cNvCxnSpPr>
+          <p:nvPr/>
+        </p:nvCxnSpPr>
+        <p:spPr>
+          <a:xfrm>
+            <a:off x="1483910" y="3676564"/>
+            <a:ext cx="0" cy="817274"/>
+          </a:xfrm>
+          <a:prstGeom prst="straightConnector1">
+            <a:avLst/>
+          </a:prstGeom>
+          <a:ln w="38100">
+            <a:tailEnd type="triangle"/>
+          </a:ln>
+        </p:spPr>
+        <p:style>
+          <a:lnRef idx="1">
+            <a:schemeClr val="accent1"/>
+          </a:lnRef>
+          <a:fillRef idx="0">
+            <a:schemeClr val="accent1"/>
+          </a:fillRef>
+          <a:effectRef idx="0">
+            <a:schemeClr val="accent1"/>
+          </a:effectRef>
+          <a:fontRef idx="minor">
+            <a:schemeClr val="tx1"/>
+          </a:fontRef>
+        </p:style>
+      </p:cxnSp>
+      <p:sp>
+        <p:nvSpPr>
+          <p:cNvPr id="32" name="Rectángulo 31">
+            <a:extLst>
+              <a:ext uri="{FF2B5EF4-FFF2-40B4-BE49-F238E27FC236}">
+                <a16:creationId xmlns:a16="http://schemas.microsoft.com/office/drawing/2014/main" id="{5C33449E-246E-476B-5E7D-DD20D8213147}"/>
               </a:ext>
             </a:extLst>
           </p:cNvPr>
@@ -8079,9 +6815,887 @@
           <p:nvPr/>
         </p:nvSpPr>
         <p:spPr>
+          <a:xfrm flipV="1">
+            <a:off x="1019992" y="4591749"/>
+            <a:ext cx="944774" cy="369332"/>
+          </a:xfrm>
+          <a:prstGeom prst="rect">
+            <a:avLst/>
+          </a:prstGeom>
+          <a:solidFill>
+            <a:schemeClr val="accent4">
+              <a:lumMod val="60000"/>
+              <a:lumOff val="40000"/>
+            </a:schemeClr>
+          </a:solidFill>
+        </p:spPr>
+        <p:style>
+          <a:lnRef idx="2">
+            <a:schemeClr val="accent4">
+              <a:shade val="50000"/>
+            </a:schemeClr>
+          </a:lnRef>
+          <a:fillRef idx="1">
+            <a:schemeClr val="accent4"/>
+          </a:fillRef>
+          <a:effectRef idx="0">
+            <a:schemeClr val="accent4"/>
+          </a:effectRef>
+          <a:fontRef idx="minor">
+            <a:schemeClr val="lt1"/>
+          </a:fontRef>
+        </p:style>
+        <p:txBody>
+          <a:bodyPr rtlCol="0" anchor="ctr"/>
+          <a:lstStyle/>
+          <a:p>
+            <a:pPr algn="ctr"/>
+            <a:endParaRPr lang="es-UY"/>
+          </a:p>
+        </p:txBody>
+      </p:sp>
+      <p:sp>
+        <p:nvSpPr>
+          <p:cNvPr id="33" name="Rectángulo 32">
+            <a:extLst>
+              <a:ext uri="{FF2B5EF4-FFF2-40B4-BE49-F238E27FC236}">
+                <a16:creationId xmlns:a16="http://schemas.microsoft.com/office/drawing/2014/main" id="{B48A363C-AE49-66AD-16A1-EF2222439BD3}"/>
+              </a:ext>
+            </a:extLst>
+          </p:cNvPr>
+          <p:cNvSpPr/>
+          <p:nvPr/>
+        </p:nvSpPr>
+        <p:spPr>
+          <a:xfrm flipV="1">
+            <a:off x="1019994" y="5015682"/>
+            <a:ext cx="944774" cy="369332"/>
+          </a:xfrm>
+          <a:prstGeom prst="rect">
+            <a:avLst/>
+          </a:prstGeom>
+          <a:solidFill>
+            <a:schemeClr val="accent4">
+              <a:lumMod val="60000"/>
+              <a:lumOff val="40000"/>
+            </a:schemeClr>
+          </a:solidFill>
+        </p:spPr>
+        <p:style>
+          <a:lnRef idx="2">
+            <a:schemeClr val="accent4">
+              <a:shade val="50000"/>
+            </a:schemeClr>
+          </a:lnRef>
+          <a:fillRef idx="1">
+            <a:schemeClr val="accent4"/>
+          </a:fillRef>
+          <a:effectRef idx="0">
+            <a:schemeClr val="accent4"/>
+          </a:effectRef>
+          <a:fontRef idx="minor">
+            <a:schemeClr val="lt1"/>
+          </a:fontRef>
+        </p:style>
+        <p:txBody>
+          <a:bodyPr rtlCol="0" anchor="ctr"/>
+          <a:lstStyle/>
+          <a:p>
+            <a:pPr algn="ctr"/>
+            <a:endParaRPr lang="es-UY"/>
+          </a:p>
+        </p:txBody>
+      </p:sp>
+      <p:sp>
+        <p:nvSpPr>
+          <p:cNvPr id="34" name="Rectángulo 33">
+            <a:extLst>
+              <a:ext uri="{FF2B5EF4-FFF2-40B4-BE49-F238E27FC236}">
+                <a16:creationId xmlns:a16="http://schemas.microsoft.com/office/drawing/2014/main" id="{3F3ADED7-FE15-8C10-1B98-FA35576FCDC9}"/>
+              </a:ext>
+            </a:extLst>
+          </p:cNvPr>
+          <p:cNvSpPr/>
+          <p:nvPr/>
+        </p:nvSpPr>
+        <p:spPr>
+          <a:xfrm flipV="1">
+            <a:off x="1019993" y="5461913"/>
+            <a:ext cx="944774" cy="369332"/>
+          </a:xfrm>
+          <a:prstGeom prst="rect">
+            <a:avLst/>
+          </a:prstGeom>
+          <a:solidFill>
+            <a:schemeClr val="accent4">
+              <a:lumMod val="60000"/>
+              <a:lumOff val="40000"/>
+            </a:schemeClr>
+          </a:solidFill>
+        </p:spPr>
+        <p:style>
+          <a:lnRef idx="2">
+            <a:schemeClr val="accent4">
+              <a:shade val="50000"/>
+            </a:schemeClr>
+          </a:lnRef>
+          <a:fillRef idx="1">
+            <a:schemeClr val="accent4"/>
+          </a:fillRef>
+          <a:effectRef idx="0">
+            <a:schemeClr val="accent4"/>
+          </a:effectRef>
+          <a:fontRef idx="minor">
+            <a:schemeClr val="lt1"/>
+          </a:fontRef>
+        </p:style>
+        <p:txBody>
+          <a:bodyPr rtlCol="0" anchor="ctr"/>
+          <a:lstStyle/>
+          <a:p>
+            <a:pPr algn="ctr"/>
+            <a:endParaRPr lang="es-UY"/>
+          </a:p>
+        </p:txBody>
+      </p:sp>
+      <p:sp>
+        <p:nvSpPr>
+          <p:cNvPr id="35" name="CuadroTexto 34">
+            <a:extLst>
+              <a:ext uri="{FF2B5EF4-FFF2-40B4-BE49-F238E27FC236}">
+                <a16:creationId xmlns:a16="http://schemas.microsoft.com/office/drawing/2014/main" id="{6D232677-BD88-1493-AB99-F3C0661E7921}"/>
+              </a:ext>
+            </a:extLst>
+          </p:cNvPr>
+          <p:cNvSpPr txBox="1"/>
+          <p:nvPr/>
+        </p:nvSpPr>
+        <p:spPr>
           <a:xfrm>
-            <a:off x="5181703" y="5245667"/>
-            <a:ext cx="1207925" cy="807464"/>
+            <a:off x="1638818" y="3772465"/>
+            <a:ext cx="1598090" cy="923330"/>
+          </a:xfrm>
+          <a:prstGeom prst="rect">
+            <a:avLst/>
+          </a:prstGeom>
+          <a:noFill/>
+        </p:spPr>
+        <p:txBody>
+          <a:bodyPr wrap="square" rtlCol="0">
+            <a:spAutoFit/>
+          </a:bodyPr>
+          <a:lstStyle/>
+          <a:p>
+            <a:pPr algn="ctr"/>
+            <a:r>
+              <a:rPr lang="en-US" dirty="0" err="1"/>
+              <a:t>ListaSimple</a:t>
+            </a:r>
+            <a:r>
+              <a:rPr lang="en-US" b="1" dirty="0"/>
+              <a:t> </a:t>
+            </a:r>
+            <a:r>
+              <a:rPr lang="en-US" b="1" dirty="0" err="1"/>
+              <a:t>listaPedidos</a:t>
+            </a:r>
+            <a:endParaRPr lang="en-US" b="1" dirty="0"/>
+          </a:p>
+          <a:p>
+            <a:pPr algn="ctr"/>
+            <a:r>
+              <a:rPr lang="en-US" dirty="0"/>
+              <a:t>(</a:t>
+            </a:r>
+            <a:r>
+              <a:rPr lang="en-US" dirty="0" err="1"/>
+              <a:t>Cliente</a:t>
+            </a:r>
+            <a:r>
+              <a:rPr lang="en-US" dirty="0"/>
+              <a:t>)</a:t>
+            </a:r>
+            <a:endParaRPr lang="es-UY" dirty="0"/>
+          </a:p>
+        </p:txBody>
+      </p:sp>
+      <p:sp>
+        <p:nvSpPr>
+          <p:cNvPr id="36" name="CuadroTexto 35">
+            <a:extLst>
+              <a:ext uri="{FF2B5EF4-FFF2-40B4-BE49-F238E27FC236}">
+                <a16:creationId xmlns:a16="http://schemas.microsoft.com/office/drawing/2014/main" id="{05D2C676-402B-893F-D85C-9083FD14B72B}"/>
+              </a:ext>
+            </a:extLst>
+          </p:cNvPr>
+          <p:cNvSpPr txBox="1"/>
+          <p:nvPr/>
+        </p:nvSpPr>
+        <p:spPr>
+          <a:xfrm>
+            <a:off x="3454137" y="3924108"/>
+            <a:ext cx="1831037" cy="430887"/>
+          </a:xfrm>
+          <a:prstGeom prst="rect">
+            <a:avLst/>
+          </a:prstGeom>
+          <a:noFill/>
+        </p:spPr>
+        <p:txBody>
+          <a:bodyPr wrap="square" rtlCol="0">
+            <a:spAutoFit/>
+          </a:bodyPr>
+          <a:lstStyle/>
+          <a:p>
+            <a:pPr algn="just"/>
+            <a:r>
+              <a:rPr lang="en-US" sz="1100" dirty="0"/>
+              <a:t>Los </a:t>
+            </a:r>
+            <a:r>
+              <a:rPr lang="en-US" sz="1100" dirty="0" err="1"/>
+              <a:t>pedidos</a:t>
+            </a:r>
+            <a:r>
+              <a:rPr lang="en-US" sz="1100" dirty="0"/>
+              <a:t> </a:t>
+            </a:r>
+            <a:r>
+              <a:rPr lang="en-US" sz="1100" dirty="0" err="1"/>
+              <a:t>cerrados</a:t>
+            </a:r>
+            <a:r>
+              <a:rPr lang="en-US" sz="1100" dirty="0"/>
+              <a:t> y para </a:t>
+            </a:r>
+            <a:r>
+              <a:rPr lang="en-US" sz="1100" dirty="0" err="1"/>
+              <a:t>entregar</a:t>
+            </a:r>
+            <a:r>
+              <a:rPr lang="en-US" sz="1100" dirty="0"/>
+              <a:t> de un </a:t>
+            </a:r>
+            <a:r>
+              <a:rPr lang="en-US" sz="1100" dirty="0" err="1"/>
+              <a:t>cliente</a:t>
+            </a:r>
+            <a:endParaRPr lang="es-UY" sz="1100" dirty="0"/>
+          </a:p>
+        </p:txBody>
+      </p:sp>
+      <p:sp>
+        <p:nvSpPr>
+          <p:cNvPr id="2" name="Rectángulo 1">
+            <a:extLst>
+              <a:ext uri="{FF2B5EF4-FFF2-40B4-BE49-F238E27FC236}">
+                <a16:creationId xmlns:a16="http://schemas.microsoft.com/office/drawing/2014/main" id="{BA0B6EE6-4538-E103-BF58-0802A09FF01B}"/>
+              </a:ext>
+            </a:extLst>
+          </p:cNvPr>
+          <p:cNvSpPr/>
+          <p:nvPr/>
+        </p:nvSpPr>
+        <p:spPr>
+          <a:xfrm>
+            <a:off x="528690" y="2945242"/>
+            <a:ext cx="1967456" cy="748517"/>
+          </a:xfrm>
+          <a:prstGeom prst="rect">
+            <a:avLst/>
+          </a:prstGeom>
+          <a:noFill/>
+          <a:ln w="15875">
+            <a:prstDash val="sysDash"/>
+          </a:ln>
+        </p:spPr>
+        <p:style>
+          <a:lnRef idx="2">
+            <a:schemeClr val="accent1">
+              <a:shade val="50000"/>
+            </a:schemeClr>
+          </a:lnRef>
+          <a:fillRef idx="1">
+            <a:schemeClr val="accent1"/>
+          </a:fillRef>
+          <a:effectRef idx="0">
+            <a:schemeClr val="accent1"/>
+          </a:effectRef>
+          <a:fontRef idx="minor">
+            <a:schemeClr val="lt1"/>
+          </a:fontRef>
+        </p:style>
+        <p:txBody>
+          <a:bodyPr rtlCol="0" anchor="ctr"/>
+          <a:lstStyle/>
+          <a:p>
+            <a:pPr algn="ctr"/>
+            <a:endParaRPr lang="es-UY"/>
+          </a:p>
+        </p:txBody>
+      </p:sp>
+      <p:sp>
+        <p:nvSpPr>
+          <p:cNvPr id="9" name="Rectángulo 8">
+            <a:extLst>
+              <a:ext uri="{FF2B5EF4-FFF2-40B4-BE49-F238E27FC236}">
+                <a16:creationId xmlns:a16="http://schemas.microsoft.com/office/drawing/2014/main" id="{955BBB35-0100-7EB5-46F6-81013E689508}"/>
+              </a:ext>
+            </a:extLst>
+          </p:cNvPr>
+          <p:cNvSpPr/>
+          <p:nvPr/>
+        </p:nvSpPr>
+        <p:spPr>
+          <a:xfrm>
+            <a:off x="931525" y="5424542"/>
+            <a:ext cx="1135454" cy="502794"/>
+          </a:xfrm>
+          <a:prstGeom prst="rect">
+            <a:avLst/>
+          </a:prstGeom>
+          <a:noFill/>
+          <a:ln w="15875">
+            <a:prstDash val="sysDash"/>
+          </a:ln>
+        </p:spPr>
+        <p:style>
+          <a:lnRef idx="2">
+            <a:schemeClr val="accent1">
+              <a:shade val="50000"/>
+            </a:schemeClr>
+          </a:lnRef>
+          <a:fillRef idx="1">
+            <a:schemeClr val="accent1"/>
+          </a:fillRef>
+          <a:effectRef idx="0">
+            <a:schemeClr val="accent1"/>
+          </a:effectRef>
+          <a:fontRef idx="minor">
+            <a:schemeClr val="lt1"/>
+          </a:fontRef>
+        </p:style>
+        <p:txBody>
+          <a:bodyPr rtlCol="0" anchor="ctr"/>
+          <a:lstStyle/>
+          <a:p>
+            <a:pPr algn="ctr"/>
+            <a:endParaRPr lang="es-UY"/>
+          </a:p>
+        </p:txBody>
+      </p:sp>
+      <p:sp>
+        <p:nvSpPr>
+          <p:cNvPr id="21" name="CuadroTexto 20">
+            <a:extLst>
+              <a:ext uri="{FF2B5EF4-FFF2-40B4-BE49-F238E27FC236}">
+                <a16:creationId xmlns:a16="http://schemas.microsoft.com/office/drawing/2014/main" id="{0BD4AAE6-AC89-C6C9-91ED-0B7187C44C9B}"/>
+              </a:ext>
+            </a:extLst>
+          </p:cNvPr>
+          <p:cNvSpPr txBox="1"/>
+          <p:nvPr/>
+        </p:nvSpPr>
+        <p:spPr>
+          <a:xfrm>
+            <a:off x="585073" y="1421018"/>
+            <a:ext cx="1967456" cy="707886"/>
+          </a:xfrm>
+          <a:prstGeom prst="rect">
+            <a:avLst/>
+          </a:prstGeom>
+          <a:noFill/>
+        </p:spPr>
+        <p:txBody>
+          <a:bodyPr wrap="square">
+            <a:spAutoFit/>
+          </a:bodyPr>
+          <a:lstStyle/>
+          <a:p>
+            <a:r>
+              <a:rPr lang="es-UY" sz="1000" dirty="0" err="1"/>
+              <a:t>private</a:t>
+            </a:r>
+            <a:r>
+              <a:rPr lang="es-UY" sz="1000" dirty="0"/>
+              <a:t> </a:t>
+            </a:r>
+            <a:r>
+              <a:rPr lang="es-UY" sz="1000" dirty="0" err="1"/>
+              <a:t>String</a:t>
+            </a:r>
+            <a:r>
+              <a:rPr lang="es-UY" sz="1000" dirty="0"/>
+              <a:t> </a:t>
+            </a:r>
+            <a:r>
+              <a:rPr lang="es-UY" sz="1000" b="1" dirty="0"/>
+              <a:t>nombre</a:t>
+            </a:r>
+            <a:r>
+              <a:rPr lang="es-UY" sz="1000" dirty="0"/>
+              <a:t>;</a:t>
+            </a:r>
+          </a:p>
+          <a:p>
+            <a:r>
+              <a:rPr lang="es-UY" sz="1000" dirty="0" err="1"/>
+              <a:t>private</a:t>
+            </a:r>
+            <a:r>
+              <a:rPr lang="es-UY" sz="1000" dirty="0"/>
+              <a:t> </a:t>
+            </a:r>
+            <a:r>
+              <a:rPr lang="es-UY" sz="1000" dirty="0" err="1"/>
+              <a:t>String</a:t>
+            </a:r>
+            <a:r>
+              <a:rPr lang="es-UY" sz="1000" dirty="0"/>
+              <a:t> </a:t>
+            </a:r>
+            <a:r>
+              <a:rPr lang="es-UY" sz="1000" b="1" dirty="0" err="1"/>
+              <a:t>ci</a:t>
+            </a:r>
+            <a:r>
+              <a:rPr lang="es-UY" sz="1000" dirty="0"/>
+              <a:t>;</a:t>
+            </a:r>
+          </a:p>
+          <a:p>
+            <a:r>
+              <a:rPr lang="es-UY" sz="1000" dirty="0" err="1"/>
+              <a:t>private</a:t>
+            </a:r>
+            <a:r>
+              <a:rPr lang="es-UY" sz="1000" dirty="0"/>
+              <a:t> </a:t>
+            </a:r>
+            <a:r>
+              <a:rPr lang="es-UY" sz="1000" dirty="0" err="1"/>
+              <a:t>ListaSimple</a:t>
+            </a:r>
+            <a:r>
+              <a:rPr lang="es-UY" sz="1000" dirty="0"/>
+              <a:t> </a:t>
+            </a:r>
+            <a:r>
+              <a:rPr lang="es-UY" sz="1000" b="1" dirty="0" err="1"/>
+              <a:t>listaPedidos</a:t>
+            </a:r>
+            <a:r>
+              <a:rPr lang="es-UY" sz="1000" dirty="0"/>
+              <a:t>;</a:t>
+            </a:r>
+          </a:p>
+          <a:p>
+            <a:r>
+              <a:rPr lang="es-UY" sz="1000" dirty="0" err="1"/>
+              <a:t>private</a:t>
+            </a:r>
+            <a:r>
+              <a:rPr lang="es-UY" sz="1000" dirty="0"/>
+              <a:t> Pedido </a:t>
+            </a:r>
+            <a:r>
+              <a:rPr lang="es-UY" sz="1000" b="1" dirty="0" err="1"/>
+              <a:t>pedidoAbierto</a:t>
+            </a:r>
+            <a:r>
+              <a:rPr lang="es-UY" sz="1000" dirty="0"/>
+              <a:t>;</a:t>
+            </a:r>
+          </a:p>
+        </p:txBody>
+      </p:sp>
+      <p:sp>
+        <p:nvSpPr>
+          <p:cNvPr id="29" name="CuadroTexto 28">
+            <a:extLst>
+              <a:ext uri="{FF2B5EF4-FFF2-40B4-BE49-F238E27FC236}">
+                <a16:creationId xmlns:a16="http://schemas.microsoft.com/office/drawing/2014/main" id="{51D24C7D-AA9A-371B-B4F3-CAECA2210592}"/>
+              </a:ext>
+            </a:extLst>
+          </p:cNvPr>
+          <p:cNvSpPr txBox="1"/>
+          <p:nvPr/>
+        </p:nvSpPr>
+        <p:spPr>
+          <a:xfrm>
+            <a:off x="7162505" y="1208560"/>
+            <a:ext cx="2079804" cy="1015663"/>
+          </a:xfrm>
+          <a:prstGeom prst="rect">
+            <a:avLst/>
+          </a:prstGeom>
+          <a:noFill/>
+        </p:spPr>
+        <p:txBody>
+          <a:bodyPr wrap="square">
+            <a:spAutoFit/>
+          </a:bodyPr>
+          <a:lstStyle/>
+          <a:p>
+            <a:r>
+              <a:rPr lang="es-UY" sz="1000" dirty="0" err="1"/>
+              <a:t>private</a:t>
+            </a:r>
+            <a:r>
+              <a:rPr lang="es-UY" sz="1000" dirty="0"/>
+              <a:t> </a:t>
+            </a:r>
+            <a:r>
+              <a:rPr lang="es-UY" sz="1000" dirty="0" err="1"/>
+              <a:t>static</a:t>
+            </a:r>
+            <a:r>
+              <a:rPr lang="es-UY" sz="1000" dirty="0"/>
+              <a:t> </a:t>
+            </a:r>
+            <a:r>
+              <a:rPr lang="es-UY" sz="1000" dirty="0" err="1"/>
+              <a:t>int</a:t>
+            </a:r>
+            <a:r>
+              <a:rPr lang="es-UY" sz="1000" dirty="0"/>
+              <a:t> </a:t>
+            </a:r>
+            <a:r>
+              <a:rPr lang="es-UY" sz="1000" b="1" dirty="0"/>
+              <a:t>ID</a:t>
+            </a:r>
+            <a:r>
+              <a:rPr lang="es-UY" sz="1000" dirty="0"/>
+              <a:t> = 1;</a:t>
+            </a:r>
+          </a:p>
+          <a:p>
+            <a:r>
+              <a:rPr lang="es-UY" sz="1000" dirty="0" err="1"/>
+              <a:t>private</a:t>
+            </a:r>
+            <a:r>
+              <a:rPr lang="es-UY" sz="1000" dirty="0"/>
+              <a:t> </a:t>
+            </a:r>
+            <a:r>
+              <a:rPr lang="es-UY" sz="1000" dirty="0" err="1"/>
+              <a:t>int</a:t>
+            </a:r>
+            <a:r>
+              <a:rPr lang="es-UY" sz="1000" dirty="0"/>
+              <a:t> </a:t>
+            </a:r>
+            <a:r>
+              <a:rPr lang="es-UY" sz="1000" b="1" dirty="0" err="1"/>
+              <a:t>IDPedido</a:t>
+            </a:r>
+            <a:r>
+              <a:rPr lang="es-UY" sz="1000" dirty="0"/>
+              <a:t>;</a:t>
+            </a:r>
+          </a:p>
+          <a:p>
+            <a:r>
+              <a:rPr lang="es-UY" sz="1000" dirty="0" err="1"/>
+              <a:t>private</a:t>
+            </a:r>
+            <a:r>
+              <a:rPr lang="es-UY" sz="1000" dirty="0"/>
+              <a:t> </a:t>
+            </a:r>
+            <a:r>
+              <a:rPr lang="es-UY" sz="1000" dirty="0" err="1"/>
+              <a:t>String</a:t>
+            </a:r>
+            <a:r>
+              <a:rPr lang="es-UY" sz="1000" dirty="0"/>
+              <a:t> </a:t>
+            </a:r>
+            <a:r>
+              <a:rPr lang="es-UY" sz="1000" b="1" dirty="0"/>
+              <a:t>estado</a:t>
+            </a:r>
+            <a:r>
+              <a:rPr lang="es-UY" sz="1000" dirty="0"/>
+              <a:t>;</a:t>
+            </a:r>
+          </a:p>
+          <a:p>
+            <a:r>
+              <a:rPr lang="es-UY" sz="1000" dirty="0" err="1"/>
+              <a:t>private</a:t>
+            </a:r>
+            <a:r>
+              <a:rPr lang="es-UY" sz="1000" dirty="0"/>
+              <a:t> Cliente </a:t>
+            </a:r>
+            <a:r>
+              <a:rPr lang="es-UY" sz="1000" b="1" dirty="0" err="1"/>
+              <a:t>cli</a:t>
+            </a:r>
+            <a:r>
+              <a:rPr lang="es-UY" sz="1000" dirty="0"/>
+              <a:t>;</a:t>
+            </a:r>
+          </a:p>
+          <a:p>
+            <a:r>
+              <a:rPr lang="es-UY" sz="1000" dirty="0" err="1"/>
+              <a:t>private</a:t>
+            </a:r>
+            <a:r>
+              <a:rPr lang="es-UY" sz="1000" dirty="0"/>
+              <a:t> Pila </a:t>
+            </a:r>
+            <a:r>
+              <a:rPr lang="es-UY" sz="1000" b="1" dirty="0" err="1"/>
+              <a:t>pilaProductos</a:t>
+            </a:r>
+            <a:r>
+              <a:rPr lang="es-UY" sz="1000" dirty="0"/>
+              <a:t>;</a:t>
+            </a:r>
+          </a:p>
+          <a:p>
+            <a:r>
+              <a:rPr lang="es-UY" sz="1000" dirty="0" err="1"/>
+              <a:t>private</a:t>
+            </a:r>
+            <a:r>
+              <a:rPr lang="es-UY" sz="1000" dirty="0"/>
+              <a:t> </a:t>
+            </a:r>
+            <a:r>
+              <a:rPr lang="es-UY" sz="1000" dirty="0" err="1"/>
+              <a:t>int</a:t>
+            </a:r>
+            <a:r>
+              <a:rPr lang="es-UY" sz="1000" dirty="0"/>
+              <a:t> </a:t>
+            </a:r>
+            <a:r>
+              <a:rPr lang="es-UY" sz="1000" b="1" dirty="0" err="1"/>
+              <a:t>unidadesTotales</a:t>
+            </a:r>
+            <a:r>
+              <a:rPr lang="es-UY" sz="1000" dirty="0"/>
+              <a:t>;</a:t>
+            </a:r>
+          </a:p>
+        </p:txBody>
+      </p:sp>
+      <p:sp>
+        <p:nvSpPr>
+          <p:cNvPr id="37" name="CuadroTexto 36">
+            <a:extLst>
+              <a:ext uri="{FF2B5EF4-FFF2-40B4-BE49-F238E27FC236}">
+                <a16:creationId xmlns:a16="http://schemas.microsoft.com/office/drawing/2014/main" id="{C5D48424-461D-6B81-BCBA-7FD04F2A7D91}"/>
+              </a:ext>
+            </a:extLst>
+          </p:cNvPr>
+          <p:cNvSpPr txBox="1"/>
+          <p:nvPr/>
+        </p:nvSpPr>
+        <p:spPr>
+          <a:xfrm>
+            <a:off x="3666636" y="1258806"/>
+            <a:ext cx="1879355" cy="1015663"/>
+          </a:xfrm>
+          <a:prstGeom prst="rect">
+            <a:avLst/>
+          </a:prstGeom>
+          <a:noFill/>
+        </p:spPr>
+        <p:txBody>
+          <a:bodyPr wrap="square">
+            <a:spAutoFit/>
+          </a:bodyPr>
+          <a:lstStyle/>
+          <a:p>
+            <a:r>
+              <a:rPr lang="es-UY" sz="1000" dirty="0" err="1"/>
+              <a:t>private</a:t>
+            </a:r>
+            <a:r>
+              <a:rPr lang="es-UY" sz="1000" dirty="0"/>
+              <a:t> </a:t>
+            </a:r>
+            <a:r>
+              <a:rPr lang="es-UY" sz="1000" dirty="0" err="1"/>
+              <a:t>String</a:t>
+            </a:r>
+            <a:r>
+              <a:rPr lang="es-UY" sz="1000" dirty="0"/>
+              <a:t> </a:t>
+            </a:r>
+            <a:r>
+              <a:rPr lang="es-UY" sz="1000" b="1" dirty="0"/>
+              <a:t>nombre</a:t>
+            </a:r>
+            <a:r>
+              <a:rPr lang="es-UY" sz="1000" dirty="0"/>
+              <a:t>;</a:t>
+            </a:r>
+          </a:p>
+          <a:p>
+            <a:r>
+              <a:rPr lang="es-UY" sz="1000" dirty="0" err="1"/>
+              <a:t>private</a:t>
+            </a:r>
+            <a:r>
+              <a:rPr lang="es-UY" sz="1000" dirty="0"/>
+              <a:t> </a:t>
+            </a:r>
+            <a:r>
+              <a:rPr lang="es-UY" sz="1000" dirty="0" err="1"/>
+              <a:t>String</a:t>
+            </a:r>
+            <a:r>
+              <a:rPr lang="es-UY" sz="1000" dirty="0"/>
+              <a:t> </a:t>
+            </a:r>
+            <a:r>
+              <a:rPr lang="es-UY" sz="1000" b="1" dirty="0" err="1"/>
+              <a:t>descripcion</a:t>
+            </a:r>
+            <a:r>
+              <a:rPr lang="es-UY" sz="1000" dirty="0"/>
+              <a:t>;</a:t>
+            </a:r>
+          </a:p>
+          <a:p>
+            <a:r>
+              <a:rPr lang="es-UY" sz="1000" dirty="0" err="1"/>
+              <a:t>private</a:t>
+            </a:r>
+            <a:r>
+              <a:rPr lang="es-UY" sz="1000" dirty="0"/>
+              <a:t> </a:t>
+            </a:r>
+            <a:r>
+              <a:rPr lang="es-UY" sz="1000" dirty="0" err="1"/>
+              <a:t>int</a:t>
+            </a:r>
+            <a:r>
+              <a:rPr lang="es-UY" sz="1000" dirty="0"/>
+              <a:t> </a:t>
+            </a:r>
+            <a:r>
+              <a:rPr lang="es-UY" sz="1000" b="1" dirty="0"/>
+              <a:t>stock</a:t>
+            </a:r>
+            <a:r>
+              <a:rPr lang="es-UY" sz="1000" dirty="0"/>
+              <a:t>;</a:t>
+            </a:r>
+          </a:p>
+          <a:p>
+            <a:r>
+              <a:rPr lang="es-UY" sz="1000" dirty="0" err="1"/>
+              <a:t>private</a:t>
+            </a:r>
+            <a:r>
+              <a:rPr lang="es-UY" sz="1000" dirty="0"/>
+              <a:t> </a:t>
+            </a:r>
+            <a:r>
+              <a:rPr lang="es-UY" sz="1000" dirty="0" err="1"/>
+              <a:t>int</a:t>
+            </a:r>
+            <a:r>
+              <a:rPr lang="es-UY" sz="1000" dirty="0"/>
+              <a:t> </a:t>
+            </a:r>
+            <a:r>
+              <a:rPr lang="es-UY" sz="1000" b="1" dirty="0"/>
+              <a:t>ID</a:t>
+            </a:r>
+            <a:r>
+              <a:rPr lang="es-UY" sz="1000" dirty="0"/>
+              <a:t>;</a:t>
+            </a:r>
+          </a:p>
+          <a:p>
+            <a:r>
+              <a:rPr lang="es-UY" sz="1000" dirty="0" err="1"/>
+              <a:t>private</a:t>
+            </a:r>
+            <a:r>
+              <a:rPr lang="es-UY" sz="1000" dirty="0"/>
+              <a:t> </a:t>
+            </a:r>
+            <a:r>
+              <a:rPr lang="es-UY" sz="1000" dirty="0" err="1"/>
+              <a:t>static</a:t>
+            </a:r>
+            <a:r>
+              <a:rPr lang="es-UY" sz="1000" dirty="0"/>
+              <a:t> </a:t>
+            </a:r>
+            <a:r>
+              <a:rPr lang="es-UY" sz="1000" dirty="0" err="1"/>
+              <a:t>int</a:t>
+            </a:r>
+            <a:r>
+              <a:rPr lang="es-UY" sz="1000" dirty="0"/>
+              <a:t> </a:t>
+            </a:r>
+            <a:r>
+              <a:rPr lang="es-UY" sz="1000" b="1" dirty="0" err="1"/>
+              <a:t>IDClase</a:t>
+            </a:r>
+            <a:r>
+              <a:rPr lang="es-UY" sz="1000" dirty="0"/>
+              <a:t> = 1;</a:t>
+            </a:r>
+          </a:p>
+          <a:p>
+            <a:r>
+              <a:rPr lang="es-UY" sz="1000" dirty="0" err="1"/>
+              <a:t>private</a:t>
+            </a:r>
+            <a:r>
+              <a:rPr lang="es-UY" sz="1000" dirty="0"/>
+              <a:t> </a:t>
+            </a:r>
+            <a:r>
+              <a:rPr lang="es-UY" sz="1000" dirty="0" err="1"/>
+              <a:t>int</a:t>
+            </a:r>
+            <a:r>
+              <a:rPr lang="es-UY" sz="1000" dirty="0"/>
+              <a:t> </a:t>
+            </a:r>
+            <a:r>
+              <a:rPr lang="es-UY" sz="1000" b="1" dirty="0" err="1"/>
+              <a:t>pedidosProducto</a:t>
+            </a:r>
+            <a:r>
+              <a:rPr lang="es-UY" sz="1000" b="1" dirty="0"/>
+              <a:t>;</a:t>
+            </a:r>
+            <a:endParaRPr lang="es-UY" sz="1000" dirty="0"/>
+          </a:p>
+        </p:txBody>
+      </p:sp>
+      <p:sp>
+        <p:nvSpPr>
+          <p:cNvPr id="41" name="Rectángulo 40">
+            <a:extLst>
+              <a:ext uri="{FF2B5EF4-FFF2-40B4-BE49-F238E27FC236}">
+                <a16:creationId xmlns:a16="http://schemas.microsoft.com/office/drawing/2014/main" id="{A6471AA1-3783-39B1-6422-74D4A608E628}"/>
+              </a:ext>
+            </a:extLst>
+          </p:cNvPr>
+          <p:cNvSpPr/>
+          <p:nvPr/>
+        </p:nvSpPr>
+        <p:spPr>
+          <a:xfrm>
+            <a:off x="3738981" y="2297703"/>
+            <a:ext cx="1723868" cy="688157"/>
           </a:xfrm>
           <a:prstGeom prst="rect">
             <a:avLst/>
@@ -8092,6 +7706,7 @@
               <a:lumOff val="40000"/>
             </a:schemeClr>
           </a:solidFill>
+          <a:ln/>
         </p:spPr>
         <p:style>
           <a:lnRef idx="2">
@@ -8114,16 +7729,173 @@
           <a:lstStyle/>
           <a:p>
             <a:pPr algn="ctr"/>
-            <a:endParaRPr lang="es-UY" dirty="0"/>
-          </a:p>
-        </p:txBody>
-      </p:sp>
-      <p:sp>
-        <p:nvSpPr>
-          <p:cNvPr id="40" name="CuadroTexto 39">
-            <a:extLst>
-              <a:ext uri="{FF2B5EF4-FFF2-40B4-BE49-F238E27FC236}">
-                <a16:creationId xmlns:a16="http://schemas.microsoft.com/office/drawing/2014/main" id="{EBA69E9F-6D64-485C-5F84-42DD3C87E49F}"/>
+            <a:endParaRPr lang="es-UY"/>
+          </a:p>
+        </p:txBody>
+      </p:sp>
+      <p:sp>
+        <p:nvSpPr>
+          <p:cNvPr id="42" name="Rectángulo 41">
+            <a:extLst>
+              <a:ext uri="{FF2B5EF4-FFF2-40B4-BE49-F238E27FC236}">
+                <a16:creationId xmlns:a16="http://schemas.microsoft.com/office/drawing/2014/main" id="{28402205-DE90-C306-2B47-3B06453ADB30}"/>
+              </a:ext>
+            </a:extLst>
+          </p:cNvPr>
+          <p:cNvSpPr/>
+          <p:nvPr/>
+        </p:nvSpPr>
+        <p:spPr>
+          <a:xfrm>
+            <a:off x="3738981" y="3068531"/>
+            <a:ext cx="1742449" cy="688157"/>
+          </a:xfrm>
+          <a:prstGeom prst="rect">
+            <a:avLst/>
+          </a:prstGeom>
+          <a:solidFill>
+            <a:schemeClr val="accent6">
+              <a:lumMod val="60000"/>
+              <a:lumOff val="40000"/>
+            </a:schemeClr>
+          </a:solidFill>
+          <a:ln/>
+        </p:spPr>
+        <p:style>
+          <a:lnRef idx="2">
+            <a:schemeClr val="accent6">
+              <a:shade val="50000"/>
+            </a:schemeClr>
+          </a:lnRef>
+          <a:fillRef idx="1">
+            <a:schemeClr val="accent6"/>
+          </a:fillRef>
+          <a:effectRef idx="0">
+            <a:schemeClr val="accent6"/>
+          </a:effectRef>
+          <a:fontRef idx="minor">
+            <a:schemeClr val="lt1"/>
+          </a:fontRef>
+        </p:style>
+        <p:txBody>
+          <a:bodyPr rtlCol="0" anchor="ctr"/>
+          <a:lstStyle/>
+          <a:p>
+            <a:pPr algn="ctr"/>
+            <a:endParaRPr lang="es-UY"/>
+          </a:p>
+        </p:txBody>
+      </p:sp>
+      <p:sp>
+        <p:nvSpPr>
+          <p:cNvPr id="43" name="Rectángulo 42">
+            <a:extLst>
+              <a:ext uri="{FF2B5EF4-FFF2-40B4-BE49-F238E27FC236}">
+                <a16:creationId xmlns:a16="http://schemas.microsoft.com/office/drawing/2014/main" id="{ED35BCF5-B5AD-2005-B077-F03E180D7358}"/>
+              </a:ext>
+            </a:extLst>
+          </p:cNvPr>
+          <p:cNvSpPr/>
+          <p:nvPr/>
+        </p:nvSpPr>
+        <p:spPr>
+          <a:xfrm>
+            <a:off x="7186405" y="2208387"/>
+            <a:ext cx="1483355" cy="688157"/>
+          </a:xfrm>
+          <a:prstGeom prst="rect">
+            <a:avLst/>
+          </a:prstGeom>
+          <a:solidFill>
+            <a:schemeClr val="accent4">
+              <a:lumMod val="60000"/>
+              <a:lumOff val="40000"/>
+            </a:schemeClr>
+          </a:solidFill>
+        </p:spPr>
+        <p:style>
+          <a:lnRef idx="2">
+            <a:schemeClr val="accent4">
+              <a:shade val="50000"/>
+            </a:schemeClr>
+          </a:lnRef>
+          <a:fillRef idx="1">
+            <a:schemeClr val="accent4"/>
+          </a:fillRef>
+          <a:effectRef idx="0">
+            <a:schemeClr val="accent4"/>
+          </a:effectRef>
+          <a:fontRef idx="minor">
+            <a:schemeClr val="lt1"/>
+          </a:fontRef>
+        </p:style>
+        <p:txBody>
+          <a:bodyPr rtlCol="0" anchor="ctr"/>
+          <a:lstStyle/>
+          <a:p>
+            <a:pPr algn="ctr"/>
+            <a:endParaRPr lang="es-UY"/>
+          </a:p>
+        </p:txBody>
+      </p:sp>
+      <p:sp>
+        <p:nvSpPr>
+          <p:cNvPr id="45" name="Rectángulo 44">
+            <a:extLst>
+              <a:ext uri="{FF2B5EF4-FFF2-40B4-BE49-F238E27FC236}">
+                <a16:creationId xmlns:a16="http://schemas.microsoft.com/office/drawing/2014/main" id="{A979DDA7-D82F-A449-2CC0-5D1D97106448}"/>
+              </a:ext>
+            </a:extLst>
+          </p:cNvPr>
+          <p:cNvSpPr/>
+          <p:nvPr/>
+        </p:nvSpPr>
+        <p:spPr>
+          <a:xfrm>
+            <a:off x="7195695" y="2986714"/>
+            <a:ext cx="1483355" cy="687940"/>
+          </a:xfrm>
+          <a:prstGeom prst="rect">
+            <a:avLst/>
+          </a:prstGeom>
+          <a:solidFill>
+            <a:schemeClr val="accent4">
+              <a:lumMod val="60000"/>
+              <a:lumOff val="40000"/>
+            </a:schemeClr>
+          </a:solidFill>
+        </p:spPr>
+        <p:style>
+          <a:lnRef idx="2">
+            <a:schemeClr val="accent4">
+              <a:shade val="50000"/>
+            </a:schemeClr>
+          </a:lnRef>
+          <a:fillRef idx="1">
+            <a:schemeClr val="accent4"/>
+          </a:fillRef>
+          <a:effectRef idx="0">
+            <a:schemeClr val="accent4"/>
+          </a:effectRef>
+          <a:fontRef idx="minor">
+            <a:schemeClr val="lt1"/>
+          </a:fontRef>
+        </p:style>
+        <p:txBody>
+          <a:bodyPr rtlCol="0" anchor="ctr"/>
+          <a:lstStyle/>
+          <a:p>
+            <a:pPr algn="ctr"/>
+            <a:endParaRPr lang="es-UY"/>
+          </a:p>
+        </p:txBody>
+      </p:sp>
+      <p:sp>
+        <p:nvSpPr>
+          <p:cNvPr id="47" name="CuadroTexto 46">
+            <a:extLst>
+              <a:ext uri="{FF2B5EF4-FFF2-40B4-BE49-F238E27FC236}">
+                <a16:creationId xmlns:a16="http://schemas.microsoft.com/office/drawing/2014/main" id="{C3A9A9D0-BA11-006F-E277-4199AFD2C8FA}"/>
               </a:ext>
             </a:extLst>
           </p:cNvPr>
@@ -8132,8 +7904,8 @@
         </p:nvSpPr>
         <p:spPr>
           <a:xfrm>
-            <a:off x="222771" y="3636080"/>
-            <a:ext cx="2755113" cy="369332"/>
+            <a:off x="1114257" y="4614283"/>
+            <a:ext cx="739305" cy="276999"/>
           </a:xfrm>
           <a:prstGeom prst="rect">
             <a:avLst/>
@@ -8141,31 +7913,833 @@
           <a:noFill/>
         </p:spPr>
         <p:txBody>
+          <a:bodyPr wrap="square" rtlCol="0">
+            <a:spAutoFit/>
+          </a:bodyPr>
+          <a:lstStyle/>
+          <a:p>
+            <a:r>
+              <a:rPr lang="es-UY" sz="1200" i="1" dirty="0"/>
+              <a:t>Cerrado</a:t>
+            </a:r>
+          </a:p>
+        </p:txBody>
+      </p:sp>
+      <p:sp>
+        <p:nvSpPr>
+          <p:cNvPr id="48" name="CuadroTexto 47">
+            <a:extLst>
+              <a:ext uri="{FF2B5EF4-FFF2-40B4-BE49-F238E27FC236}">
+                <a16:creationId xmlns:a16="http://schemas.microsoft.com/office/drawing/2014/main" id="{9A6BA44E-135B-C855-06A2-B8595306141B}"/>
+              </a:ext>
+            </a:extLst>
+          </p:cNvPr>
+          <p:cNvSpPr txBox="1"/>
+          <p:nvPr/>
+        </p:nvSpPr>
+        <p:spPr>
+          <a:xfrm>
+            <a:off x="1003628" y="5076935"/>
+            <a:ext cx="1011111" cy="276999"/>
+          </a:xfrm>
+          <a:prstGeom prst="rect">
+            <a:avLst/>
+          </a:prstGeom>
+          <a:noFill/>
+        </p:spPr>
+        <p:txBody>
           <a:bodyPr wrap="none" rtlCol="0">
             <a:spAutoFit/>
           </a:bodyPr>
           <a:lstStyle/>
           <a:p>
             <a:r>
-              <a:rPr lang="en-US" dirty="0"/>
-              <a:t>Falta </a:t>
-            </a:r>
-            <a:r>
-              <a:rPr lang="en-US" dirty="0" err="1"/>
-              <a:t>pedidos</a:t>
-            </a:r>
-            <a:r>
-              <a:rPr lang="en-US" dirty="0"/>
-              <a:t> para </a:t>
-            </a:r>
-            <a:r>
-              <a:rPr lang="en-US" dirty="0" err="1"/>
-              <a:t>entregar</a:t>
+              <a:rPr lang="es-UY" sz="1200" i="1" dirty="0" err="1"/>
+              <a:t>ParaEntregar</a:t>
+            </a:r>
+            <a:endParaRPr lang="es-UY" sz="1200" i="1" dirty="0"/>
+          </a:p>
+        </p:txBody>
+      </p:sp>
+      <p:sp>
+        <p:nvSpPr>
+          <p:cNvPr id="49" name="CuadroTexto 48">
+            <a:extLst>
+              <a:ext uri="{FF2B5EF4-FFF2-40B4-BE49-F238E27FC236}">
+                <a16:creationId xmlns:a16="http://schemas.microsoft.com/office/drawing/2014/main" id="{12CCCDD6-DB9F-2B15-AC38-66B77947AB1F}"/>
+              </a:ext>
+            </a:extLst>
+          </p:cNvPr>
+          <p:cNvSpPr txBox="1"/>
+          <p:nvPr/>
+        </p:nvSpPr>
+        <p:spPr>
+          <a:xfrm>
+            <a:off x="1144687" y="5505103"/>
+            <a:ext cx="681661" cy="276999"/>
+          </a:xfrm>
+          <a:prstGeom prst="rect">
+            <a:avLst/>
+          </a:prstGeom>
+          <a:noFill/>
+        </p:spPr>
+        <p:txBody>
+          <a:bodyPr wrap="none" rtlCol="0">
+            <a:spAutoFit/>
+          </a:bodyPr>
+          <a:lstStyle/>
+          <a:p>
+            <a:r>
+              <a:rPr lang="es-UY" sz="1200" i="1" dirty="0"/>
+              <a:t>Cerrado</a:t>
+            </a:r>
+          </a:p>
+        </p:txBody>
+      </p:sp>
+      <p:sp>
+        <p:nvSpPr>
+          <p:cNvPr id="50" name="Rectángulo 49">
+            <a:extLst>
+              <a:ext uri="{FF2B5EF4-FFF2-40B4-BE49-F238E27FC236}">
+                <a16:creationId xmlns:a16="http://schemas.microsoft.com/office/drawing/2014/main" id="{05CCD542-BA2A-7325-014E-002D5C4A2307}"/>
+              </a:ext>
+            </a:extLst>
+          </p:cNvPr>
+          <p:cNvSpPr/>
+          <p:nvPr/>
+        </p:nvSpPr>
+        <p:spPr>
+          <a:xfrm>
+            <a:off x="9911288" y="1444702"/>
+            <a:ext cx="1276688" cy="688618"/>
+          </a:xfrm>
+          <a:prstGeom prst="rect">
+            <a:avLst/>
+          </a:prstGeom>
+          <a:solidFill>
+            <a:schemeClr val="accent4">
+              <a:lumMod val="60000"/>
+              <a:lumOff val="40000"/>
+            </a:schemeClr>
+          </a:solidFill>
+        </p:spPr>
+        <p:style>
+          <a:lnRef idx="2">
+            <a:schemeClr val="accent4">
+              <a:shade val="50000"/>
+            </a:schemeClr>
+          </a:lnRef>
+          <a:fillRef idx="1">
+            <a:schemeClr val="accent4"/>
+          </a:fillRef>
+          <a:effectRef idx="0">
+            <a:schemeClr val="accent4"/>
+          </a:effectRef>
+          <a:fontRef idx="minor">
+            <a:schemeClr val="lt1"/>
+          </a:fontRef>
+        </p:style>
+        <p:txBody>
+          <a:bodyPr rtlCol="0" anchor="ctr"/>
+          <a:lstStyle/>
+          <a:p>
+            <a:pPr algn="ctr"/>
+            <a:endParaRPr lang="es-UY"/>
+          </a:p>
+        </p:txBody>
+      </p:sp>
+      <p:sp>
+        <p:nvSpPr>
+          <p:cNvPr id="52" name="Rectángulo 51">
+            <a:extLst>
+              <a:ext uri="{FF2B5EF4-FFF2-40B4-BE49-F238E27FC236}">
+                <a16:creationId xmlns:a16="http://schemas.microsoft.com/office/drawing/2014/main" id="{0016181F-B7FC-078C-7D9D-27533DD2B339}"/>
+              </a:ext>
+            </a:extLst>
+          </p:cNvPr>
+          <p:cNvSpPr/>
+          <p:nvPr/>
+        </p:nvSpPr>
+        <p:spPr>
+          <a:xfrm>
+            <a:off x="9901997" y="2223680"/>
+            <a:ext cx="1285979" cy="654372"/>
+          </a:xfrm>
+          <a:prstGeom prst="rect">
+            <a:avLst/>
+          </a:prstGeom>
+          <a:solidFill>
+            <a:schemeClr val="accent4">
+              <a:lumMod val="60000"/>
+              <a:lumOff val="40000"/>
+            </a:schemeClr>
+          </a:solidFill>
+        </p:spPr>
+        <p:style>
+          <a:lnRef idx="2">
+            <a:schemeClr val="accent4">
+              <a:shade val="50000"/>
+            </a:schemeClr>
+          </a:lnRef>
+          <a:fillRef idx="1">
+            <a:schemeClr val="accent4"/>
+          </a:fillRef>
+          <a:effectRef idx="0">
+            <a:schemeClr val="accent4"/>
+          </a:effectRef>
+          <a:fontRef idx="minor">
+            <a:schemeClr val="lt1"/>
+          </a:fontRef>
+        </p:style>
+        <p:txBody>
+          <a:bodyPr rtlCol="0" anchor="ctr"/>
+          <a:lstStyle/>
+          <a:p>
+            <a:pPr algn="ctr"/>
+            <a:endParaRPr lang="es-UY"/>
+          </a:p>
+        </p:txBody>
+      </p:sp>
+      <p:sp>
+        <p:nvSpPr>
+          <p:cNvPr id="53" name="Rectángulo 52">
+            <a:extLst>
+              <a:ext uri="{FF2B5EF4-FFF2-40B4-BE49-F238E27FC236}">
+                <a16:creationId xmlns:a16="http://schemas.microsoft.com/office/drawing/2014/main" id="{7FE5730F-3E2F-F60F-E9A2-5ABF5A213D0B}"/>
+              </a:ext>
+            </a:extLst>
+          </p:cNvPr>
+          <p:cNvSpPr/>
+          <p:nvPr/>
+        </p:nvSpPr>
+        <p:spPr>
+          <a:xfrm>
+            <a:off x="9901996" y="2968412"/>
+            <a:ext cx="1285979" cy="596689"/>
+          </a:xfrm>
+          <a:prstGeom prst="rect">
+            <a:avLst/>
+          </a:prstGeom>
+          <a:solidFill>
+            <a:schemeClr val="accent4">
+              <a:lumMod val="60000"/>
+              <a:lumOff val="40000"/>
+            </a:schemeClr>
+          </a:solidFill>
+        </p:spPr>
+        <p:style>
+          <a:lnRef idx="2">
+            <a:schemeClr val="accent4">
+              <a:shade val="50000"/>
+            </a:schemeClr>
+          </a:lnRef>
+          <a:fillRef idx="1">
+            <a:schemeClr val="accent4"/>
+          </a:fillRef>
+          <a:effectRef idx="0">
+            <a:schemeClr val="accent4"/>
+          </a:effectRef>
+          <a:fontRef idx="minor">
+            <a:schemeClr val="lt1"/>
+          </a:fontRef>
+        </p:style>
+        <p:txBody>
+          <a:bodyPr rtlCol="0" anchor="ctr"/>
+          <a:lstStyle/>
+          <a:p>
+            <a:pPr algn="ctr"/>
+            <a:endParaRPr lang="es-UY"/>
+          </a:p>
+        </p:txBody>
+      </p:sp>
+      <p:sp>
+        <p:nvSpPr>
+          <p:cNvPr id="54" name="CuadroTexto 53">
+            <a:extLst>
+              <a:ext uri="{FF2B5EF4-FFF2-40B4-BE49-F238E27FC236}">
+                <a16:creationId xmlns:a16="http://schemas.microsoft.com/office/drawing/2014/main" id="{D7CA9954-7CC9-131B-0630-ACDEB6CC655E}"/>
+              </a:ext>
+            </a:extLst>
+          </p:cNvPr>
+          <p:cNvSpPr txBox="1"/>
+          <p:nvPr/>
+        </p:nvSpPr>
+        <p:spPr>
+          <a:xfrm flipH="1">
+            <a:off x="9242309" y="262858"/>
+            <a:ext cx="2687266" cy="923330"/>
+          </a:xfrm>
+          <a:prstGeom prst="rect">
+            <a:avLst/>
+          </a:prstGeom>
+          <a:noFill/>
+        </p:spPr>
+        <p:txBody>
+          <a:bodyPr wrap="square" rtlCol="0">
+            <a:spAutoFit/>
+          </a:bodyPr>
+          <a:lstStyle/>
+          <a:p>
+            <a:pPr algn="ctr"/>
+            <a:r>
+              <a:rPr lang="es-UY" dirty="0" err="1"/>
+              <a:t>ListaSimple</a:t>
             </a:r>
             <a:endParaRPr lang="es-UY" dirty="0"/>
           </a:p>
-        </p:txBody>
-      </p:sp>
+          <a:p>
+            <a:pPr algn="ctr"/>
+            <a:r>
+              <a:rPr lang="es-UY" b="1" dirty="0" err="1"/>
+              <a:t>listaPedidosParaEntregar</a:t>
+            </a:r>
+            <a:r>
+              <a:rPr lang="es-UY" dirty="0"/>
+              <a:t> (Sistema)</a:t>
+            </a:r>
+          </a:p>
+        </p:txBody>
+      </p:sp>
+      <p:sp>
+        <p:nvSpPr>
+          <p:cNvPr id="57" name="CuadroTexto 56">
+            <a:extLst>
+              <a:ext uri="{FF2B5EF4-FFF2-40B4-BE49-F238E27FC236}">
+                <a16:creationId xmlns:a16="http://schemas.microsoft.com/office/drawing/2014/main" id="{AE63BDF4-15E3-3FB8-9F71-5C166AE1BD52}"/>
+              </a:ext>
+            </a:extLst>
+          </p:cNvPr>
+          <p:cNvSpPr txBox="1"/>
+          <p:nvPr/>
+        </p:nvSpPr>
+        <p:spPr>
+          <a:xfrm>
+            <a:off x="7581307" y="2460169"/>
+            <a:ext cx="681661" cy="276999"/>
+          </a:xfrm>
+          <a:prstGeom prst="rect">
+            <a:avLst/>
+          </a:prstGeom>
+          <a:noFill/>
+        </p:spPr>
+        <p:txBody>
+          <a:bodyPr wrap="none" rtlCol="0">
+            <a:spAutoFit/>
+          </a:bodyPr>
+          <a:lstStyle/>
+          <a:p>
+            <a:r>
+              <a:rPr lang="es-UY" sz="1200" i="1" dirty="0"/>
+              <a:t>Cerrado</a:t>
+            </a:r>
+          </a:p>
+        </p:txBody>
+      </p:sp>
+      <p:sp>
+        <p:nvSpPr>
+          <p:cNvPr id="58" name="CuadroTexto 57">
+            <a:extLst>
+              <a:ext uri="{FF2B5EF4-FFF2-40B4-BE49-F238E27FC236}">
+                <a16:creationId xmlns:a16="http://schemas.microsoft.com/office/drawing/2014/main" id="{CDFE4583-7628-7507-91FD-B26A1612925B}"/>
+              </a:ext>
+            </a:extLst>
+          </p:cNvPr>
+          <p:cNvSpPr txBox="1"/>
+          <p:nvPr/>
+        </p:nvSpPr>
+        <p:spPr>
+          <a:xfrm>
+            <a:off x="7596541" y="3279435"/>
+            <a:ext cx="681661" cy="276999"/>
+          </a:xfrm>
+          <a:prstGeom prst="rect">
+            <a:avLst/>
+          </a:prstGeom>
+          <a:noFill/>
+        </p:spPr>
+        <p:txBody>
+          <a:bodyPr wrap="none" rtlCol="0">
+            <a:spAutoFit/>
+          </a:bodyPr>
+          <a:lstStyle/>
+          <a:p>
+            <a:r>
+              <a:rPr lang="es-UY" sz="1200" i="1" dirty="0"/>
+              <a:t>Cerrado</a:t>
+            </a:r>
+          </a:p>
+        </p:txBody>
+      </p:sp>
+      <p:sp>
+        <p:nvSpPr>
+          <p:cNvPr id="59" name="CuadroTexto 58">
+            <a:extLst>
+              <a:ext uri="{FF2B5EF4-FFF2-40B4-BE49-F238E27FC236}">
+                <a16:creationId xmlns:a16="http://schemas.microsoft.com/office/drawing/2014/main" id="{69796DB1-D39D-0D80-E482-08F3B8A52672}"/>
+              </a:ext>
+            </a:extLst>
+          </p:cNvPr>
+          <p:cNvSpPr txBox="1"/>
+          <p:nvPr/>
+        </p:nvSpPr>
+        <p:spPr>
+          <a:xfrm>
+            <a:off x="10076057" y="1665495"/>
+            <a:ext cx="1011111" cy="276999"/>
+          </a:xfrm>
+          <a:prstGeom prst="rect">
+            <a:avLst/>
+          </a:prstGeom>
+          <a:noFill/>
+        </p:spPr>
+        <p:txBody>
+          <a:bodyPr wrap="none" rtlCol="0">
+            <a:spAutoFit/>
+          </a:bodyPr>
+          <a:lstStyle/>
+          <a:p>
+            <a:r>
+              <a:rPr lang="es-UY" sz="1200" i="1" dirty="0" err="1"/>
+              <a:t>ParaEntregar</a:t>
+            </a:r>
+            <a:endParaRPr lang="es-UY" sz="1200" i="1" dirty="0"/>
+          </a:p>
+        </p:txBody>
+      </p:sp>
+      <p:sp>
+        <p:nvSpPr>
+          <p:cNvPr id="60" name="CuadroTexto 59">
+            <a:extLst>
+              <a:ext uri="{FF2B5EF4-FFF2-40B4-BE49-F238E27FC236}">
+                <a16:creationId xmlns:a16="http://schemas.microsoft.com/office/drawing/2014/main" id="{86E31EFE-3D1B-0707-E7D9-A5C1C5CB23D2}"/>
+              </a:ext>
+            </a:extLst>
+          </p:cNvPr>
+          <p:cNvSpPr txBox="1"/>
+          <p:nvPr/>
+        </p:nvSpPr>
+        <p:spPr>
+          <a:xfrm>
+            <a:off x="10076056" y="2447285"/>
+            <a:ext cx="1011111" cy="276999"/>
+          </a:xfrm>
+          <a:prstGeom prst="rect">
+            <a:avLst/>
+          </a:prstGeom>
+          <a:noFill/>
+        </p:spPr>
+        <p:txBody>
+          <a:bodyPr wrap="none" rtlCol="0">
+            <a:spAutoFit/>
+          </a:bodyPr>
+          <a:lstStyle/>
+          <a:p>
+            <a:r>
+              <a:rPr lang="es-UY" sz="1200" i="1" dirty="0" err="1"/>
+              <a:t>ParaEntregar</a:t>
+            </a:r>
+            <a:endParaRPr lang="es-UY" sz="1200" i="1" dirty="0"/>
+          </a:p>
+        </p:txBody>
+      </p:sp>
+      <p:sp>
+        <p:nvSpPr>
+          <p:cNvPr id="61" name="CuadroTexto 60">
+            <a:extLst>
+              <a:ext uri="{FF2B5EF4-FFF2-40B4-BE49-F238E27FC236}">
+                <a16:creationId xmlns:a16="http://schemas.microsoft.com/office/drawing/2014/main" id="{79CF027D-F1B8-C04C-AE91-55BA2FD0D55F}"/>
+              </a:ext>
+            </a:extLst>
+          </p:cNvPr>
+          <p:cNvSpPr txBox="1"/>
+          <p:nvPr/>
+        </p:nvSpPr>
+        <p:spPr>
+          <a:xfrm>
+            <a:off x="10076055" y="3149834"/>
+            <a:ext cx="1011111" cy="276999"/>
+          </a:xfrm>
+          <a:prstGeom prst="rect">
+            <a:avLst/>
+          </a:prstGeom>
+          <a:noFill/>
+        </p:spPr>
+        <p:txBody>
+          <a:bodyPr wrap="none" rtlCol="0">
+            <a:spAutoFit/>
+          </a:bodyPr>
+          <a:lstStyle/>
+          <a:p>
+            <a:r>
+              <a:rPr lang="es-UY" sz="1200" i="1" dirty="0" err="1"/>
+              <a:t>ParaEntregar</a:t>
+            </a:r>
+            <a:endParaRPr lang="es-UY" sz="1200" i="1" dirty="0"/>
+          </a:p>
+        </p:txBody>
+      </p:sp>
+      <p:sp>
+        <p:nvSpPr>
+          <p:cNvPr id="12" name="Rectángulo 11">
+            <a:extLst>
+              <a:ext uri="{FF2B5EF4-FFF2-40B4-BE49-F238E27FC236}">
+                <a16:creationId xmlns:a16="http://schemas.microsoft.com/office/drawing/2014/main" id="{1D8DE4B3-5614-EC20-7E22-4E4D9C0394BB}"/>
+              </a:ext>
+            </a:extLst>
+          </p:cNvPr>
+          <p:cNvSpPr/>
+          <p:nvPr/>
+        </p:nvSpPr>
+        <p:spPr>
+          <a:xfrm>
+            <a:off x="580835" y="2301471"/>
+            <a:ext cx="1806994" cy="594628"/>
+          </a:xfrm>
+          <a:prstGeom prst="rect">
+            <a:avLst/>
+          </a:prstGeom>
+          <a:solidFill>
+            <a:schemeClr val="accent1">
+              <a:lumMod val="60000"/>
+              <a:lumOff val="40000"/>
+            </a:schemeClr>
+          </a:solidFill>
+        </p:spPr>
+        <p:style>
+          <a:lnRef idx="2">
+            <a:schemeClr val="accent1">
+              <a:shade val="50000"/>
+            </a:schemeClr>
+          </a:lnRef>
+          <a:fillRef idx="1">
+            <a:schemeClr val="accent1"/>
+          </a:fillRef>
+          <a:effectRef idx="0">
+            <a:schemeClr val="accent1"/>
+          </a:effectRef>
+          <a:fontRef idx="minor">
+            <a:schemeClr val="lt1"/>
+          </a:fontRef>
+        </p:style>
+        <p:txBody>
+          <a:bodyPr rtlCol="0" anchor="ctr"/>
+          <a:lstStyle/>
+          <a:p>
+            <a:pPr algn="ctr"/>
+            <a:endParaRPr lang="es-UY"/>
+          </a:p>
+        </p:txBody>
+      </p:sp>
+      <p:sp>
+        <p:nvSpPr>
+          <p:cNvPr id="27" name="CuadroTexto 26">
+            <a:extLst>
+              <a:ext uri="{FF2B5EF4-FFF2-40B4-BE49-F238E27FC236}">
+                <a16:creationId xmlns:a16="http://schemas.microsoft.com/office/drawing/2014/main" id="{3FD05872-8293-6416-2A7E-D9A2B26FEE37}"/>
+              </a:ext>
+            </a:extLst>
+          </p:cNvPr>
+          <p:cNvSpPr txBox="1"/>
+          <p:nvPr/>
+        </p:nvSpPr>
+        <p:spPr>
+          <a:xfrm>
+            <a:off x="2490010" y="5661602"/>
+            <a:ext cx="1879355" cy="400110"/>
+          </a:xfrm>
+          <a:prstGeom prst="rect">
+            <a:avLst/>
+          </a:prstGeom>
+          <a:noFill/>
+        </p:spPr>
+        <p:txBody>
+          <a:bodyPr wrap="square">
+            <a:spAutoFit/>
+          </a:bodyPr>
+          <a:lstStyle/>
+          <a:p>
+            <a:r>
+              <a:rPr lang="es-UY" sz="1000" dirty="0" err="1"/>
+              <a:t>private</a:t>
+            </a:r>
+            <a:r>
+              <a:rPr lang="es-UY" sz="1000" dirty="0"/>
+              <a:t> </a:t>
+            </a:r>
+            <a:r>
+              <a:rPr lang="es-UY" sz="1000" dirty="0" err="1"/>
+              <a:t>int</a:t>
+            </a:r>
+            <a:r>
+              <a:rPr lang="es-UY" sz="1000" dirty="0"/>
+              <a:t> </a:t>
+            </a:r>
+            <a:r>
+              <a:rPr lang="es-UY" sz="1000" b="1" dirty="0"/>
+              <a:t>ID</a:t>
+            </a:r>
+            <a:r>
+              <a:rPr lang="es-UY" sz="1000" dirty="0"/>
+              <a:t>;</a:t>
+            </a:r>
+          </a:p>
+          <a:p>
+            <a:r>
+              <a:rPr lang="es-UY" sz="1000" dirty="0" err="1"/>
+              <a:t>private</a:t>
+            </a:r>
+            <a:r>
+              <a:rPr lang="es-UY" sz="1000" dirty="0"/>
+              <a:t> </a:t>
+            </a:r>
+            <a:r>
+              <a:rPr lang="es-UY" sz="1000" dirty="0" err="1"/>
+              <a:t>int</a:t>
+            </a:r>
+            <a:r>
+              <a:rPr lang="es-UY" sz="1000" dirty="0"/>
+              <a:t> </a:t>
+            </a:r>
+            <a:r>
+              <a:rPr lang="es-UY" sz="1000" b="1" dirty="0"/>
+              <a:t>cantidad</a:t>
+            </a:r>
+            <a:r>
+              <a:rPr lang="es-UY" sz="1000" dirty="0"/>
+              <a:t>;</a:t>
+            </a:r>
+          </a:p>
+        </p:txBody>
+      </p:sp>
+      <p:sp>
+        <p:nvSpPr>
+          <p:cNvPr id="38" name="Rectángulo 37">
+            <a:extLst>
+              <a:ext uri="{FF2B5EF4-FFF2-40B4-BE49-F238E27FC236}">
+                <a16:creationId xmlns:a16="http://schemas.microsoft.com/office/drawing/2014/main" id="{46A6BBE3-61D0-B451-EBF1-090A9FDE7AE5}"/>
+              </a:ext>
+            </a:extLst>
+          </p:cNvPr>
+          <p:cNvSpPr/>
+          <p:nvPr/>
+        </p:nvSpPr>
+        <p:spPr>
+          <a:xfrm>
+            <a:off x="3834817" y="5577756"/>
+            <a:ext cx="1207925" cy="807464"/>
+          </a:xfrm>
+          <a:prstGeom prst="rect">
+            <a:avLst/>
+          </a:prstGeom>
+          <a:solidFill>
+            <a:schemeClr val="accent5">
+              <a:lumMod val="60000"/>
+              <a:lumOff val="40000"/>
+            </a:schemeClr>
+          </a:solidFill>
+        </p:spPr>
+        <p:style>
+          <a:lnRef idx="1">
+            <a:schemeClr val="accent5"/>
+          </a:lnRef>
+          <a:fillRef idx="2">
+            <a:schemeClr val="accent5"/>
+          </a:fillRef>
+          <a:effectRef idx="1">
+            <a:schemeClr val="accent5"/>
+          </a:effectRef>
+          <a:fontRef idx="minor">
+            <a:schemeClr val="dk1"/>
+          </a:fontRef>
+        </p:style>
+        <p:txBody>
+          <a:bodyPr rtlCol="0" anchor="ctr"/>
+          <a:lstStyle/>
+          <a:p>
+            <a:pPr algn="ctr"/>
+            <a:endParaRPr lang="es-UY" dirty="0"/>
+          </a:p>
+        </p:txBody>
+      </p:sp>
+      <p:sp>
+        <p:nvSpPr>
+          <p:cNvPr id="39" name="Rectángulo 38">
+            <a:extLst>
+              <a:ext uri="{FF2B5EF4-FFF2-40B4-BE49-F238E27FC236}">
+                <a16:creationId xmlns:a16="http://schemas.microsoft.com/office/drawing/2014/main" id="{0332BDB1-19ED-D126-EAAC-CE457DCB9557}"/>
+              </a:ext>
+            </a:extLst>
+          </p:cNvPr>
+          <p:cNvSpPr/>
+          <p:nvPr/>
+        </p:nvSpPr>
+        <p:spPr>
+          <a:xfrm>
+            <a:off x="5181703" y="5577756"/>
+            <a:ext cx="1207925" cy="807464"/>
+          </a:xfrm>
+          <a:prstGeom prst="rect">
+            <a:avLst/>
+          </a:prstGeom>
+          <a:solidFill>
+            <a:schemeClr val="accent5">
+              <a:lumMod val="60000"/>
+              <a:lumOff val="40000"/>
+            </a:schemeClr>
+          </a:solidFill>
+        </p:spPr>
+        <p:style>
+          <a:lnRef idx="1">
+            <a:schemeClr val="accent5"/>
+          </a:lnRef>
+          <a:fillRef idx="2">
+            <a:schemeClr val="accent5"/>
+          </a:fillRef>
+          <a:effectRef idx="1">
+            <a:schemeClr val="accent5"/>
+          </a:effectRef>
+          <a:fontRef idx="minor">
+            <a:schemeClr val="dk1"/>
+          </a:fontRef>
+        </p:style>
+        <p:txBody>
+          <a:bodyPr rtlCol="0" anchor="ctr"/>
+          <a:lstStyle/>
+          <a:p>
+            <a:pPr algn="ctr"/>
+            <a:endParaRPr lang="es-UY" dirty="0"/>
+          </a:p>
+        </p:txBody>
+      </p:sp>
+      <p:cxnSp>
+        <p:nvCxnSpPr>
+          <p:cNvPr id="6" name="Conector recto de flecha 5">
+            <a:extLst>
+              <a:ext uri="{FF2B5EF4-FFF2-40B4-BE49-F238E27FC236}">
+                <a16:creationId xmlns:a16="http://schemas.microsoft.com/office/drawing/2014/main" id="{A2D2C8EA-5B75-CAD5-ECAC-1FB3DE1CAE1F}"/>
+              </a:ext>
+            </a:extLst>
+          </p:cNvPr>
+          <p:cNvCxnSpPr>
+            <a:cxnSpLocks/>
+          </p:cNvCxnSpPr>
+          <p:nvPr/>
+        </p:nvCxnSpPr>
+        <p:spPr>
+          <a:xfrm flipV="1">
+            <a:off x="3874141" y="5141858"/>
+            <a:ext cx="370906" cy="1"/>
+          </a:xfrm>
+          <a:prstGeom prst="straightConnector1">
+            <a:avLst/>
+          </a:prstGeom>
+          <a:ln w="34925">
+            <a:tailEnd type="triangle"/>
+          </a:ln>
+        </p:spPr>
+        <p:style>
+          <a:lnRef idx="3">
+            <a:schemeClr val="accent5"/>
+          </a:lnRef>
+          <a:fillRef idx="0">
+            <a:schemeClr val="accent5"/>
+          </a:fillRef>
+          <a:effectRef idx="2">
+            <a:schemeClr val="accent5"/>
+          </a:effectRef>
+          <a:fontRef idx="minor">
+            <a:schemeClr val="tx1"/>
+          </a:fontRef>
+        </p:style>
+      </p:cxnSp>
+      <p:sp>
+        <p:nvSpPr>
+          <p:cNvPr id="15" name="CuadroTexto 14">
+            <a:extLst>
+              <a:ext uri="{FF2B5EF4-FFF2-40B4-BE49-F238E27FC236}">
+                <a16:creationId xmlns:a16="http://schemas.microsoft.com/office/drawing/2014/main" id="{C7C7FD16-2A06-E8CC-B05D-EEFCBE594B32}"/>
+              </a:ext>
+            </a:extLst>
+          </p:cNvPr>
+          <p:cNvSpPr txBox="1"/>
+          <p:nvPr/>
+        </p:nvSpPr>
+        <p:spPr>
+          <a:xfrm>
+            <a:off x="4245047" y="4954586"/>
+            <a:ext cx="1547489" cy="415498"/>
+          </a:xfrm>
+          <a:prstGeom prst="rect">
+            <a:avLst/>
+          </a:prstGeom>
+          <a:noFill/>
+        </p:spPr>
+        <p:txBody>
+          <a:bodyPr wrap="square" rtlCol="0">
+            <a:spAutoFit/>
+          </a:bodyPr>
+          <a:lstStyle/>
+          <a:p>
+            <a:pPr algn="just"/>
+            <a:r>
+              <a:rPr lang="es-UY" sz="1050" dirty="0"/>
+              <a:t>Pila de objetos de clase </a:t>
+            </a:r>
+            <a:r>
+              <a:rPr lang="es-UY" sz="1050" b="1" dirty="0" err="1"/>
+              <a:t>ProductoCantidad</a:t>
+            </a:r>
+            <a:r>
+              <a:rPr lang="es-UY" sz="1050" dirty="0"/>
+              <a:t>. </a:t>
+            </a:r>
+          </a:p>
+        </p:txBody>
+      </p:sp>
+      <p:cxnSp>
+        <p:nvCxnSpPr>
+          <p:cNvPr id="22" name="Conector recto de flecha 21">
+            <a:extLst>
+              <a:ext uri="{FF2B5EF4-FFF2-40B4-BE49-F238E27FC236}">
+                <a16:creationId xmlns:a16="http://schemas.microsoft.com/office/drawing/2014/main" id="{32458F9F-B566-3EC4-3F97-D52907DA1276}"/>
+              </a:ext>
+            </a:extLst>
+          </p:cNvPr>
+          <p:cNvCxnSpPr>
+            <a:cxnSpLocks/>
+          </p:cNvCxnSpPr>
+          <p:nvPr/>
+        </p:nvCxnSpPr>
+        <p:spPr>
+          <a:xfrm flipV="1">
+            <a:off x="3100396" y="4144885"/>
+            <a:ext cx="370906" cy="1"/>
+          </a:xfrm>
+          <a:prstGeom prst="straightConnector1">
+            <a:avLst/>
+          </a:prstGeom>
+          <a:ln w="38100">
+            <a:solidFill>
+              <a:srgbClr val="E3BECA"/>
+            </a:solidFill>
+            <a:tailEnd type="triangle"/>
+          </a:ln>
+        </p:spPr>
+        <p:style>
+          <a:lnRef idx="1">
+            <a:schemeClr val="accent1"/>
+          </a:lnRef>
+          <a:fillRef idx="0">
+            <a:schemeClr val="accent1"/>
+          </a:fillRef>
+          <a:effectRef idx="0">
+            <a:schemeClr val="accent1"/>
+          </a:effectRef>
+          <a:fontRef idx="minor">
+            <a:schemeClr val="tx1"/>
+          </a:fontRef>
+        </p:style>
+      </p:cxnSp>
     </p:spTree>
     <p:extLst>
       <p:ext uri="{BB962C8B-B14F-4D97-AF65-F5344CB8AC3E}">
